--- a/source/math_linreg2/00_MAPS/presentation.pptx
+++ b/source/math_linreg2/00_MAPS/presentation.pptx
@@ -11,6 +11,9 @@
     <p:sldId id="258" r:id="rId6"/>
     <p:sldId id="259" r:id="rId7"/>
     <p:sldId id="260" r:id="rId8"/>
+    <p:sldId id="261" r:id="rId9"/>
+    <p:sldId id="262" r:id="rId10"/>
+    <p:sldId id="263" r:id="rId11"/>
   </p:sldIdLst>
   <p:sldSz cx="12192000" cy="6858000"/>
   <p:notesSz cx="7559675" cy="10691812"/>
@@ -58,7 +61,7 @@
       </p:grpSpPr>
       <p:sp>
         <p:nvSpPr>
-          <p:cNvPr id="26" name="PlaceHolder 1"/>
+          <p:cNvPr id="23" name="PlaceHolder 1"/>
           <p:cNvSpPr>
             <a:spLocks noGrp="1"/>
           </p:cNvSpPr>
@@ -68,8 +71,8 @@
         </p:nvSpPr>
         <p:spPr>
           <a:xfrm>
-            <a:off x="838080" y="365040"/>
-            <a:ext cx="10515240" cy="1325160"/>
+            <a:off x="609480" y="273600"/>
+            <a:ext cx="10972440" cy="1144800"/>
           </a:xfrm>
           <a:prstGeom prst="rect">
             <a:avLst/>
@@ -78,18 +81,16 @@
         <p:txBody>
           <a:bodyPr lIns="0" rIns="0" tIns="0" bIns="0" anchor="ctr"/>
           <a:p>
-            <a:endParaRPr b="0" lang="pl-PL" sz="1800" spc="-1" strike="noStrike">
-              <a:solidFill>
-                <a:srgbClr val="000000"/>
-              </a:solidFill>
-              <a:latin typeface="Calibri"/>
-            </a:endParaRPr>
-          </a:p>
-        </p:txBody>
-      </p:sp>
-      <p:sp>
-        <p:nvSpPr>
-          <p:cNvPr id="27" name="PlaceHolder 2"/>
+            <a:pPr algn="ctr"/>
+            <a:endParaRPr b="0" lang="en-US" sz="4400" spc="-1" strike="noStrike">
+              <a:latin typeface="Arial"/>
+            </a:endParaRPr>
+          </a:p>
+        </p:txBody>
+      </p:sp>
+      <p:sp>
+        <p:nvSpPr>
+          <p:cNvPr id="24" name="PlaceHolder 2"/>
           <p:cNvSpPr>
             <a:spLocks noGrp="1"/>
           </p:cNvSpPr>
@@ -99,8 +100,8 @@
         </p:nvSpPr>
         <p:spPr>
           <a:xfrm>
-            <a:off x="838080" y="1825560"/>
-            <a:ext cx="10515240" cy="2075040"/>
+            <a:off x="609480" y="1604520"/>
+            <a:ext cx="10972440" cy="1896840"/>
           </a:xfrm>
           <a:prstGeom prst="rect">
             <a:avLst/>
@@ -111,18 +112,15 @@
             <a:normAutofit/>
           </a:bodyPr>
           <a:p>
-            <a:endParaRPr b="0" lang="pl-PL" sz="2800" spc="-1" strike="noStrike">
-              <a:solidFill>
-                <a:srgbClr val="000000"/>
-              </a:solidFill>
-              <a:latin typeface="Calibri"/>
-            </a:endParaRPr>
-          </a:p>
-        </p:txBody>
-      </p:sp>
-      <p:sp>
-        <p:nvSpPr>
-          <p:cNvPr id="28" name="PlaceHolder 3"/>
+            <a:endParaRPr b="0" lang="en-US" sz="3200" spc="-1" strike="noStrike">
+              <a:latin typeface="Arial"/>
+            </a:endParaRPr>
+          </a:p>
+        </p:txBody>
+      </p:sp>
+      <p:sp>
+        <p:nvSpPr>
+          <p:cNvPr id="25" name="PlaceHolder 3"/>
           <p:cNvSpPr>
             <a:spLocks noGrp="1"/>
           </p:cNvSpPr>
@@ -132,8 +130,8 @@
         </p:nvSpPr>
         <p:spPr>
           <a:xfrm>
-            <a:off x="838080" y="4098240"/>
-            <a:ext cx="10515240" cy="2075040"/>
+            <a:off x="609480" y="3682080"/>
+            <a:ext cx="10972440" cy="1896840"/>
           </a:xfrm>
           <a:prstGeom prst="rect">
             <a:avLst/>
@@ -144,11 +142,8 @@
             <a:normAutofit/>
           </a:bodyPr>
           <a:p>
-            <a:endParaRPr b="0" lang="pl-PL" sz="2800" spc="-1" strike="noStrike">
-              <a:solidFill>
-                <a:srgbClr val="000000"/>
-              </a:solidFill>
-              <a:latin typeface="Calibri"/>
+            <a:endParaRPr b="0" lang="en-US" sz="3200" spc="-1" strike="noStrike">
+              <a:latin typeface="Arial"/>
             </a:endParaRPr>
           </a:p>
         </p:txBody>
@@ -177,7 +172,7 @@
       </p:grpSpPr>
       <p:sp>
         <p:nvSpPr>
-          <p:cNvPr id="29" name="PlaceHolder 1"/>
+          <p:cNvPr id="26" name="PlaceHolder 1"/>
           <p:cNvSpPr>
             <a:spLocks noGrp="1"/>
           </p:cNvSpPr>
@@ -187,8 +182,8 @@
         </p:nvSpPr>
         <p:spPr>
           <a:xfrm>
-            <a:off x="838080" y="365040"/>
-            <a:ext cx="10515240" cy="1325160"/>
+            <a:off x="609480" y="273600"/>
+            <a:ext cx="10972440" cy="1144800"/>
           </a:xfrm>
           <a:prstGeom prst="rect">
             <a:avLst/>
@@ -197,18 +192,16 @@
         <p:txBody>
           <a:bodyPr lIns="0" rIns="0" tIns="0" bIns="0" anchor="ctr"/>
           <a:p>
-            <a:endParaRPr b="0" lang="pl-PL" sz="1800" spc="-1" strike="noStrike">
-              <a:solidFill>
-                <a:srgbClr val="000000"/>
-              </a:solidFill>
-              <a:latin typeface="Calibri"/>
-            </a:endParaRPr>
-          </a:p>
-        </p:txBody>
-      </p:sp>
-      <p:sp>
-        <p:nvSpPr>
-          <p:cNvPr id="30" name="PlaceHolder 2"/>
+            <a:pPr algn="ctr"/>
+            <a:endParaRPr b="0" lang="en-US" sz="4400" spc="-1" strike="noStrike">
+              <a:latin typeface="Arial"/>
+            </a:endParaRPr>
+          </a:p>
+        </p:txBody>
+      </p:sp>
+      <p:sp>
+        <p:nvSpPr>
+          <p:cNvPr id="27" name="PlaceHolder 2"/>
           <p:cNvSpPr>
             <a:spLocks noGrp="1"/>
           </p:cNvSpPr>
@@ -218,8 +211,8 @@
         </p:nvSpPr>
         <p:spPr>
           <a:xfrm>
-            <a:off x="838080" y="1825560"/>
-            <a:ext cx="5131080" cy="2075040"/>
+            <a:off x="609480" y="1604520"/>
+            <a:ext cx="5354280" cy="1896840"/>
           </a:xfrm>
           <a:prstGeom prst="rect">
             <a:avLst/>
@@ -230,18 +223,15 @@
             <a:normAutofit/>
           </a:bodyPr>
           <a:p>
-            <a:endParaRPr b="0" lang="pl-PL" sz="2800" spc="-1" strike="noStrike">
-              <a:solidFill>
-                <a:srgbClr val="000000"/>
-              </a:solidFill>
-              <a:latin typeface="Calibri"/>
-            </a:endParaRPr>
-          </a:p>
-        </p:txBody>
-      </p:sp>
-      <p:sp>
-        <p:nvSpPr>
-          <p:cNvPr id="31" name="PlaceHolder 3"/>
+            <a:endParaRPr b="0" lang="en-US" sz="3200" spc="-1" strike="noStrike">
+              <a:latin typeface="Arial"/>
+            </a:endParaRPr>
+          </a:p>
+        </p:txBody>
+      </p:sp>
+      <p:sp>
+        <p:nvSpPr>
+          <p:cNvPr id="28" name="PlaceHolder 3"/>
           <p:cNvSpPr>
             <a:spLocks noGrp="1"/>
           </p:cNvSpPr>
@@ -251,8 +241,8 @@
         </p:nvSpPr>
         <p:spPr>
           <a:xfrm>
-            <a:off x="6226200" y="1825560"/>
-            <a:ext cx="5131080" cy="2075040"/>
+            <a:off x="6231960" y="1604520"/>
+            <a:ext cx="5354280" cy="1896840"/>
           </a:xfrm>
           <a:prstGeom prst="rect">
             <a:avLst/>
@@ -263,18 +253,15 @@
             <a:normAutofit/>
           </a:bodyPr>
           <a:p>
-            <a:endParaRPr b="0" lang="pl-PL" sz="2800" spc="-1" strike="noStrike">
-              <a:solidFill>
-                <a:srgbClr val="000000"/>
-              </a:solidFill>
-              <a:latin typeface="Calibri"/>
-            </a:endParaRPr>
-          </a:p>
-        </p:txBody>
-      </p:sp>
-      <p:sp>
-        <p:nvSpPr>
-          <p:cNvPr id="32" name="PlaceHolder 4"/>
+            <a:endParaRPr b="0" lang="en-US" sz="3200" spc="-1" strike="noStrike">
+              <a:latin typeface="Arial"/>
+            </a:endParaRPr>
+          </a:p>
+        </p:txBody>
+      </p:sp>
+      <p:sp>
+        <p:nvSpPr>
+          <p:cNvPr id="29" name="PlaceHolder 4"/>
           <p:cNvSpPr>
             <a:spLocks noGrp="1"/>
           </p:cNvSpPr>
@@ -284,8 +271,8 @@
         </p:nvSpPr>
         <p:spPr>
           <a:xfrm>
-            <a:off x="838080" y="4098240"/>
-            <a:ext cx="5131080" cy="2075040"/>
+            <a:off x="609480" y="3682080"/>
+            <a:ext cx="5354280" cy="1896840"/>
           </a:xfrm>
           <a:prstGeom prst="rect">
             <a:avLst/>
@@ -296,18 +283,15 @@
             <a:normAutofit/>
           </a:bodyPr>
           <a:p>
-            <a:endParaRPr b="0" lang="pl-PL" sz="2800" spc="-1" strike="noStrike">
-              <a:solidFill>
-                <a:srgbClr val="000000"/>
-              </a:solidFill>
-              <a:latin typeface="Calibri"/>
-            </a:endParaRPr>
-          </a:p>
-        </p:txBody>
-      </p:sp>
-      <p:sp>
-        <p:nvSpPr>
-          <p:cNvPr id="33" name="PlaceHolder 5"/>
+            <a:endParaRPr b="0" lang="en-US" sz="3200" spc="-1" strike="noStrike">
+              <a:latin typeface="Arial"/>
+            </a:endParaRPr>
+          </a:p>
+        </p:txBody>
+      </p:sp>
+      <p:sp>
+        <p:nvSpPr>
+          <p:cNvPr id="30" name="PlaceHolder 5"/>
           <p:cNvSpPr>
             <a:spLocks noGrp="1"/>
           </p:cNvSpPr>
@@ -317,8 +301,8 @@
         </p:nvSpPr>
         <p:spPr>
           <a:xfrm>
-            <a:off x="6226200" y="4098240"/>
-            <a:ext cx="5131080" cy="2075040"/>
+            <a:off x="6231960" y="3682080"/>
+            <a:ext cx="5354280" cy="1896840"/>
           </a:xfrm>
           <a:prstGeom prst="rect">
             <a:avLst/>
@@ -329,11 +313,8 @@
             <a:normAutofit/>
           </a:bodyPr>
           <a:p>
-            <a:endParaRPr b="0" lang="pl-PL" sz="2800" spc="-1" strike="noStrike">
-              <a:solidFill>
-                <a:srgbClr val="000000"/>
-              </a:solidFill>
-              <a:latin typeface="Calibri"/>
+            <a:endParaRPr b="0" lang="en-US" sz="3200" spc="-1" strike="noStrike">
+              <a:latin typeface="Arial"/>
             </a:endParaRPr>
           </a:p>
         </p:txBody>
@@ -362,7 +343,7 @@
       </p:grpSpPr>
       <p:sp>
         <p:nvSpPr>
-          <p:cNvPr id="34" name="PlaceHolder 1"/>
+          <p:cNvPr id="31" name="PlaceHolder 1"/>
           <p:cNvSpPr>
             <a:spLocks noGrp="1"/>
           </p:cNvSpPr>
@@ -372,8 +353,8 @@
         </p:nvSpPr>
         <p:spPr>
           <a:xfrm>
-            <a:off x="838080" y="365040"/>
-            <a:ext cx="10515240" cy="1325160"/>
+            <a:off x="609480" y="273600"/>
+            <a:ext cx="10972440" cy="1144800"/>
           </a:xfrm>
           <a:prstGeom prst="rect">
             <a:avLst/>
@@ -382,18 +363,16 @@
         <p:txBody>
           <a:bodyPr lIns="0" rIns="0" tIns="0" bIns="0" anchor="ctr"/>
           <a:p>
-            <a:endParaRPr b="0" lang="pl-PL" sz="1800" spc="-1" strike="noStrike">
-              <a:solidFill>
-                <a:srgbClr val="000000"/>
-              </a:solidFill>
-              <a:latin typeface="Calibri"/>
-            </a:endParaRPr>
-          </a:p>
-        </p:txBody>
-      </p:sp>
-      <p:sp>
-        <p:nvSpPr>
-          <p:cNvPr id="35" name="PlaceHolder 2"/>
+            <a:pPr algn="ctr"/>
+            <a:endParaRPr b="0" lang="en-US" sz="4400" spc="-1" strike="noStrike">
+              <a:latin typeface="Arial"/>
+            </a:endParaRPr>
+          </a:p>
+        </p:txBody>
+      </p:sp>
+      <p:sp>
+        <p:nvSpPr>
+          <p:cNvPr id="32" name="PlaceHolder 2"/>
           <p:cNvSpPr>
             <a:spLocks noGrp="1"/>
           </p:cNvSpPr>
@@ -403,8 +382,8 @@
         </p:nvSpPr>
         <p:spPr>
           <a:xfrm>
-            <a:off x="838080" y="1825560"/>
-            <a:ext cx="3385800" cy="2075040"/>
+            <a:off x="609480" y="1604520"/>
+            <a:ext cx="3533040" cy="1896840"/>
           </a:xfrm>
           <a:prstGeom prst="rect">
             <a:avLst/>
@@ -415,18 +394,15 @@
             <a:normAutofit/>
           </a:bodyPr>
           <a:p>
-            <a:endParaRPr b="0" lang="pl-PL" sz="2800" spc="-1" strike="noStrike">
-              <a:solidFill>
-                <a:srgbClr val="000000"/>
-              </a:solidFill>
-              <a:latin typeface="Calibri"/>
-            </a:endParaRPr>
-          </a:p>
-        </p:txBody>
-      </p:sp>
-      <p:sp>
-        <p:nvSpPr>
-          <p:cNvPr id="36" name="PlaceHolder 3"/>
+            <a:endParaRPr b="0" lang="en-US" sz="3200" spc="-1" strike="noStrike">
+              <a:latin typeface="Arial"/>
+            </a:endParaRPr>
+          </a:p>
+        </p:txBody>
+      </p:sp>
+      <p:sp>
+        <p:nvSpPr>
+          <p:cNvPr id="33" name="PlaceHolder 3"/>
           <p:cNvSpPr>
             <a:spLocks noGrp="1"/>
           </p:cNvSpPr>
@@ -436,8 +412,8 @@
         </p:nvSpPr>
         <p:spPr>
           <a:xfrm>
-            <a:off x="4393440" y="1825560"/>
-            <a:ext cx="3385800" cy="2075040"/>
+            <a:off x="4319640" y="1604520"/>
+            <a:ext cx="3533040" cy="1896840"/>
           </a:xfrm>
           <a:prstGeom prst="rect">
             <a:avLst/>
@@ -448,18 +424,15 @@
             <a:normAutofit/>
           </a:bodyPr>
           <a:p>
-            <a:endParaRPr b="0" lang="pl-PL" sz="2800" spc="-1" strike="noStrike">
-              <a:solidFill>
-                <a:srgbClr val="000000"/>
-              </a:solidFill>
-              <a:latin typeface="Calibri"/>
-            </a:endParaRPr>
-          </a:p>
-        </p:txBody>
-      </p:sp>
-      <p:sp>
-        <p:nvSpPr>
-          <p:cNvPr id="37" name="PlaceHolder 4"/>
+            <a:endParaRPr b="0" lang="en-US" sz="3200" spc="-1" strike="noStrike">
+              <a:latin typeface="Arial"/>
+            </a:endParaRPr>
+          </a:p>
+        </p:txBody>
+      </p:sp>
+      <p:sp>
+        <p:nvSpPr>
+          <p:cNvPr id="34" name="PlaceHolder 4"/>
           <p:cNvSpPr>
             <a:spLocks noGrp="1"/>
           </p:cNvSpPr>
@@ -469,8 +442,8 @@
         </p:nvSpPr>
         <p:spPr>
           <a:xfrm>
-            <a:off x="7949160" y="1825560"/>
-            <a:ext cx="3385800" cy="2075040"/>
+            <a:off x="8029800" y="1604520"/>
+            <a:ext cx="3533040" cy="1896840"/>
           </a:xfrm>
           <a:prstGeom prst="rect">
             <a:avLst/>
@@ -481,18 +454,15 @@
             <a:normAutofit/>
           </a:bodyPr>
           <a:p>
-            <a:endParaRPr b="0" lang="pl-PL" sz="2800" spc="-1" strike="noStrike">
-              <a:solidFill>
-                <a:srgbClr val="000000"/>
-              </a:solidFill>
-              <a:latin typeface="Calibri"/>
-            </a:endParaRPr>
-          </a:p>
-        </p:txBody>
-      </p:sp>
-      <p:sp>
-        <p:nvSpPr>
-          <p:cNvPr id="38" name="PlaceHolder 5"/>
+            <a:endParaRPr b="0" lang="en-US" sz="3200" spc="-1" strike="noStrike">
+              <a:latin typeface="Arial"/>
+            </a:endParaRPr>
+          </a:p>
+        </p:txBody>
+      </p:sp>
+      <p:sp>
+        <p:nvSpPr>
+          <p:cNvPr id="35" name="PlaceHolder 5"/>
           <p:cNvSpPr>
             <a:spLocks noGrp="1"/>
           </p:cNvSpPr>
@@ -502,8 +472,8 @@
         </p:nvSpPr>
         <p:spPr>
           <a:xfrm>
-            <a:off x="838080" y="4098240"/>
-            <a:ext cx="3385800" cy="2075040"/>
+            <a:off x="609480" y="3682080"/>
+            <a:ext cx="3533040" cy="1896840"/>
           </a:xfrm>
           <a:prstGeom prst="rect">
             <a:avLst/>
@@ -514,18 +484,15 @@
             <a:normAutofit/>
           </a:bodyPr>
           <a:p>
-            <a:endParaRPr b="0" lang="pl-PL" sz="2800" spc="-1" strike="noStrike">
-              <a:solidFill>
-                <a:srgbClr val="000000"/>
-              </a:solidFill>
-              <a:latin typeface="Calibri"/>
-            </a:endParaRPr>
-          </a:p>
-        </p:txBody>
-      </p:sp>
-      <p:sp>
-        <p:nvSpPr>
-          <p:cNvPr id="39" name="PlaceHolder 6"/>
+            <a:endParaRPr b="0" lang="en-US" sz="3200" spc="-1" strike="noStrike">
+              <a:latin typeface="Arial"/>
+            </a:endParaRPr>
+          </a:p>
+        </p:txBody>
+      </p:sp>
+      <p:sp>
+        <p:nvSpPr>
+          <p:cNvPr id="36" name="PlaceHolder 6"/>
           <p:cNvSpPr>
             <a:spLocks noGrp="1"/>
           </p:cNvSpPr>
@@ -535,8 +502,8 @@
         </p:nvSpPr>
         <p:spPr>
           <a:xfrm>
-            <a:off x="4393440" y="4098240"/>
-            <a:ext cx="3385800" cy="2075040"/>
+            <a:off x="4319640" y="3682080"/>
+            <a:ext cx="3533040" cy="1896840"/>
           </a:xfrm>
           <a:prstGeom prst="rect">
             <a:avLst/>
@@ -547,18 +514,15 @@
             <a:normAutofit/>
           </a:bodyPr>
           <a:p>
-            <a:endParaRPr b="0" lang="pl-PL" sz="2800" spc="-1" strike="noStrike">
-              <a:solidFill>
-                <a:srgbClr val="000000"/>
-              </a:solidFill>
-              <a:latin typeface="Calibri"/>
-            </a:endParaRPr>
-          </a:p>
-        </p:txBody>
-      </p:sp>
-      <p:sp>
-        <p:nvSpPr>
-          <p:cNvPr id="40" name="PlaceHolder 7"/>
+            <a:endParaRPr b="0" lang="en-US" sz="3200" spc="-1" strike="noStrike">
+              <a:latin typeface="Arial"/>
+            </a:endParaRPr>
+          </a:p>
+        </p:txBody>
+      </p:sp>
+      <p:sp>
+        <p:nvSpPr>
+          <p:cNvPr id="37" name="PlaceHolder 7"/>
           <p:cNvSpPr>
             <a:spLocks noGrp="1"/>
           </p:cNvSpPr>
@@ -568,8 +532,8 @@
         </p:nvSpPr>
         <p:spPr>
           <a:xfrm>
-            <a:off x="7949160" y="4098240"/>
-            <a:ext cx="3385800" cy="2075040"/>
+            <a:off x="8029800" y="3682080"/>
+            <a:ext cx="3533040" cy="1896840"/>
           </a:xfrm>
           <a:prstGeom prst="rect">
             <a:avLst/>
@@ -580,11 +544,8 @@
             <a:normAutofit/>
           </a:bodyPr>
           <a:p>
-            <a:endParaRPr b="0" lang="pl-PL" sz="2800" spc="-1" strike="noStrike">
-              <a:solidFill>
-                <a:srgbClr val="000000"/>
-              </a:solidFill>
-              <a:latin typeface="Calibri"/>
+            <a:endParaRPr b="0" lang="en-US" sz="3200" spc="-1" strike="noStrike">
+              <a:latin typeface="Arial"/>
             </a:endParaRPr>
           </a:p>
         </p:txBody>
@@ -635,7 +596,7 @@
       </p:grpSpPr>
       <p:sp>
         <p:nvSpPr>
-          <p:cNvPr id="46" name="PlaceHolder 1"/>
+          <p:cNvPr id="40" name="PlaceHolder 1"/>
           <p:cNvSpPr>
             <a:spLocks noGrp="1"/>
           </p:cNvSpPr>
@@ -645,8 +606,8 @@
         </p:nvSpPr>
         <p:spPr>
           <a:xfrm>
-            <a:off x="838080" y="365040"/>
-            <a:ext cx="10515240" cy="1325160"/>
+            <a:off x="609480" y="273600"/>
+            <a:ext cx="10972440" cy="1144800"/>
           </a:xfrm>
           <a:prstGeom prst="rect">
             <a:avLst/>
@@ -655,18 +616,16 @@
         <p:txBody>
           <a:bodyPr lIns="0" rIns="0" tIns="0" bIns="0" anchor="ctr"/>
           <a:p>
-            <a:endParaRPr b="0" lang="pl-PL" sz="1800" spc="-1" strike="noStrike">
-              <a:solidFill>
-                <a:srgbClr val="000000"/>
-              </a:solidFill>
-              <a:latin typeface="Calibri"/>
-            </a:endParaRPr>
-          </a:p>
-        </p:txBody>
-      </p:sp>
-      <p:sp>
-        <p:nvSpPr>
-          <p:cNvPr id="47" name="PlaceHolder 2"/>
+            <a:pPr algn="ctr"/>
+            <a:endParaRPr b="0" lang="en-US" sz="4400" spc="-1" strike="noStrike">
+              <a:latin typeface="Arial"/>
+            </a:endParaRPr>
+          </a:p>
+        </p:txBody>
+      </p:sp>
+      <p:sp>
+        <p:nvSpPr>
+          <p:cNvPr id="41" name="PlaceHolder 2"/>
           <p:cNvSpPr>
             <a:spLocks noGrp="1"/>
           </p:cNvSpPr>
@@ -676,8 +635,8 @@
         </p:nvSpPr>
         <p:spPr>
           <a:xfrm>
-            <a:off x="838080" y="1825560"/>
-            <a:ext cx="10515240" cy="4350960"/>
+            <a:off x="609480" y="1604520"/>
+            <a:ext cx="10972440" cy="3977280"/>
           </a:xfrm>
           <a:prstGeom prst="rect">
             <a:avLst/>
@@ -717,7 +676,7 @@
       </p:grpSpPr>
       <p:sp>
         <p:nvSpPr>
-          <p:cNvPr id="48" name="PlaceHolder 1"/>
+          <p:cNvPr id="42" name="PlaceHolder 1"/>
           <p:cNvSpPr>
             <a:spLocks noGrp="1"/>
           </p:cNvSpPr>
@@ -727,8 +686,8 @@
         </p:nvSpPr>
         <p:spPr>
           <a:xfrm>
-            <a:off x="838080" y="365040"/>
-            <a:ext cx="10515240" cy="1325160"/>
+            <a:off x="609480" y="273600"/>
+            <a:ext cx="10972440" cy="1144800"/>
           </a:xfrm>
           <a:prstGeom prst="rect">
             <a:avLst/>
@@ -737,18 +696,16 @@
         <p:txBody>
           <a:bodyPr lIns="0" rIns="0" tIns="0" bIns="0" anchor="ctr"/>
           <a:p>
-            <a:endParaRPr b="0" lang="pl-PL" sz="1800" spc="-1" strike="noStrike">
-              <a:solidFill>
-                <a:srgbClr val="000000"/>
-              </a:solidFill>
-              <a:latin typeface="Calibri"/>
-            </a:endParaRPr>
-          </a:p>
-        </p:txBody>
-      </p:sp>
-      <p:sp>
-        <p:nvSpPr>
-          <p:cNvPr id="49" name="PlaceHolder 2"/>
+            <a:pPr algn="ctr"/>
+            <a:endParaRPr b="0" lang="en-US" sz="4400" spc="-1" strike="noStrike">
+              <a:latin typeface="Arial"/>
+            </a:endParaRPr>
+          </a:p>
+        </p:txBody>
+      </p:sp>
+      <p:sp>
+        <p:nvSpPr>
+          <p:cNvPr id="43" name="PlaceHolder 2"/>
           <p:cNvSpPr>
             <a:spLocks noGrp="1"/>
           </p:cNvSpPr>
@@ -758,8 +715,8 @@
         </p:nvSpPr>
         <p:spPr>
           <a:xfrm>
-            <a:off x="838080" y="1825560"/>
-            <a:ext cx="10515240" cy="4350960"/>
+            <a:off x="609480" y="1604520"/>
+            <a:ext cx="10972440" cy="3977280"/>
           </a:xfrm>
           <a:prstGeom prst="rect">
             <a:avLst/>
@@ -770,11 +727,8 @@
             <a:normAutofit/>
           </a:bodyPr>
           <a:p>
-            <a:endParaRPr b="0" lang="pl-PL" sz="2800" spc="-1" strike="noStrike">
-              <a:solidFill>
-                <a:srgbClr val="000000"/>
-              </a:solidFill>
-              <a:latin typeface="Calibri"/>
+            <a:endParaRPr b="0" lang="en-US" sz="3200" spc="-1" strike="noStrike">
+              <a:latin typeface="Arial"/>
             </a:endParaRPr>
           </a:p>
         </p:txBody>
@@ -803,7 +757,7 @@
       </p:grpSpPr>
       <p:sp>
         <p:nvSpPr>
-          <p:cNvPr id="50" name="PlaceHolder 1"/>
+          <p:cNvPr id="44" name="PlaceHolder 1"/>
           <p:cNvSpPr>
             <a:spLocks noGrp="1"/>
           </p:cNvSpPr>
@@ -813,8 +767,8 @@
         </p:nvSpPr>
         <p:spPr>
           <a:xfrm>
-            <a:off x="838080" y="365040"/>
-            <a:ext cx="10515240" cy="1325160"/>
+            <a:off x="609480" y="273600"/>
+            <a:ext cx="10972440" cy="1144800"/>
           </a:xfrm>
           <a:prstGeom prst="rect">
             <a:avLst/>
@@ -823,18 +777,16 @@
         <p:txBody>
           <a:bodyPr lIns="0" rIns="0" tIns="0" bIns="0" anchor="ctr"/>
           <a:p>
-            <a:endParaRPr b="0" lang="pl-PL" sz="1800" spc="-1" strike="noStrike">
-              <a:solidFill>
-                <a:srgbClr val="000000"/>
-              </a:solidFill>
-              <a:latin typeface="Calibri"/>
-            </a:endParaRPr>
-          </a:p>
-        </p:txBody>
-      </p:sp>
-      <p:sp>
-        <p:nvSpPr>
-          <p:cNvPr id="51" name="PlaceHolder 2"/>
+            <a:pPr algn="ctr"/>
+            <a:endParaRPr b="0" lang="en-US" sz="4400" spc="-1" strike="noStrike">
+              <a:latin typeface="Arial"/>
+            </a:endParaRPr>
+          </a:p>
+        </p:txBody>
+      </p:sp>
+      <p:sp>
+        <p:nvSpPr>
+          <p:cNvPr id="45" name="PlaceHolder 2"/>
           <p:cNvSpPr>
             <a:spLocks noGrp="1"/>
           </p:cNvSpPr>
@@ -844,8 +796,8 @@
         </p:nvSpPr>
         <p:spPr>
           <a:xfrm>
-            <a:off x="838080" y="1825560"/>
-            <a:ext cx="5131080" cy="4350960"/>
+            <a:off x="609480" y="1604520"/>
+            <a:ext cx="5354280" cy="3977280"/>
           </a:xfrm>
           <a:prstGeom prst="rect">
             <a:avLst/>
@@ -856,18 +808,15 @@
             <a:normAutofit/>
           </a:bodyPr>
           <a:p>
-            <a:endParaRPr b="0" lang="pl-PL" sz="2800" spc="-1" strike="noStrike">
-              <a:solidFill>
-                <a:srgbClr val="000000"/>
-              </a:solidFill>
-              <a:latin typeface="Calibri"/>
-            </a:endParaRPr>
-          </a:p>
-        </p:txBody>
-      </p:sp>
-      <p:sp>
-        <p:nvSpPr>
-          <p:cNvPr id="52" name="PlaceHolder 3"/>
+            <a:endParaRPr b="0" lang="en-US" sz="3200" spc="-1" strike="noStrike">
+              <a:latin typeface="Arial"/>
+            </a:endParaRPr>
+          </a:p>
+        </p:txBody>
+      </p:sp>
+      <p:sp>
+        <p:nvSpPr>
+          <p:cNvPr id="46" name="PlaceHolder 3"/>
           <p:cNvSpPr>
             <a:spLocks noGrp="1"/>
           </p:cNvSpPr>
@@ -877,8 +826,8 @@
         </p:nvSpPr>
         <p:spPr>
           <a:xfrm>
-            <a:off x="6226200" y="1825560"/>
-            <a:ext cx="5131080" cy="4350960"/>
+            <a:off x="6231960" y="1604520"/>
+            <a:ext cx="5354280" cy="3977280"/>
           </a:xfrm>
           <a:prstGeom prst="rect">
             <a:avLst/>
@@ -889,11 +838,8 @@
             <a:normAutofit/>
           </a:bodyPr>
           <a:p>
-            <a:endParaRPr b="0" lang="pl-PL" sz="2800" spc="-1" strike="noStrike">
-              <a:solidFill>
-                <a:srgbClr val="000000"/>
-              </a:solidFill>
-              <a:latin typeface="Calibri"/>
+            <a:endParaRPr b="0" lang="en-US" sz="3200" spc="-1" strike="noStrike">
+              <a:latin typeface="Arial"/>
             </a:endParaRPr>
           </a:p>
         </p:txBody>
@@ -922,7 +868,7 @@
       </p:grpSpPr>
       <p:sp>
         <p:nvSpPr>
-          <p:cNvPr id="53" name="PlaceHolder 1"/>
+          <p:cNvPr id="47" name="PlaceHolder 1"/>
           <p:cNvSpPr>
             <a:spLocks noGrp="1"/>
           </p:cNvSpPr>
@@ -932,8 +878,8 @@
         </p:nvSpPr>
         <p:spPr>
           <a:xfrm>
-            <a:off x="838080" y="365040"/>
-            <a:ext cx="10515240" cy="1325160"/>
+            <a:off x="609480" y="273600"/>
+            <a:ext cx="10972440" cy="1144800"/>
           </a:xfrm>
           <a:prstGeom prst="rect">
             <a:avLst/>
@@ -942,11 +888,9 @@
         <p:txBody>
           <a:bodyPr lIns="0" rIns="0" tIns="0" bIns="0" anchor="ctr"/>
           <a:p>
-            <a:endParaRPr b="0" lang="pl-PL" sz="1800" spc="-1" strike="noStrike">
-              <a:solidFill>
-                <a:srgbClr val="000000"/>
-              </a:solidFill>
-              <a:latin typeface="Calibri"/>
+            <a:pPr algn="ctr"/>
+            <a:endParaRPr b="0" lang="en-US" sz="4400" spc="-1" strike="noStrike">
+              <a:latin typeface="Arial"/>
             </a:endParaRPr>
           </a:p>
         </p:txBody>
@@ -975,7 +919,7 @@
       </p:grpSpPr>
       <p:sp>
         <p:nvSpPr>
-          <p:cNvPr id="54" name="PlaceHolder 1"/>
+          <p:cNvPr id="48" name="PlaceHolder 1"/>
           <p:cNvSpPr>
             <a:spLocks noGrp="1"/>
           </p:cNvSpPr>
@@ -985,8 +929,8 @@
         </p:nvSpPr>
         <p:spPr>
           <a:xfrm>
-            <a:off x="838080" y="365040"/>
-            <a:ext cx="10515240" cy="6144120"/>
+            <a:off x="609480" y="273600"/>
+            <a:ext cx="10972440" cy="5307840"/>
           </a:xfrm>
           <a:prstGeom prst="rect">
             <a:avLst/>
@@ -1026,7 +970,7 @@
       </p:grpSpPr>
       <p:sp>
         <p:nvSpPr>
-          <p:cNvPr id="55" name="PlaceHolder 1"/>
+          <p:cNvPr id="49" name="PlaceHolder 1"/>
           <p:cNvSpPr>
             <a:spLocks noGrp="1"/>
           </p:cNvSpPr>
@@ -1036,8 +980,8 @@
         </p:nvSpPr>
         <p:spPr>
           <a:xfrm>
-            <a:off x="838080" y="365040"/>
-            <a:ext cx="10515240" cy="1325160"/>
+            <a:off x="609480" y="273600"/>
+            <a:ext cx="10972440" cy="1144800"/>
           </a:xfrm>
           <a:prstGeom prst="rect">
             <a:avLst/>
@@ -1046,18 +990,16 @@
         <p:txBody>
           <a:bodyPr lIns="0" rIns="0" tIns="0" bIns="0" anchor="ctr"/>
           <a:p>
-            <a:endParaRPr b="0" lang="pl-PL" sz="1800" spc="-1" strike="noStrike">
-              <a:solidFill>
-                <a:srgbClr val="000000"/>
-              </a:solidFill>
-              <a:latin typeface="Calibri"/>
-            </a:endParaRPr>
-          </a:p>
-        </p:txBody>
-      </p:sp>
-      <p:sp>
-        <p:nvSpPr>
-          <p:cNvPr id="56" name="PlaceHolder 2"/>
+            <a:pPr algn="ctr"/>
+            <a:endParaRPr b="0" lang="en-US" sz="4400" spc="-1" strike="noStrike">
+              <a:latin typeface="Arial"/>
+            </a:endParaRPr>
+          </a:p>
+        </p:txBody>
+      </p:sp>
+      <p:sp>
+        <p:nvSpPr>
+          <p:cNvPr id="50" name="PlaceHolder 2"/>
           <p:cNvSpPr>
             <a:spLocks noGrp="1"/>
           </p:cNvSpPr>
@@ -1067,8 +1009,8 @@
         </p:nvSpPr>
         <p:spPr>
           <a:xfrm>
-            <a:off x="838080" y="1825560"/>
-            <a:ext cx="5131080" cy="2075040"/>
+            <a:off x="609480" y="1604520"/>
+            <a:ext cx="5354280" cy="1896840"/>
           </a:xfrm>
           <a:prstGeom prst="rect">
             <a:avLst/>
@@ -1079,18 +1021,15 @@
             <a:normAutofit/>
           </a:bodyPr>
           <a:p>
-            <a:endParaRPr b="0" lang="pl-PL" sz="2800" spc="-1" strike="noStrike">
-              <a:solidFill>
-                <a:srgbClr val="000000"/>
-              </a:solidFill>
-              <a:latin typeface="Calibri"/>
-            </a:endParaRPr>
-          </a:p>
-        </p:txBody>
-      </p:sp>
-      <p:sp>
-        <p:nvSpPr>
-          <p:cNvPr id="57" name="PlaceHolder 3"/>
+            <a:endParaRPr b="0" lang="en-US" sz="3200" spc="-1" strike="noStrike">
+              <a:latin typeface="Arial"/>
+            </a:endParaRPr>
+          </a:p>
+        </p:txBody>
+      </p:sp>
+      <p:sp>
+        <p:nvSpPr>
+          <p:cNvPr id="51" name="PlaceHolder 3"/>
           <p:cNvSpPr>
             <a:spLocks noGrp="1"/>
           </p:cNvSpPr>
@@ -1100,8 +1039,8 @@
         </p:nvSpPr>
         <p:spPr>
           <a:xfrm>
-            <a:off x="6226200" y="1825560"/>
-            <a:ext cx="5131080" cy="4350960"/>
+            <a:off x="6231960" y="1604520"/>
+            <a:ext cx="5354280" cy="3977280"/>
           </a:xfrm>
           <a:prstGeom prst="rect">
             <a:avLst/>
@@ -1112,18 +1051,15 @@
             <a:normAutofit/>
           </a:bodyPr>
           <a:p>
-            <a:endParaRPr b="0" lang="pl-PL" sz="2800" spc="-1" strike="noStrike">
-              <a:solidFill>
-                <a:srgbClr val="000000"/>
-              </a:solidFill>
-              <a:latin typeface="Calibri"/>
-            </a:endParaRPr>
-          </a:p>
-        </p:txBody>
-      </p:sp>
-      <p:sp>
-        <p:nvSpPr>
-          <p:cNvPr id="58" name="PlaceHolder 4"/>
+            <a:endParaRPr b="0" lang="en-US" sz="3200" spc="-1" strike="noStrike">
+              <a:latin typeface="Arial"/>
+            </a:endParaRPr>
+          </a:p>
+        </p:txBody>
+      </p:sp>
+      <p:sp>
+        <p:nvSpPr>
+          <p:cNvPr id="52" name="PlaceHolder 4"/>
           <p:cNvSpPr>
             <a:spLocks noGrp="1"/>
           </p:cNvSpPr>
@@ -1133,8 +1069,8 @@
         </p:nvSpPr>
         <p:spPr>
           <a:xfrm>
-            <a:off x="838080" y="4098240"/>
-            <a:ext cx="5131080" cy="2075040"/>
+            <a:off x="609480" y="3682080"/>
+            <a:ext cx="5354280" cy="1896840"/>
           </a:xfrm>
           <a:prstGeom prst="rect">
             <a:avLst/>
@@ -1145,11 +1081,8 @@
             <a:normAutofit/>
           </a:bodyPr>
           <a:p>
-            <a:endParaRPr b="0" lang="pl-PL" sz="2800" spc="-1" strike="noStrike">
-              <a:solidFill>
-                <a:srgbClr val="000000"/>
-              </a:solidFill>
-              <a:latin typeface="Calibri"/>
+            <a:endParaRPr b="0" lang="en-US" sz="3200" spc="-1" strike="noStrike">
+              <a:latin typeface="Arial"/>
             </a:endParaRPr>
           </a:p>
         </p:txBody>
@@ -1178,7 +1111,7 @@
       </p:grpSpPr>
       <p:sp>
         <p:nvSpPr>
-          <p:cNvPr id="5" name="PlaceHolder 1"/>
+          <p:cNvPr id="2" name="PlaceHolder 1"/>
           <p:cNvSpPr>
             <a:spLocks noGrp="1"/>
           </p:cNvSpPr>
@@ -1188,8 +1121,8 @@
         </p:nvSpPr>
         <p:spPr>
           <a:xfrm>
-            <a:off x="838080" y="365040"/>
-            <a:ext cx="10515240" cy="1325160"/>
+            <a:off x="609480" y="273600"/>
+            <a:ext cx="10972440" cy="1144800"/>
           </a:xfrm>
           <a:prstGeom prst="rect">
             <a:avLst/>
@@ -1198,18 +1131,16 @@
         <p:txBody>
           <a:bodyPr lIns="0" rIns="0" tIns="0" bIns="0" anchor="ctr"/>
           <a:p>
-            <a:endParaRPr b="0" lang="pl-PL" sz="1800" spc="-1" strike="noStrike">
-              <a:solidFill>
-                <a:srgbClr val="000000"/>
-              </a:solidFill>
-              <a:latin typeface="Calibri"/>
-            </a:endParaRPr>
-          </a:p>
-        </p:txBody>
-      </p:sp>
-      <p:sp>
-        <p:nvSpPr>
-          <p:cNvPr id="6" name="PlaceHolder 2"/>
+            <a:pPr algn="ctr"/>
+            <a:endParaRPr b="0" lang="en-US" sz="4400" spc="-1" strike="noStrike">
+              <a:latin typeface="Arial"/>
+            </a:endParaRPr>
+          </a:p>
+        </p:txBody>
+      </p:sp>
+      <p:sp>
+        <p:nvSpPr>
+          <p:cNvPr id="3" name="PlaceHolder 2"/>
           <p:cNvSpPr>
             <a:spLocks noGrp="1"/>
           </p:cNvSpPr>
@@ -1219,8 +1150,8 @@
         </p:nvSpPr>
         <p:spPr>
           <a:xfrm>
-            <a:off x="838080" y="1825560"/>
-            <a:ext cx="10515240" cy="4350960"/>
+            <a:off x="609480" y="1604520"/>
+            <a:ext cx="10972440" cy="3977280"/>
           </a:xfrm>
           <a:prstGeom prst="rect">
             <a:avLst/>
@@ -1260,7 +1191,7 @@
       </p:grpSpPr>
       <p:sp>
         <p:nvSpPr>
-          <p:cNvPr id="59" name="PlaceHolder 1"/>
+          <p:cNvPr id="53" name="PlaceHolder 1"/>
           <p:cNvSpPr>
             <a:spLocks noGrp="1"/>
           </p:cNvSpPr>
@@ -1270,8 +1201,8 @@
         </p:nvSpPr>
         <p:spPr>
           <a:xfrm>
-            <a:off x="838080" y="365040"/>
-            <a:ext cx="10515240" cy="1325160"/>
+            <a:off x="609480" y="273600"/>
+            <a:ext cx="10972440" cy="1144800"/>
           </a:xfrm>
           <a:prstGeom prst="rect">
             <a:avLst/>
@@ -1280,18 +1211,16 @@
         <p:txBody>
           <a:bodyPr lIns="0" rIns="0" tIns="0" bIns="0" anchor="ctr"/>
           <a:p>
-            <a:endParaRPr b="0" lang="pl-PL" sz="1800" spc="-1" strike="noStrike">
-              <a:solidFill>
-                <a:srgbClr val="000000"/>
-              </a:solidFill>
-              <a:latin typeface="Calibri"/>
-            </a:endParaRPr>
-          </a:p>
-        </p:txBody>
-      </p:sp>
-      <p:sp>
-        <p:nvSpPr>
-          <p:cNvPr id="60" name="PlaceHolder 2"/>
+            <a:pPr algn="ctr"/>
+            <a:endParaRPr b="0" lang="en-US" sz="4400" spc="-1" strike="noStrike">
+              <a:latin typeface="Arial"/>
+            </a:endParaRPr>
+          </a:p>
+        </p:txBody>
+      </p:sp>
+      <p:sp>
+        <p:nvSpPr>
+          <p:cNvPr id="54" name="PlaceHolder 2"/>
           <p:cNvSpPr>
             <a:spLocks noGrp="1"/>
           </p:cNvSpPr>
@@ -1301,8 +1230,8 @@
         </p:nvSpPr>
         <p:spPr>
           <a:xfrm>
-            <a:off x="838080" y="1825560"/>
-            <a:ext cx="5131080" cy="4350960"/>
+            <a:off x="609480" y="1604520"/>
+            <a:ext cx="5354280" cy="3977280"/>
           </a:xfrm>
           <a:prstGeom prst="rect">
             <a:avLst/>
@@ -1313,18 +1242,15 @@
             <a:normAutofit/>
           </a:bodyPr>
           <a:p>
-            <a:endParaRPr b="0" lang="pl-PL" sz="2800" spc="-1" strike="noStrike">
-              <a:solidFill>
-                <a:srgbClr val="000000"/>
-              </a:solidFill>
-              <a:latin typeface="Calibri"/>
-            </a:endParaRPr>
-          </a:p>
-        </p:txBody>
-      </p:sp>
-      <p:sp>
-        <p:nvSpPr>
-          <p:cNvPr id="61" name="PlaceHolder 3"/>
+            <a:endParaRPr b="0" lang="en-US" sz="3200" spc="-1" strike="noStrike">
+              <a:latin typeface="Arial"/>
+            </a:endParaRPr>
+          </a:p>
+        </p:txBody>
+      </p:sp>
+      <p:sp>
+        <p:nvSpPr>
+          <p:cNvPr id="55" name="PlaceHolder 3"/>
           <p:cNvSpPr>
             <a:spLocks noGrp="1"/>
           </p:cNvSpPr>
@@ -1334,8 +1260,8 @@
         </p:nvSpPr>
         <p:spPr>
           <a:xfrm>
-            <a:off x="6226200" y="1825560"/>
-            <a:ext cx="5131080" cy="2075040"/>
+            <a:off x="6231960" y="1604520"/>
+            <a:ext cx="5354280" cy="1896840"/>
           </a:xfrm>
           <a:prstGeom prst="rect">
             <a:avLst/>
@@ -1346,18 +1272,15 @@
             <a:normAutofit/>
           </a:bodyPr>
           <a:p>
-            <a:endParaRPr b="0" lang="pl-PL" sz="2800" spc="-1" strike="noStrike">
-              <a:solidFill>
-                <a:srgbClr val="000000"/>
-              </a:solidFill>
-              <a:latin typeface="Calibri"/>
-            </a:endParaRPr>
-          </a:p>
-        </p:txBody>
-      </p:sp>
-      <p:sp>
-        <p:nvSpPr>
-          <p:cNvPr id="62" name="PlaceHolder 4"/>
+            <a:endParaRPr b="0" lang="en-US" sz="3200" spc="-1" strike="noStrike">
+              <a:latin typeface="Arial"/>
+            </a:endParaRPr>
+          </a:p>
+        </p:txBody>
+      </p:sp>
+      <p:sp>
+        <p:nvSpPr>
+          <p:cNvPr id="56" name="PlaceHolder 4"/>
           <p:cNvSpPr>
             <a:spLocks noGrp="1"/>
           </p:cNvSpPr>
@@ -1367,8 +1290,8 @@
         </p:nvSpPr>
         <p:spPr>
           <a:xfrm>
-            <a:off x="6226200" y="4098240"/>
-            <a:ext cx="5131080" cy="2075040"/>
+            <a:off x="6231960" y="3682080"/>
+            <a:ext cx="5354280" cy="1896840"/>
           </a:xfrm>
           <a:prstGeom prst="rect">
             <a:avLst/>
@@ -1379,11 +1302,8 @@
             <a:normAutofit/>
           </a:bodyPr>
           <a:p>
-            <a:endParaRPr b="0" lang="pl-PL" sz="2800" spc="-1" strike="noStrike">
-              <a:solidFill>
-                <a:srgbClr val="000000"/>
-              </a:solidFill>
-              <a:latin typeface="Calibri"/>
+            <a:endParaRPr b="0" lang="en-US" sz="3200" spc="-1" strike="noStrike">
+              <a:latin typeface="Arial"/>
             </a:endParaRPr>
           </a:p>
         </p:txBody>
@@ -1412,7 +1332,7 @@
       </p:grpSpPr>
       <p:sp>
         <p:nvSpPr>
-          <p:cNvPr id="63" name="PlaceHolder 1"/>
+          <p:cNvPr id="57" name="PlaceHolder 1"/>
           <p:cNvSpPr>
             <a:spLocks noGrp="1"/>
           </p:cNvSpPr>
@@ -1422,8 +1342,8 @@
         </p:nvSpPr>
         <p:spPr>
           <a:xfrm>
-            <a:off x="838080" y="365040"/>
-            <a:ext cx="10515240" cy="1325160"/>
+            <a:off x="609480" y="273600"/>
+            <a:ext cx="10972440" cy="1144800"/>
           </a:xfrm>
           <a:prstGeom prst="rect">
             <a:avLst/>
@@ -1432,18 +1352,16 @@
         <p:txBody>
           <a:bodyPr lIns="0" rIns="0" tIns="0" bIns="0" anchor="ctr"/>
           <a:p>
-            <a:endParaRPr b="0" lang="pl-PL" sz="1800" spc="-1" strike="noStrike">
-              <a:solidFill>
-                <a:srgbClr val="000000"/>
-              </a:solidFill>
-              <a:latin typeface="Calibri"/>
-            </a:endParaRPr>
-          </a:p>
-        </p:txBody>
-      </p:sp>
-      <p:sp>
-        <p:nvSpPr>
-          <p:cNvPr id="64" name="PlaceHolder 2"/>
+            <a:pPr algn="ctr"/>
+            <a:endParaRPr b="0" lang="en-US" sz="4400" spc="-1" strike="noStrike">
+              <a:latin typeface="Arial"/>
+            </a:endParaRPr>
+          </a:p>
+        </p:txBody>
+      </p:sp>
+      <p:sp>
+        <p:nvSpPr>
+          <p:cNvPr id="58" name="PlaceHolder 2"/>
           <p:cNvSpPr>
             <a:spLocks noGrp="1"/>
           </p:cNvSpPr>
@@ -1453,8 +1371,8 @@
         </p:nvSpPr>
         <p:spPr>
           <a:xfrm>
-            <a:off x="838080" y="1825560"/>
-            <a:ext cx="5131080" cy="2075040"/>
+            <a:off x="609480" y="1604520"/>
+            <a:ext cx="5354280" cy="1896840"/>
           </a:xfrm>
           <a:prstGeom prst="rect">
             <a:avLst/>
@@ -1465,18 +1383,15 @@
             <a:normAutofit/>
           </a:bodyPr>
           <a:p>
-            <a:endParaRPr b="0" lang="pl-PL" sz="2800" spc="-1" strike="noStrike">
-              <a:solidFill>
-                <a:srgbClr val="000000"/>
-              </a:solidFill>
-              <a:latin typeface="Calibri"/>
-            </a:endParaRPr>
-          </a:p>
-        </p:txBody>
-      </p:sp>
-      <p:sp>
-        <p:nvSpPr>
-          <p:cNvPr id="65" name="PlaceHolder 3"/>
+            <a:endParaRPr b="0" lang="en-US" sz="3200" spc="-1" strike="noStrike">
+              <a:latin typeface="Arial"/>
+            </a:endParaRPr>
+          </a:p>
+        </p:txBody>
+      </p:sp>
+      <p:sp>
+        <p:nvSpPr>
+          <p:cNvPr id="59" name="PlaceHolder 3"/>
           <p:cNvSpPr>
             <a:spLocks noGrp="1"/>
           </p:cNvSpPr>
@@ -1486,8 +1401,8 @@
         </p:nvSpPr>
         <p:spPr>
           <a:xfrm>
-            <a:off x="6226200" y="1825560"/>
-            <a:ext cx="5131080" cy="2075040"/>
+            <a:off x="6231960" y="1604520"/>
+            <a:ext cx="5354280" cy="1896840"/>
           </a:xfrm>
           <a:prstGeom prst="rect">
             <a:avLst/>
@@ -1498,18 +1413,15 @@
             <a:normAutofit/>
           </a:bodyPr>
           <a:p>
-            <a:endParaRPr b="0" lang="pl-PL" sz="2800" spc="-1" strike="noStrike">
-              <a:solidFill>
-                <a:srgbClr val="000000"/>
-              </a:solidFill>
-              <a:latin typeface="Calibri"/>
-            </a:endParaRPr>
-          </a:p>
-        </p:txBody>
-      </p:sp>
-      <p:sp>
-        <p:nvSpPr>
-          <p:cNvPr id="66" name="PlaceHolder 4"/>
+            <a:endParaRPr b="0" lang="en-US" sz="3200" spc="-1" strike="noStrike">
+              <a:latin typeface="Arial"/>
+            </a:endParaRPr>
+          </a:p>
+        </p:txBody>
+      </p:sp>
+      <p:sp>
+        <p:nvSpPr>
+          <p:cNvPr id="60" name="PlaceHolder 4"/>
           <p:cNvSpPr>
             <a:spLocks noGrp="1"/>
           </p:cNvSpPr>
@@ -1519,8 +1431,8 @@
         </p:nvSpPr>
         <p:spPr>
           <a:xfrm>
-            <a:off x="838080" y="4098240"/>
-            <a:ext cx="10515240" cy="2075040"/>
+            <a:off x="609480" y="3682080"/>
+            <a:ext cx="10972440" cy="1896840"/>
           </a:xfrm>
           <a:prstGeom prst="rect">
             <a:avLst/>
@@ -1531,11 +1443,8 @@
             <a:normAutofit/>
           </a:bodyPr>
           <a:p>
-            <a:endParaRPr b="0" lang="pl-PL" sz="2800" spc="-1" strike="noStrike">
-              <a:solidFill>
-                <a:srgbClr val="000000"/>
-              </a:solidFill>
-              <a:latin typeface="Calibri"/>
+            <a:endParaRPr b="0" lang="en-US" sz="3200" spc="-1" strike="noStrike">
+              <a:latin typeface="Arial"/>
             </a:endParaRPr>
           </a:p>
         </p:txBody>
@@ -1564,7 +1473,7 @@
       </p:grpSpPr>
       <p:sp>
         <p:nvSpPr>
-          <p:cNvPr id="67" name="PlaceHolder 1"/>
+          <p:cNvPr id="61" name="PlaceHolder 1"/>
           <p:cNvSpPr>
             <a:spLocks noGrp="1"/>
           </p:cNvSpPr>
@@ -1574,8 +1483,8 @@
         </p:nvSpPr>
         <p:spPr>
           <a:xfrm>
-            <a:off x="838080" y="365040"/>
-            <a:ext cx="10515240" cy="1325160"/>
+            <a:off x="609480" y="273600"/>
+            <a:ext cx="10972440" cy="1144800"/>
           </a:xfrm>
           <a:prstGeom prst="rect">
             <a:avLst/>
@@ -1584,18 +1493,16 @@
         <p:txBody>
           <a:bodyPr lIns="0" rIns="0" tIns="0" bIns="0" anchor="ctr"/>
           <a:p>
-            <a:endParaRPr b="0" lang="pl-PL" sz="1800" spc="-1" strike="noStrike">
-              <a:solidFill>
-                <a:srgbClr val="000000"/>
-              </a:solidFill>
-              <a:latin typeface="Calibri"/>
-            </a:endParaRPr>
-          </a:p>
-        </p:txBody>
-      </p:sp>
-      <p:sp>
-        <p:nvSpPr>
-          <p:cNvPr id="68" name="PlaceHolder 2"/>
+            <a:pPr algn="ctr"/>
+            <a:endParaRPr b="0" lang="en-US" sz="4400" spc="-1" strike="noStrike">
+              <a:latin typeface="Arial"/>
+            </a:endParaRPr>
+          </a:p>
+        </p:txBody>
+      </p:sp>
+      <p:sp>
+        <p:nvSpPr>
+          <p:cNvPr id="62" name="PlaceHolder 2"/>
           <p:cNvSpPr>
             <a:spLocks noGrp="1"/>
           </p:cNvSpPr>
@@ -1605,8 +1512,8 @@
         </p:nvSpPr>
         <p:spPr>
           <a:xfrm>
-            <a:off x="838080" y="1825560"/>
-            <a:ext cx="10515240" cy="2075040"/>
+            <a:off x="609480" y="1604520"/>
+            <a:ext cx="10972440" cy="1896840"/>
           </a:xfrm>
           <a:prstGeom prst="rect">
             <a:avLst/>
@@ -1617,18 +1524,15 @@
             <a:normAutofit/>
           </a:bodyPr>
           <a:p>
-            <a:endParaRPr b="0" lang="pl-PL" sz="2800" spc="-1" strike="noStrike">
-              <a:solidFill>
-                <a:srgbClr val="000000"/>
-              </a:solidFill>
-              <a:latin typeface="Calibri"/>
-            </a:endParaRPr>
-          </a:p>
-        </p:txBody>
-      </p:sp>
-      <p:sp>
-        <p:nvSpPr>
-          <p:cNvPr id="69" name="PlaceHolder 3"/>
+            <a:endParaRPr b="0" lang="en-US" sz="3200" spc="-1" strike="noStrike">
+              <a:latin typeface="Arial"/>
+            </a:endParaRPr>
+          </a:p>
+        </p:txBody>
+      </p:sp>
+      <p:sp>
+        <p:nvSpPr>
+          <p:cNvPr id="63" name="PlaceHolder 3"/>
           <p:cNvSpPr>
             <a:spLocks noGrp="1"/>
           </p:cNvSpPr>
@@ -1638,8 +1542,8 @@
         </p:nvSpPr>
         <p:spPr>
           <a:xfrm>
-            <a:off x="838080" y="4098240"/>
-            <a:ext cx="10515240" cy="2075040"/>
+            <a:off x="609480" y="3682080"/>
+            <a:ext cx="10972440" cy="1896840"/>
           </a:xfrm>
           <a:prstGeom prst="rect">
             <a:avLst/>
@@ -1650,11 +1554,8 @@
             <a:normAutofit/>
           </a:bodyPr>
           <a:p>
-            <a:endParaRPr b="0" lang="pl-PL" sz="2800" spc="-1" strike="noStrike">
-              <a:solidFill>
-                <a:srgbClr val="000000"/>
-              </a:solidFill>
-              <a:latin typeface="Calibri"/>
+            <a:endParaRPr b="0" lang="en-US" sz="3200" spc="-1" strike="noStrike">
+              <a:latin typeface="Arial"/>
             </a:endParaRPr>
           </a:p>
         </p:txBody>
@@ -1683,7 +1584,7 @@
       </p:grpSpPr>
       <p:sp>
         <p:nvSpPr>
-          <p:cNvPr id="70" name="PlaceHolder 1"/>
+          <p:cNvPr id="64" name="PlaceHolder 1"/>
           <p:cNvSpPr>
             <a:spLocks noGrp="1"/>
           </p:cNvSpPr>
@@ -1693,8 +1594,8 @@
         </p:nvSpPr>
         <p:spPr>
           <a:xfrm>
-            <a:off x="838080" y="365040"/>
-            <a:ext cx="10515240" cy="1325160"/>
+            <a:off x="609480" y="273600"/>
+            <a:ext cx="10972440" cy="1144800"/>
           </a:xfrm>
           <a:prstGeom prst="rect">
             <a:avLst/>
@@ -1703,18 +1604,16 @@
         <p:txBody>
           <a:bodyPr lIns="0" rIns="0" tIns="0" bIns="0" anchor="ctr"/>
           <a:p>
-            <a:endParaRPr b="0" lang="pl-PL" sz="1800" spc="-1" strike="noStrike">
-              <a:solidFill>
-                <a:srgbClr val="000000"/>
-              </a:solidFill>
-              <a:latin typeface="Calibri"/>
-            </a:endParaRPr>
-          </a:p>
-        </p:txBody>
-      </p:sp>
-      <p:sp>
-        <p:nvSpPr>
-          <p:cNvPr id="71" name="PlaceHolder 2"/>
+            <a:pPr algn="ctr"/>
+            <a:endParaRPr b="0" lang="en-US" sz="4400" spc="-1" strike="noStrike">
+              <a:latin typeface="Arial"/>
+            </a:endParaRPr>
+          </a:p>
+        </p:txBody>
+      </p:sp>
+      <p:sp>
+        <p:nvSpPr>
+          <p:cNvPr id="65" name="PlaceHolder 2"/>
           <p:cNvSpPr>
             <a:spLocks noGrp="1"/>
           </p:cNvSpPr>
@@ -1724,8 +1623,8 @@
         </p:nvSpPr>
         <p:spPr>
           <a:xfrm>
-            <a:off x="838080" y="1825560"/>
-            <a:ext cx="5131080" cy="2075040"/>
+            <a:off x="609480" y="1604520"/>
+            <a:ext cx="5354280" cy="1896840"/>
           </a:xfrm>
           <a:prstGeom prst="rect">
             <a:avLst/>
@@ -1736,18 +1635,15 @@
             <a:normAutofit/>
           </a:bodyPr>
           <a:p>
-            <a:endParaRPr b="0" lang="pl-PL" sz="2800" spc="-1" strike="noStrike">
-              <a:solidFill>
-                <a:srgbClr val="000000"/>
-              </a:solidFill>
-              <a:latin typeface="Calibri"/>
-            </a:endParaRPr>
-          </a:p>
-        </p:txBody>
-      </p:sp>
-      <p:sp>
-        <p:nvSpPr>
-          <p:cNvPr id="72" name="PlaceHolder 3"/>
+            <a:endParaRPr b="0" lang="en-US" sz="3200" spc="-1" strike="noStrike">
+              <a:latin typeface="Arial"/>
+            </a:endParaRPr>
+          </a:p>
+        </p:txBody>
+      </p:sp>
+      <p:sp>
+        <p:nvSpPr>
+          <p:cNvPr id="66" name="PlaceHolder 3"/>
           <p:cNvSpPr>
             <a:spLocks noGrp="1"/>
           </p:cNvSpPr>
@@ -1757,8 +1653,8 @@
         </p:nvSpPr>
         <p:spPr>
           <a:xfrm>
-            <a:off x="6226200" y="1825560"/>
-            <a:ext cx="5131080" cy="2075040"/>
+            <a:off x="6231960" y="1604520"/>
+            <a:ext cx="5354280" cy="1896840"/>
           </a:xfrm>
           <a:prstGeom prst="rect">
             <a:avLst/>
@@ -1769,18 +1665,15 @@
             <a:normAutofit/>
           </a:bodyPr>
           <a:p>
-            <a:endParaRPr b="0" lang="pl-PL" sz="2800" spc="-1" strike="noStrike">
-              <a:solidFill>
-                <a:srgbClr val="000000"/>
-              </a:solidFill>
-              <a:latin typeface="Calibri"/>
-            </a:endParaRPr>
-          </a:p>
-        </p:txBody>
-      </p:sp>
-      <p:sp>
-        <p:nvSpPr>
-          <p:cNvPr id="73" name="PlaceHolder 4"/>
+            <a:endParaRPr b="0" lang="en-US" sz="3200" spc="-1" strike="noStrike">
+              <a:latin typeface="Arial"/>
+            </a:endParaRPr>
+          </a:p>
+        </p:txBody>
+      </p:sp>
+      <p:sp>
+        <p:nvSpPr>
+          <p:cNvPr id="67" name="PlaceHolder 4"/>
           <p:cNvSpPr>
             <a:spLocks noGrp="1"/>
           </p:cNvSpPr>
@@ -1790,8 +1683,8 @@
         </p:nvSpPr>
         <p:spPr>
           <a:xfrm>
-            <a:off x="838080" y="4098240"/>
-            <a:ext cx="5131080" cy="2075040"/>
+            <a:off x="609480" y="3682080"/>
+            <a:ext cx="5354280" cy="1896840"/>
           </a:xfrm>
           <a:prstGeom prst="rect">
             <a:avLst/>
@@ -1802,18 +1695,15 @@
             <a:normAutofit/>
           </a:bodyPr>
           <a:p>
-            <a:endParaRPr b="0" lang="pl-PL" sz="2800" spc="-1" strike="noStrike">
-              <a:solidFill>
-                <a:srgbClr val="000000"/>
-              </a:solidFill>
-              <a:latin typeface="Calibri"/>
-            </a:endParaRPr>
-          </a:p>
-        </p:txBody>
-      </p:sp>
-      <p:sp>
-        <p:nvSpPr>
-          <p:cNvPr id="74" name="PlaceHolder 5"/>
+            <a:endParaRPr b="0" lang="en-US" sz="3200" spc="-1" strike="noStrike">
+              <a:latin typeface="Arial"/>
+            </a:endParaRPr>
+          </a:p>
+        </p:txBody>
+      </p:sp>
+      <p:sp>
+        <p:nvSpPr>
+          <p:cNvPr id="68" name="PlaceHolder 5"/>
           <p:cNvSpPr>
             <a:spLocks noGrp="1"/>
           </p:cNvSpPr>
@@ -1823,8 +1713,8 @@
         </p:nvSpPr>
         <p:spPr>
           <a:xfrm>
-            <a:off x="6226200" y="4098240"/>
-            <a:ext cx="5131080" cy="2075040"/>
+            <a:off x="6231960" y="3682080"/>
+            <a:ext cx="5354280" cy="1896840"/>
           </a:xfrm>
           <a:prstGeom prst="rect">
             <a:avLst/>
@@ -1835,11 +1725,8 @@
             <a:normAutofit/>
           </a:bodyPr>
           <a:p>
-            <a:endParaRPr b="0" lang="pl-PL" sz="2800" spc="-1" strike="noStrike">
-              <a:solidFill>
-                <a:srgbClr val="000000"/>
-              </a:solidFill>
-              <a:latin typeface="Calibri"/>
+            <a:endParaRPr b="0" lang="en-US" sz="3200" spc="-1" strike="noStrike">
+              <a:latin typeface="Arial"/>
             </a:endParaRPr>
           </a:p>
         </p:txBody>
@@ -1868,7 +1755,7 @@
       </p:grpSpPr>
       <p:sp>
         <p:nvSpPr>
-          <p:cNvPr id="75" name="PlaceHolder 1"/>
+          <p:cNvPr id="69" name="PlaceHolder 1"/>
           <p:cNvSpPr>
             <a:spLocks noGrp="1"/>
           </p:cNvSpPr>
@@ -1878,8 +1765,8 @@
         </p:nvSpPr>
         <p:spPr>
           <a:xfrm>
-            <a:off x="838080" y="365040"/>
-            <a:ext cx="10515240" cy="1325160"/>
+            <a:off x="609480" y="273600"/>
+            <a:ext cx="10972440" cy="1144800"/>
           </a:xfrm>
           <a:prstGeom prst="rect">
             <a:avLst/>
@@ -1888,18 +1775,16 @@
         <p:txBody>
           <a:bodyPr lIns="0" rIns="0" tIns="0" bIns="0" anchor="ctr"/>
           <a:p>
-            <a:endParaRPr b="0" lang="pl-PL" sz="1800" spc="-1" strike="noStrike">
-              <a:solidFill>
-                <a:srgbClr val="000000"/>
-              </a:solidFill>
-              <a:latin typeface="Calibri"/>
-            </a:endParaRPr>
-          </a:p>
-        </p:txBody>
-      </p:sp>
-      <p:sp>
-        <p:nvSpPr>
-          <p:cNvPr id="76" name="PlaceHolder 2"/>
+            <a:pPr algn="ctr"/>
+            <a:endParaRPr b="0" lang="en-US" sz="4400" spc="-1" strike="noStrike">
+              <a:latin typeface="Arial"/>
+            </a:endParaRPr>
+          </a:p>
+        </p:txBody>
+      </p:sp>
+      <p:sp>
+        <p:nvSpPr>
+          <p:cNvPr id="70" name="PlaceHolder 2"/>
           <p:cNvSpPr>
             <a:spLocks noGrp="1"/>
           </p:cNvSpPr>
@@ -1909,8 +1794,8 @@
         </p:nvSpPr>
         <p:spPr>
           <a:xfrm>
-            <a:off x="838080" y="1825560"/>
-            <a:ext cx="3385800" cy="2075040"/>
+            <a:off x="609480" y="1604520"/>
+            <a:ext cx="3533040" cy="1896840"/>
           </a:xfrm>
           <a:prstGeom prst="rect">
             <a:avLst/>
@@ -1921,18 +1806,15 @@
             <a:normAutofit/>
           </a:bodyPr>
           <a:p>
-            <a:endParaRPr b="0" lang="pl-PL" sz="2800" spc="-1" strike="noStrike">
-              <a:solidFill>
-                <a:srgbClr val="000000"/>
-              </a:solidFill>
-              <a:latin typeface="Calibri"/>
-            </a:endParaRPr>
-          </a:p>
-        </p:txBody>
-      </p:sp>
-      <p:sp>
-        <p:nvSpPr>
-          <p:cNvPr id="77" name="PlaceHolder 3"/>
+            <a:endParaRPr b="0" lang="en-US" sz="3200" spc="-1" strike="noStrike">
+              <a:latin typeface="Arial"/>
+            </a:endParaRPr>
+          </a:p>
+        </p:txBody>
+      </p:sp>
+      <p:sp>
+        <p:nvSpPr>
+          <p:cNvPr id="71" name="PlaceHolder 3"/>
           <p:cNvSpPr>
             <a:spLocks noGrp="1"/>
           </p:cNvSpPr>
@@ -1942,8 +1824,8 @@
         </p:nvSpPr>
         <p:spPr>
           <a:xfrm>
-            <a:off x="4393440" y="1825560"/>
-            <a:ext cx="3385800" cy="2075040"/>
+            <a:off x="4319640" y="1604520"/>
+            <a:ext cx="3533040" cy="1896840"/>
           </a:xfrm>
           <a:prstGeom prst="rect">
             <a:avLst/>
@@ -1954,18 +1836,15 @@
             <a:normAutofit/>
           </a:bodyPr>
           <a:p>
-            <a:endParaRPr b="0" lang="pl-PL" sz="2800" spc="-1" strike="noStrike">
-              <a:solidFill>
-                <a:srgbClr val="000000"/>
-              </a:solidFill>
-              <a:latin typeface="Calibri"/>
-            </a:endParaRPr>
-          </a:p>
-        </p:txBody>
-      </p:sp>
-      <p:sp>
-        <p:nvSpPr>
-          <p:cNvPr id="78" name="PlaceHolder 4"/>
+            <a:endParaRPr b="0" lang="en-US" sz="3200" spc="-1" strike="noStrike">
+              <a:latin typeface="Arial"/>
+            </a:endParaRPr>
+          </a:p>
+        </p:txBody>
+      </p:sp>
+      <p:sp>
+        <p:nvSpPr>
+          <p:cNvPr id="72" name="PlaceHolder 4"/>
           <p:cNvSpPr>
             <a:spLocks noGrp="1"/>
           </p:cNvSpPr>
@@ -1975,8 +1854,8 @@
         </p:nvSpPr>
         <p:spPr>
           <a:xfrm>
-            <a:off x="7949160" y="1825560"/>
-            <a:ext cx="3385800" cy="2075040"/>
+            <a:off x="8029800" y="1604520"/>
+            <a:ext cx="3533040" cy="1896840"/>
           </a:xfrm>
           <a:prstGeom prst="rect">
             <a:avLst/>
@@ -1987,18 +1866,15 @@
             <a:normAutofit/>
           </a:bodyPr>
           <a:p>
-            <a:endParaRPr b="0" lang="pl-PL" sz="2800" spc="-1" strike="noStrike">
-              <a:solidFill>
-                <a:srgbClr val="000000"/>
-              </a:solidFill>
-              <a:latin typeface="Calibri"/>
-            </a:endParaRPr>
-          </a:p>
-        </p:txBody>
-      </p:sp>
-      <p:sp>
-        <p:nvSpPr>
-          <p:cNvPr id="79" name="PlaceHolder 5"/>
+            <a:endParaRPr b="0" lang="en-US" sz="3200" spc="-1" strike="noStrike">
+              <a:latin typeface="Arial"/>
+            </a:endParaRPr>
+          </a:p>
+        </p:txBody>
+      </p:sp>
+      <p:sp>
+        <p:nvSpPr>
+          <p:cNvPr id="73" name="PlaceHolder 5"/>
           <p:cNvSpPr>
             <a:spLocks noGrp="1"/>
           </p:cNvSpPr>
@@ -2008,8 +1884,8 @@
         </p:nvSpPr>
         <p:spPr>
           <a:xfrm>
-            <a:off x="838080" y="4098240"/>
-            <a:ext cx="3385800" cy="2075040"/>
+            <a:off x="609480" y="3682080"/>
+            <a:ext cx="3533040" cy="1896840"/>
           </a:xfrm>
           <a:prstGeom prst="rect">
             <a:avLst/>
@@ -2020,18 +1896,15 @@
             <a:normAutofit/>
           </a:bodyPr>
           <a:p>
-            <a:endParaRPr b="0" lang="pl-PL" sz="2800" spc="-1" strike="noStrike">
-              <a:solidFill>
-                <a:srgbClr val="000000"/>
-              </a:solidFill>
-              <a:latin typeface="Calibri"/>
-            </a:endParaRPr>
-          </a:p>
-        </p:txBody>
-      </p:sp>
-      <p:sp>
-        <p:nvSpPr>
-          <p:cNvPr id="80" name="PlaceHolder 6"/>
+            <a:endParaRPr b="0" lang="en-US" sz="3200" spc="-1" strike="noStrike">
+              <a:latin typeface="Arial"/>
+            </a:endParaRPr>
+          </a:p>
+        </p:txBody>
+      </p:sp>
+      <p:sp>
+        <p:nvSpPr>
+          <p:cNvPr id="74" name="PlaceHolder 6"/>
           <p:cNvSpPr>
             <a:spLocks noGrp="1"/>
           </p:cNvSpPr>
@@ -2041,8 +1914,8 @@
         </p:nvSpPr>
         <p:spPr>
           <a:xfrm>
-            <a:off x="4393440" y="4098240"/>
-            <a:ext cx="3385800" cy="2075040"/>
+            <a:off x="4319640" y="3682080"/>
+            <a:ext cx="3533040" cy="1896840"/>
           </a:xfrm>
           <a:prstGeom prst="rect">
             <a:avLst/>
@@ -2053,18 +1926,15 @@
             <a:normAutofit/>
           </a:bodyPr>
           <a:p>
-            <a:endParaRPr b="0" lang="pl-PL" sz="2800" spc="-1" strike="noStrike">
-              <a:solidFill>
-                <a:srgbClr val="000000"/>
-              </a:solidFill>
-              <a:latin typeface="Calibri"/>
-            </a:endParaRPr>
-          </a:p>
-        </p:txBody>
-      </p:sp>
-      <p:sp>
-        <p:nvSpPr>
-          <p:cNvPr id="81" name="PlaceHolder 7"/>
+            <a:endParaRPr b="0" lang="en-US" sz="3200" spc="-1" strike="noStrike">
+              <a:latin typeface="Arial"/>
+            </a:endParaRPr>
+          </a:p>
+        </p:txBody>
+      </p:sp>
+      <p:sp>
+        <p:nvSpPr>
+          <p:cNvPr id="75" name="PlaceHolder 7"/>
           <p:cNvSpPr>
             <a:spLocks noGrp="1"/>
           </p:cNvSpPr>
@@ -2074,8 +1944,8 @@
         </p:nvSpPr>
         <p:spPr>
           <a:xfrm>
-            <a:off x="7949160" y="4098240"/>
-            <a:ext cx="3385800" cy="2075040"/>
+            <a:off x="8029800" y="3682080"/>
+            <a:ext cx="3533040" cy="1896840"/>
           </a:xfrm>
           <a:prstGeom prst="rect">
             <a:avLst/>
@@ -2086,11 +1956,8 @@
             <a:normAutofit/>
           </a:bodyPr>
           <a:p>
-            <a:endParaRPr b="0" lang="pl-PL" sz="2800" spc="-1" strike="noStrike">
-              <a:solidFill>
-                <a:srgbClr val="000000"/>
-              </a:solidFill>
-              <a:latin typeface="Calibri"/>
+            <a:endParaRPr b="0" lang="en-US" sz="3200" spc="-1" strike="noStrike">
+              <a:latin typeface="Arial"/>
             </a:endParaRPr>
           </a:p>
         </p:txBody>
@@ -2119,7 +1986,7 @@
       </p:grpSpPr>
       <p:sp>
         <p:nvSpPr>
-          <p:cNvPr id="7" name="PlaceHolder 1"/>
+          <p:cNvPr id="4" name="PlaceHolder 1"/>
           <p:cNvSpPr>
             <a:spLocks noGrp="1"/>
           </p:cNvSpPr>
@@ -2129,8 +1996,8 @@
         </p:nvSpPr>
         <p:spPr>
           <a:xfrm>
-            <a:off x="838080" y="365040"/>
-            <a:ext cx="10515240" cy="1325160"/>
+            <a:off x="609480" y="273600"/>
+            <a:ext cx="10972440" cy="1144800"/>
           </a:xfrm>
           <a:prstGeom prst="rect">
             <a:avLst/>
@@ -2139,18 +2006,16 @@
         <p:txBody>
           <a:bodyPr lIns="0" rIns="0" tIns="0" bIns="0" anchor="ctr"/>
           <a:p>
-            <a:endParaRPr b="0" lang="pl-PL" sz="1800" spc="-1" strike="noStrike">
-              <a:solidFill>
-                <a:srgbClr val="000000"/>
-              </a:solidFill>
-              <a:latin typeface="Calibri"/>
-            </a:endParaRPr>
-          </a:p>
-        </p:txBody>
-      </p:sp>
-      <p:sp>
-        <p:nvSpPr>
-          <p:cNvPr id="8" name="PlaceHolder 2"/>
+            <a:pPr algn="ctr"/>
+            <a:endParaRPr b="0" lang="en-US" sz="4400" spc="-1" strike="noStrike">
+              <a:latin typeface="Arial"/>
+            </a:endParaRPr>
+          </a:p>
+        </p:txBody>
+      </p:sp>
+      <p:sp>
+        <p:nvSpPr>
+          <p:cNvPr id="5" name="PlaceHolder 2"/>
           <p:cNvSpPr>
             <a:spLocks noGrp="1"/>
           </p:cNvSpPr>
@@ -2160,8 +2025,8 @@
         </p:nvSpPr>
         <p:spPr>
           <a:xfrm>
-            <a:off x="838080" y="1825560"/>
-            <a:ext cx="10515240" cy="4350960"/>
+            <a:off x="609480" y="1604520"/>
+            <a:ext cx="10972440" cy="3977280"/>
           </a:xfrm>
           <a:prstGeom prst="rect">
             <a:avLst/>
@@ -2172,11 +2037,8 @@
             <a:normAutofit/>
           </a:bodyPr>
           <a:p>
-            <a:endParaRPr b="0" lang="pl-PL" sz="2800" spc="-1" strike="noStrike">
-              <a:solidFill>
-                <a:srgbClr val="000000"/>
-              </a:solidFill>
-              <a:latin typeface="Calibri"/>
+            <a:endParaRPr b="0" lang="en-US" sz="3200" spc="-1" strike="noStrike">
+              <a:latin typeface="Arial"/>
             </a:endParaRPr>
           </a:p>
         </p:txBody>
@@ -2205,7 +2067,7 @@
       </p:grpSpPr>
       <p:sp>
         <p:nvSpPr>
-          <p:cNvPr id="9" name="PlaceHolder 1"/>
+          <p:cNvPr id="6" name="PlaceHolder 1"/>
           <p:cNvSpPr>
             <a:spLocks noGrp="1"/>
           </p:cNvSpPr>
@@ -2215,8 +2077,8 @@
         </p:nvSpPr>
         <p:spPr>
           <a:xfrm>
-            <a:off x="838080" y="365040"/>
-            <a:ext cx="10515240" cy="1325160"/>
+            <a:off x="609480" y="273600"/>
+            <a:ext cx="10972440" cy="1144800"/>
           </a:xfrm>
           <a:prstGeom prst="rect">
             <a:avLst/>
@@ -2225,18 +2087,16 @@
         <p:txBody>
           <a:bodyPr lIns="0" rIns="0" tIns="0" bIns="0" anchor="ctr"/>
           <a:p>
-            <a:endParaRPr b="0" lang="pl-PL" sz="1800" spc="-1" strike="noStrike">
-              <a:solidFill>
-                <a:srgbClr val="000000"/>
-              </a:solidFill>
-              <a:latin typeface="Calibri"/>
-            </a:endParaRPr>
-          </a:p>
-        </p:txBody>
-      </p:sp>
-      <p:sp>
-        <p:nvSpPr>
-          <p:cNvPr id="10" name="PlaceHolder 2"/>
+            <a:pPr algn="ctr"/>
+            <a:endParaRPr b="0" lang="en-US" sz="4400" spc="-1" strike="noStrike">
+              <a:latin typeface="Arial"/>
+            </a:endParaRPr>
+          </a:p>
+        </p:txBody>
+      </p:sp>
+      <p:sp>
+        <p:nvSpPr>
+          <p:cNvPr id="7" name="PlaceHolder 2"/>
           <p:cNvSpPr>
             <a:spLocks noGrp="1"/>
           </p:cNvSpPr>
@@ -2246,8 +2106,8 @@
         </p:nvSpPr>
         <p:spPr>
           <a:xfrm>
-            <a:off x="838080" y="1825560"/>
-            <a:ext cx="5131080" cy="4350960"/>
+            <a:off x="609480" y="1604520"/>
+            <a:ext cx="5354280" cy="3977280"/>
           </a:xfrm>
           <a:prstGeom prst="rect">
             <a:avLst/>
@@ -2258,18 +2118,15 @@
             <a:normAutofit/>
           </a:bodyPr>
           <a:p>
-            <a:endParaRPr b="0" lang="pl-PL" sz="2800" spc="-1" strike="noStrike">
-              <a:solidFill>
-                <a:srgbClr val="000000"/>
-              </a:solidFill>
-              <a:latin typeface="Calibri"/>
-            </a:endParaRPr>
-          </a:p>
-        </p:txBody>
-      </p:sp>
-      <p:sp>
-        <p:nvSpPr>
-          <p:cNvPr id="11" name="PlaceHolder 3"/>
+            <a:endParaRPr b="0" lang="en-US" sz="3200" spc="-1" strike="noStrike">
+              <a:latin typeface="Arial"/>
+            </a:endParaRPr>
+          </a:p>
+        </p:txBody>
+      </p:sp>
+      <p:sp>
+        <p:nvSpPr>
+          <p:cNvPr id="8" name="PlaceHolder 3"/>
           <p:cNvSpPr>
             <a:spLocks noGrp="1"/>
           </p:cNvSpPr>
@@ -2279,8 +2136,8 @@
         </p:nvSpPr>
         <p:spPr>
           <a:xfrm>
-            <a:off x="6226200" y="1825560"/>
-            <a:ext cx="5131080" cy="4350960"/>
+            <a:off x="6231960" y="1604520"/>
+            <a:ext cx="5354280" cy="3977280"/>
           </a:xfrm>
           <a:prstGeom prst="rect">
             <a:avLst/>
@@ -2291,11 +2148,8 @@
             <a:normAutofit/>
           </a:bodyPr>
           <a:p>
-            <a:endParaRPr b="0" lang="pl-PL" sz="2800" spc="-1" strike="noStrike">
-              <a:solidFill>
-                <a:srgbClr val="000000"/>
-              </a:solidFill>
-              <a:latin typeface="Calibri"/>
+            <a:endParaRPr b="0" lang="en-US" sz="3200" spc="-1" strike="noStrike">
+              <a:latin typeface="Arial"/>
             </a:endParaRPr>
           </a:p>
         </p:txBody>
@@ -2324,7 +2178,7 @@
       </p:grpSpPr>
       <p:sp>
         <p:nvSpPr>
-          <p:cNvPr id="12" name="PlaceHolder 1"/>
+          <p:cNvPr id="9" name="PlaceHolder 1"/>
           <p:cNvSpPr>
             <a:spLocks noGrp="1"/>
           </p:cNvSpPr>
@@ -2334,8 +2188,8 @@
         </p:nvSpPr>
         <p:spPr>
           <a:xfrm>
-            <a:off x="838080" y="365040"/>
-            <a:ext cx="10515240" cy="1325160"/>
+            <a:off x="609480" y="273600"/>
+            <a:ext cx="10972440" cy="1144800"/>
           </a:xfrm>
           <a:prstGeom prst="rect">
             <a:avLst/>
@@ -2344,11 +2198,9 @@
         <p:txBody>
           <a:bodyPr lIns="0" rIns="0" tIns="0" bIns="0" anchor="ctr"/>
           <a:p>
-            <a:endParaRPr b="0" lang="pl-PL" sz="1800" spc="-1" strike="noStrike">
-              <a:solidFill>
-                <a:srgbClr val="000000"/>
-              </a:solidFill>
-              <a:latin typeface="Calibri"/>
+            <a:pPr algn="ctr"/>
+            <a:endParaRPr b="0" lang="en-US" sz="4400" spc="-1" strike="noStrike">
+              <a:latin typeface="Arial"/>
             </a:endParaRPr>
           </a:p>
         </p:txBody>
@@ -2377,7 +2229,7 @@
       </p:grpSpPr>
       <p:sp>
         <p:nvSpPr>
-          <p:cNvPr id="13" name="PlaceHolder 1"/>
+          <p:cNvPr id="10" name="PlaceHolder 1"/>
           <p:cNvSpPr>
             <a:spLocks noGrp="1"/>
           </p:cNvSpPr>
@@ -2387,8 +2239,8 @@
         </p:nvSpPr>
         <p:spPr>
           <a:xfrm>
-            <a:off x="838080" y="365040"/>
-            <a:ext cx="10515240" cy="6144120"/>
+            <a:off x="609480" y="273600"/>
+            <a:ext cx="10972440" cy="5307840"/>
           </a:xfrm>
           <a:prstGeom prst="rect">
             <a:avLst/>
@@ -2428,7 +2280,7 @@
       </p:grpSpPr>
       <p:sp>
         <p:nvSpPr>
-          <p:cNvPr id="14" name="PlaceHolder 1"/>
+          <p:cNvPr id="11" name="PlaceHolder 1"/>
           <p:cNvSpPr>
             <a:spLocks noGrp="1"/>
           </p:cNvSpPr>
@@ -2438,8 +2290,8 @@
         </p:nvSpPr>
         <p:spPr>
           <a:xfrm>
-            <a:off x="838080" y="365040"/>
-            <a:ext cx="10515240" cy="1325160"/>
+            <a:off x="609480" y="273600"/>
+            <a:ext cx="10972440" cy="1144800"/>
           </a:xfrm>
           <a:prstGeom prst="rect">
             <a:avLst/>
@@ -2448,18 +2300,16 @@
         <p:txBody>
           <a:bodyPr lIns="0" rIns="0" tIns="0" bIns="0" anchor="ctr"/>
           <a:p>
-            <a:endParaRPr b="0" lang="pl-PL" sz="1800" spc="-1" strike="noStrike">
-              <a:solidFill>
-                <a:srgbClr val="000000"/>
-              </a:solidFill>
-              <a:latin typeface="Calibri"/>
-            </a:endParaRPr>
-          </a:p>
-        </p:txBody>
-      </p:sp>
-      <p:sp>
-        <p:nvSpPr>
-          <p:cNvPr id="15" name="PlaceHolder 2"/>
+            <a:pPr algn="ctr"/>
+            <a:endParaRPr b="0" lang="en-US" sz="4400" spc="-1" strike="noStrike">
+              <a:latin typeface="Arial"/>
+            </a:endParaRPr>
+          </a:p>
+        </p:txBody>
+      </p:sp>
+      <p:sp>
+        <p:nvSpPr>
+          <p:cNvPr id="12" name="PlaceHolder 2"/>
           <p:cNvSpPr>
             <a:spLocks noGrp="1"/>
           </p:cNvSpPr>
@@ -2469,8 +2319,8 @@
         </p:nvSpPr>
         <p:spPr>
           <a:xfrm>
-            <a:off x="838080" y="1825560"/>
-            <a:ext cx="5131080" cy="2075040"/>
+            <a:off x="609480" y="1604520"/>
+            <a:ext cx="5354280" cy="1896840"/>
           </a:xfrm>
           <a:prstGeom prst="rect">
             <a:avLst/>
@@ -2481,18 +2331,15 @@
             <a:normAutofit/>
           </a:bodyPr>
           <a:p>
-            <a:endParaRPr b="0" lang="pl-PL" sz="2800" spc="-1" strike="noStrike">
-              <a:solidFill>
-                <a:srgbClr val="000000"/>
-              </a:solidFill>
-              <a:latin typeface="Calibri"/>
-            </a:endParaRPr>
-          </a:p>
-        </p:txBody>
-      </p:sp>
-      <p:sp>
-        <p:nvSpPr>
-          <p:cNvPr id="16" name="PlaceHolder 3"/>
+            <a:endParaRPr b="0" lang="en-US" sz="3200" spc="-1" strike="noStrike">
+              <a:latin typeface="Arial"/>
+            </a:endParaRPr>
+          </a:p>
+        </p:txBody>
+      </p:sp>
+      <p:sp>
+        <p:nvSpPr>
+          <p:cNvPr id="13" name="PlaceHolder 3"/>
           <p:cNvSpPr>
             <a:spLocks noGrp="1"/>
           </p:cNvSpPr>
@@ -2502,8 +2349,8 @@
         </p:nvSpPr>
         <p:spPr>
           <a:xfrm>
-            <a:off x="6226200" y="1825560"/>
-            <a:ext cx="5131080" cy="4350960"/>
+            <a:off x="6231960" y="1604520"/>
+            <a:ext cx="5354280" cy="3977280"/>
           </a:xfrm>
           <a:prstGeom prst="rect">
             <a:avLst/>
@@ -2514,18 +2361,15 @@
             <a:normAutofit/>
           </a:bodyPr>
           <a:p>
-            <a:endParaRPr b="0" lang="pl-PL" sz="2800" spc="-1" strike="noStrike">
-              <a:solidFill>
-                <a:srgbClr val="000000"/>
-              </a:solidFill>
-              <a:latin typeface="Calibri"/>
-            </a:endParaRPr>
-          </a:p>
-        </p:txBody>
-      </p:sp>
-      <p:sp>
-        <p:nvSpPr>
-          <p:cNvPr id="17" name="PlaceHolder 4"/>
+            <a:endParaRPr b="0" lang="en-US" sz="3200" spc="-1" strike="noStrike">
+              <a:latin typeface="Arial"/>
+            </a:endParaRPr>
+          </a:p>
+        </p:txBody>
+      </p:sp>
+      <p:sp>
+        <p:nvSpPr>
+          <p:cNvPr id="14" name="PlaceHolder 4"/>
           <p:cNvSpPr>
             <a:spLocks noGrp="1"/>
           </p:cNvSpPr>
@@ -2535,8 +2379,8 @@
         </p:nvSpPr>
         <p:spPr>
           <a:xfrm>
-            <a:off x="838080" y="4098240"/>
-            <a:ext cx="5131080" cy="2075040"/>
+            <a:off x="609480" y="3682080"/>
+            <a:ext cx="5354280" cy="1896840"/>
           </a:xfrm>
           <a:prstGeom prst="rect">
             <a:avLst/>
@@ -2547,11 +2391,8 @@
             <a:normAutofit/>
           </a:bodyPr>
           <a:p>
-            <a:endParaRPr b="0" lang="pl-PL" sz="2800" spc="-1" strike="noStrike">
-              <a:solidFill>
-                <a:srgbClr val="000000"/>
-              </a:solidFill>
-              <a:latin typeface="Calibri"/>
+            <a:endParaRPr b="0" lang="en-US" sz="3200" spc="-1" strike="noStrike">
+              <a:latin typeface="Arial"/>
             </a:endParaRPr>
           </a:p>
         </p:txBody>
@@ -2580,7 +2421,7 @@
       </p:grpSpPr>
       <p:sp>
         <p:nvSpPr>
-          <p:cNvPr id="18" name="PlaceHolder 1"/>
+          <p:cNvPr id="15" name="PlaceHolder 1"/>
           <p:cNvSpPr>
             <a:spLocks noGrp="1"/>
           </p:cNvSpPr>
@@ -2590,8 +2431,8 @@
         </p:nvSpPr>
         <p:spPr>
           <a:xfrm>
-            <a:off x="838080" y="365040"/>
-            <a:ext cx="10515240" cy="1325160"/>
+            <a:off x="609480" y="273600"/>
+            <a:ext cx="10972440" cy="1144800"/>
           </a:xfrm>
           <a:prstGeom prst="rect">
             <a:avLst/>
@@ -2600,18 +2441,16 @@
         <p:txBody>
           <a:bodyPr lIns="0" rIns="0" tIns="0" bIns="0" anchor="ctr"/>
           <a:p>
-            <a:endParaRPr b="0" lang="pl-PL" sz="1800" spc="-1" strike="noStrike">
-              <a:solidFill>
-                <a:srgbClr val="000000"/>
-              </a:solidFill>
-              <a:latin typeface="Calibri"/>
-            </a:endParaRPr>
-          </a:p>
-        </p:txBody>
-      </p:sp>
-      <p:sp>
-        <p:nvSpPr>
-          <p:cNvPr id="19" name="PlaceHolder 2"/>
+            <a:pPr algn="ctr"/>
+            <a:endParaRPr b="0" lang="en-US" sz="4400" spc="-1" strike="noStrike">
+              <a:latin typeface="Arial"/>
+            </a:endParaRPr>
+          </a:p>
+        </p:txBody>
+      </p:sp>
+      <p:sp>
+        <p:nvSpPr>
+          <p:cNvPr id="16" name="PlaceHolder 2"/>
           <p:cNvSpPr>
             <a:spLocks noGrp="1"/>
           </p:cNvSpPr>
@@ -2621,8 +2460,8 @@
         </p:nvSpPr>
         <p:spPr>
           <a:xfrm>
-            <a:off x="838080" y="1825560"/>
-            <a:ext cx="5131080" cy="4350960"/>
+            <a:off x="609480" y="1604520"/>
+            <a:ext cx="5354280" cy="3977280"/>
           </a:xfrm>
           <a:prstGeom prst="rect">
             <a:avLst/>
@@ -2633,18 +2472,15 @@
             <a:normAutofit/>
           </a:bodyPr>
           <a:p>
-            <a:endParaRPr b="0" lang="pl-PL" sz="2800" spc="-1" strike="noStrike">
-              <a:solidFill>
-                <a:srgbClr val="000000"/>
-              </a:solidFill>
-              <a:latin typeface="Calibri"/>
-            </a:endParaRPr>
-          </a:p>
-        </p:txBody>
-      </p:sp>
-      <p:sp>
-        <p:nvSpPr>
-          <p:cNvPr id="20" name="PlaceHolder 3"/>
+            <a:endParaRPr b="0" lang="en-US" sz="3200" spc="-1" strike="noStrike">
+              <a:latin typeface="Arial"/>
+            </a:endParaRPr>
+          </a:p>
+        </p:txBody>
+      </p:sp>
+      <p:sp>
+        <p:nvSpPr>
+          <p:cNvPr id="17" name="PlaceHolder 3"/>
           <p:cNvSpPr>
             <a:spLocks noGrp="1"/>
           </p:cNvSpPr>
@@ -2654,8 +2490,8 @@
         </p:nvSpPr>
         <p:spPr>
           <a:xfrm>
-            <a:off x="6226200" y="1825560"/>
-            <a:ext cx="5131080" cy="2075040"/>
+            <a:off x="6231960" y="1604520"/>
+            <a:ext cx="5354280" cy="1896840"/>
           </a:xfrm>
           <a:prstGeom prst="rect">
             <a:avLst/>
@@ -2666,18 +2502,15 @@
             <a:normAutofit/>
           </a:bodyPr>
           <a:p>
-            <a:endParaRPr b="0" lang="pl-PL" sz="2800" spc="-1" strike="noStrike">
-              <a:solidFill>
-                <a:srgbClr val="000000"/>
-              </a:solidFill>
-              <a:latin typeface="Calibri"/>
-            </a:endParaRPr>
-          </a:p>
-        </p:txBody>
-      </p:sp>
-      <p:sp>
-        <p:nvSpPr>
-          <p:cNvPr id="21" name="PlaceHolder 4"/>
+            <a:endParaRPr b="0" lang="en-US" sz="3200" spc="-1" strike="noStrike">
+              <a:latin typeface="Arial"/>
+            </a:endParaRPr>
+          </a:p>
+        </p:txBody>
+      </p:sp>
+      <p:sp>
+        <p:nvSpPr>
+          <p:cNvPr id="18" name="PlaceHolder 4"/>
           <p:cNvSpPr>
             <a:spLocks noGrp="1"/>
           </p:cNvSpPr>
@@ -2687,8 +2520,8 @@
         </p:nvSpPr>
         <p:spPr>
           <a:xfrm>
-            <a:off x="6226200" y="4098240"/>
-            <a:ext cx="5131080" cy="2075040"/>
+            <a:off x="6231960" y="3682080"/>
+            <a:ext cx="5354280" cy="1896840"/>
           </a:xfrm>
           <a:prstGeom prst="rect">
             <a:avLst/>
@@ -2699,11 +2532,8 @@
             <a:normAutofit/>
           </a:bodyPr>
           <a:p>
-            <a:endParaRPr b="0" lang="pl-PL" sz="2800" spc="-1" strike="noStrike">
-              <a:solidFill>
-                <a:srgbClr val="000000"/>
-              </a:solidFill>
-              <a:latin typeface="Calibri"/>
+            <a:endParaRPr b="0" lang="en-US" sz="3200" spc="-1" strike="noStrike">
+              <a:latin typeface="Arial"/>
             </a:endParaRPr>
           </a:p>
         </p:txBody>
@@ -2732,7 +2562,7 @@
       </p:grpSpPr>
       <p:sp>
         <p:nvSpPr>
-          <p:cNvPr id="22" name="PlaceHolder 1"/>
+          <p:cNvPr id="19" name="PlaceHolder 1"/>
           <p:cNvSpPr>
             <a:spLocks noGrp="1"/>
           </p:cNvSpPr>
@@ -2742,8 +2572,8 @@
         </p:nvSpPr>
         <p:spPr>
           <a:xfrm>
-            <a:off x="838080" y="365040"/>
-            <a:ext cx="10515240" cy="1325160"/>
+            <a:off x="609480" y="273600"/>
+            <a:ext cx="10972440" cy="1144800"/>
           </a:xfrm>
           <a:prstGeom prst="rect">
             <a:avLst/>
@@ -2752,18 +2582,16 @@
         <p:txBody>
           <a:bodyPr lIns="0" rIns="0" tIns="0" bIns="0" anchor="ctr"/>
           <a:p>
-            <a:endParaRPr b="0" lang="pl-PL" sz="1800" spc="-1" strike="noStrike">
-              <a:solidFill>
-                <a:srgbClr val="000000"/>
-              </a:solidFill>
-              <a:latin typeface="Calibri"/>
-            </a:endParaRPr>
-          </a:p>
-        </p:txBody>
-      </p:sp>
-      <p:sp>
-        <p:nvSpPr>
-          <p:cNvPr id="23" name="PlaceHolder 2"/>
+            <a:pPr algn="ctr"/>
+            <a:endParaRPr b="0" lang="en-US" sz="4400" spc="-1" strike="noStrike">
+              <a:latin typeface="Arial"/>
+            </a:endParaRPr>
+          </a:p>
+        </p:txBody>
+      </p:sp>
+      <p:sp>
+        <p:nvSpPr>
+          <p:cNvPr id="20" name="PlaceHolder 2"/>
           <p:cNvSpPr>
             <a:spLocks noGrp="1"/>
           </p:cNvSpPr>
@@ -2773,8 +2601,8 @@
         </p:nvSpPr>
         <p:spPr>
           <a:xfrm>
-            <a:off x="838080" y="1825560"/>
-            <a:ext cx="5131080" cy="2075040"/>
+            <a:off x="609480" y="1604520"/>
+            <a:ext cx="5354280" cy="1896840"/>
           </a:xfrm>
           <a:prstGeom prst="rect">
             <a:avLst/>
@@ -2785,18 +2613,15 @@
             <a:normAutofit/>
           </a:bodyPr>
           <a:p>
-            <a:endParaRPr b="0" lang="pl-PL" sz="2800" spc="-1" strike="noStrike">
-              <a:solidFill>
-                <a:srgbClr val="000000"/>
-              </a:solidFill>
-              <a:latin typeface="Calibri"/>
-            </a:endParaRPr>
-          </a:p>
-        </p:txBody>
-      </p:sp>
-      <p:sp>
-        <p:nvSpPr>
-          <p:cNvPr id="24" name="PlaceHolder 3"/>
+            <a:endParaRPr b="0" lang="en-US" sz="3200" spc="-1" strike="noStrike">
+              <a:latin typeface="Arial"/>
+            </a:endParaRPr>
+          </a:p>
+        </p:txBody>
+      </p:sp>
+      <p:sp>
+        <p:nvSpPr>
+          <p:cNvPr id="21" name="PlaceHolder 3"/>
           <p:cNvSpPr>
             <a:spLocks noGrp="1"/>
           </p:cNvSpPr>
@@ -2806,8 +2631,8 @@
         </p:nvSpPr>
         <p:spPr>
           <a:xfrm>
-            <a:off x="6226200" y="1825560"/>
-            <a:ext cx="5131080" cy="2075040"/>
+            <a:off x="6231960" y="1604520"/>
+            <a:ext cx="5354280" cy="1896840"/>
           </a:xfrm>
           <a:prstGeom prst="rect">
             <a:avLst/>
@@ -2818,18 +2643,15 @@
             <a:normAutofit/>
           </a:bodyPr>
           <a:p>
-            <a:endParaRPr b="0" lang="pl-PL" sz="2800" spc="-1" strike="noStrike">
-              <a:solidFill>
-                <a:srgbClr val="000000"/>
-              </a:solidFill>
-              <a:latin typeface="Calibri"/>
-            </a:endParaRPr>
-          </a:p>
-        </p:txBody>
-      </p:sp>
-      <p:sp>
-        <p:nvSpPr>
-          <p:cNvPr id="25" name="PlaceHolder 4"/>
+            <a:endParaRPr b="0" lang="en-US" sz="3200" spc="-1" strike="noStrike">
+              <a:latin typeface="Arial"/>
+            </a:endParaRPr>
+          </a:p>
+        </p:txBody>
+      </p:sp>
+      <p:sp>
+        <p:nvSpPr>
+          <p:cNvPr id="22" name="PlaceHolder 4"/>
           <p:cNvSpPr>
             <a:spLocks noGrp="1"/>
           </p:cNvSpPr>
@@ -2839,8 +2661,8 @@
         </p:nvSpPr>
         <p:spPr>
           <a:xfrm>
-            <a:off x="838080" y="4098240"/>
-            <a:ext cx="10515240" cy="2075040"/>
+            <a:off x="609480" y="3682080"/>
+            <a:ext cx="10972440" cy="1896840"/>
           </a:xfrm>
           <a:prstGeom prst="rect">
             <a:avLst/>
@@ -2851,11 +2673,8 @@
             <a:normAutofit/>
           </a:bodyPr>
           <a:p>
-            <a:endParaRPr b="0" lang="pl-PL" sz="2800" spc="-1" strike="noStrike">
-              <a:solidFill>
-                <a:srgbClr val="000000"/>
-              </a:solidFill>
-              <a:latin typeface="Calibri"/>
+            <a:endParaRPr b="0" lang="en-US" sz="3200" spc="-1" strike="noStrike">
+              <a:latin typeface="Arial"/>
             </a:endParaRPr>
           </a:p>
         </p:txBody>
@@ -2901,62 +2720,25 @@
         </p:nvSpPr>
         <p:spPr>
           <a:xfrm>
-            <a:off x="1523880" y="1122480"/>
-            <a:ext cx="9143640" cy="2387160"/>
-          </a:xfrm>
-          <a:prstGeom prst="rect">
-            <a:avLst/>
-          </a:prstGeom>
-        </p:spPr>
-        <p:txBody>
-          <a:bodyPr anchor="b"/>
-          <a:p>
-            <a:pPr algn="ctr">
-              <a:lnSpc>
-                <a:spcPct val="90000"/>
-              </a:lnSpc>
-            </a:pPr>
-            <a:r>
-              <a:rPr b="0" lang="pl-PL" sz="6000" spc="-1" strike="noStrike">
-                <a:solidFill>
-                  <a:srgbClr val="000000"/>
-                </a:solidFill>
-                <a:latin typeface="Calibri Light"/>
-              </a:rPr>
-              <a:t>Click to </a:t>
-            </a:r>
-            <a:r>
-              <a:rPr b="0" lang="pl-PL" sz="6000" spc="-1" strike="noStrike">
-                <a:solidFill>
-                  <a:srgbClr val="000000"/>
-                </a:solidFill>
-                <a:latin typeface="Calibri Light"/>
-              </a:rPr>
-              <a:t>edit </a:t>
-            </a:r>
-            <a:r>
-              <a:rPr b="0" lang="pl-PL" sz="6000" spc="-1" strike="noStrike">
-                <a:solidFill>
-                  <a:srgbClr val="000000"/>
-                </a:solidFill>
-                <a:latin typeface="Calibri Light"/>
-              </a:rPr>
-              <a:t>Master </a:t>
-            </a:r>
-            <a:r>
-              <a:rPr b="0" lang="pl-PL" sz="6000" spc="-1" strike="noStrike">
-                <a:solidFill>
-                  <a:srgbClr val="000000"/>
-                </a:solidFill>
-                <a:latin typeface="Calibri Light"/>
-              </a:rPr>
-              <a:t>title style</a:t>
-            </a:r>
-            <a:endParaRPr b="0" lang="pl-PL" sz="6000" spc="-1" strike="noStrike">
-              <a:solidFill>
-                <a:srgbClr val="000000"/>
-              </a:solidFill>
-              <a:latin typeface="Calibri"/>
+            <a:off x="609480" y="273600"/>
+            <a:ext cx="10972440" cy="1144800"/>
+          </a:xfrm>
+          <a:prstGeom prst="rect">
+            <a:avLst/>
+          </a:prstGeom>
+        </p:spPr>
+        <p:txBody>
+          <a:bodyPr lIns="0" rIns="0" tIns="0" bIns="0" anchor="ctr"/>
+          <a:p>
+            <a:pPr algn="ctr"/>
+            <a:r>
+              <a:rPr b="0" lang="en-US" sz="4400" spc="-1" strike="noStrike">
+                <a:latin typeface="Arial"/>
+              </a:rPr>
+              <a:t>Click to edit the title text format</a:t>
+            </a:r>
+            <a:endParaRPr b="0" lang="en-US" sz="4400" spc="-1" strike="noStrike">
+              <a:latin typeface="Arial"/>
             </a:endParaRPr>
           </a:p>
         </p:txBody>
@@ -2964,118 +2746,6 @@
       <p:sp>
         <p:nvSpPr>
           <p:cNvPr id="1" name="PlaceHolder 2"/>
-          <p:cNvSpPr>
-            <a:spLocks noGrp="1"/>
-          </p:cNvSpPr>
-          <p:nvPr>
-            <p:ph type="dt"/>
-          </p:nvPr>
-        </p:nvSpPr>
-        <p:spPr>
-          <a:xfrm>
-            <a:off x="838080" y="6356520"/>
-            <a:ext cx="2742840" cy="364680"/>
-          </a:xfrm>
-          <a:prstGeom prst="rect">
-            <a:avLst/>
-          </a:prstGeom>
-        </p:spPr>
-        <p:txBody>
-          <a:bodyPr anchor="ctr"/>
-          <a:p>
-            <a:pPr>
-              <a:lnSpc>
-                <a:spcPct val="100000"/>
-              </a:lnSpc>
-            </a:pPr>
-            <a:fld id="{0608B91E-3A42-42E9-8D99-40FA07D59C63}" type="datetime">
-              <a:rPr b="0" lang="en-US" sz="1200" spc="-1" strike="noStrike">
-                <a:solidFill>
-                  <a:srgbClr val="8b8b8b"/>
-                </a:solidFill>
-                <a:latin typeface="Calibri"/>
-              </a:rPr>
-              <a:t>7/12/20</a:t>
-            </a:fld>
-            <a:endParaRPr b="0" lang="en-US" sz="1200" spc="-1" strike="noStrike">
-              <a:latin typeface="Times New Roman"/>
-            </a:endParaRPr>
-          </a:p>
-        </p:txBody>
-      </p:sp>
-      <p:sp>
-        <p:nvSpPr>
-          <p:cNvPr id="2" name="PlaceHolder 3"/>
-          <p:cNvSpPr>
-            <a:spLocks noGrp="1"/>
-          </p:cNvSpPr>
-          <p:nvPr>
-            <p:ph type="ftr"/>
-          </p:nvPr>
-        </p:nvSpPr>
-        <p:spPr>
-          <a:xfrm>
-            <a:off x="4038480" y="6356520"/>
-            <a:ext cx="4114440" cy="364680"/>
-          </a:xfrm>
-          <a:prstGeom prst="rect">
-            <a:avLst/>
-          </a:prstGeom>
-        </p:spPr>
-        <p:txBody>
-          <a:bodyPr anchor="ctr"/>
-          <a:p>
-            <a:endParaRPr b="0" lang="en-US" sz="2400" spc="-1" strike="noStrike">
-              <a:latin typeface="Times New Roman"/>
-            </a:endParaRPr>
-          </a:p>
-        </p:txBody>
-      </p:sp>
-      <p:sp>
-        <p:nvSpPr>
-          <p:cNvPr id="3" name="PlaceHolder 4"/>
-          <p:cNvSpPr>
-            <a:spLocks noGrp="1"/>
-          </p:cNvSpPr>
-          <p:nvPr>
-            <p:ph type="sldNum"/>
-          </p:nvPr>
-        </p:nvSpPr>
-        <p:spPr>
-          <a:xfrm>
-            <a:off x="8610480" y="6356520"/>
-            <a:ext cx="2742840" cy="364680"/>
-          </a:xfrm>
-          <a:prstGeom prst="rect">
-            <a:avLst/>
-          </a:prstGeom>
-        </p:spPr>
-        <p:txBody>
-          <a:bodyPr anchor="ctr"/>
-          <a:p>
-            <a:pPr algn="r">
-              <a:lnSpc>
-                <a:spcPct val="100000"/>
-              </a:lnSpc>
-            </a:pPr>
-            <a:fld id="{D6DE3A9D-36E3-47EA-BEA5-5EA066B6B803}" type="slidenum">
-              <a:rPr b="0" lang="en-US" sz="1200" spc="-1" strike="noStrike">
-                <a:solidFill>
-                  <a:srgbClr val="8b8b8b"/>
-                </a:solidFill>
-                <a:latin typeface="Calibri"/>
-              </a:rPr>
-              <a:t>&lt;number&gt;</a:t>
-            </a:fld>
-            <a:endParaRPr b="0" lang="en-US" sz="1200" spc="-1" strike="noStrike">
-              <a:latin typeface="Times New Roman"/>
-            </a:endParaRPr>
-          </a:p>
-        </p:txBody>
-      </p:sp>
-      <p:sp>
-        <p:nvSpPr>
-          <p:cNvPr id="4" name="PlaceHolder 5"/>
           <p:cNvSpPr>
             <a:spLocks noGrp="1"/>
           </p:cNvSpPr>
@@ -3109,19 +2779,13 @@
               <a:buChar char=""/>
             </a:pPr>
             <a:r>
-              <a:rPr b="0" lang="pl-PL" sz="2800" spc="-1" strike="noStrike">
-                <a:solidFill>
-                  <a:srgbClr val="000000"/>
-                </a:solidFill>
-                <a:latin typeface="Calibri"/>
+              <a:rPr b="0" lang="en-US" sz="3200" spc="-1" strike="noStrike">
+                <a:latin typeface="Arial"/>
               </a:rPr>
               <a:t>Click to edit the outline text format</a:t>
             </a:r>
-            <a:endParaRPr b="0" lang="pl-PL" sz="2800" spc="-1" strike="noStrike">
-              <a:solidFill>
-                <a:srgbClr val="000000"/>
-              </a:solidFill>
-              <a:latin typeface="Calibri"/>
+            <a:endParaRPr b="0" lang="en-US" sz="3200" spc="-1" strike="noStrike">
+              <a:latin typeface="Arial"/>
             </a:endParaRPr>
           </a:p>
           <a:p>
@@ -3137,19 +2801,13 @@
               <a:buChar char=""/>
             </a:pPr>
             <a:r>
-              <a:rPr b="0" lang="pl-PL" sz="2000" spc="-1" strike="noStrike">
-                <a:solidFill>
-                  <a:srgbClr val="000000"/>
-                </a:solidFill>
-                <a:latin typeface="Calibri"/>
+              <a:rPr b="0" lang="en-US" sz="2800" spc="-1" strike="noStrike">
+                <a:latin typeface="Arial"/>
               </a:rPr>
               <a:t>Second Outline Level</a:t>
             </a:r>
-            <a:endParaRPr b="0" lang="pl-PL" sz="2000" spc="-1" strike="noStrike">
-              <a:solidFill>
-                <a:srgbClr val="000000"/>
-              </a:solidFill>
-              <a:latin typeface="Calibri"/>
+            <a:endParaRPr b="0" lang="en-US" sz="2800" spc="-1" strike="noStrike">
+              <a:latin typeface="Arial"/>
             </a:endParaRPr>
           </a:p>
           <a:p>
@@ -3165,19 +2823,13 @@
               <a:buChar char=""/>
             </a:pPr>
             <a:r>
-              <a:rPr b="0" lang="pl-PL" sz="1800" spc="-1" strike="noStrike">
-                <a:solidFill>
-                  <a:srgbClr val="000000"/>
-                </a:solidFill>
-                <a:latin typeface="Calibri"/>
+              <a:rPr b="0" lang="en-US" sz="2400" spc="-1" strike="noStrike">
+                <a:latin typeface="Arial"/>
               </a:rPr>
               <a:t>Third Outline Level</a:t>
             </a:r>
-            <a:endParaRPr b="0" lang="pl-PL" sz="1800" spc="-1" strike="noStrike">
-              <a:solidFill>
-                <a:srgbClr val="000000"/>
-              </a:solidFill>
-              <a:latin typeface="Calibri"/>
+            <a:endParaRPr b="0" lang="en-US" sz="2400" spc="-1" strike="noStrike">
+              <a:latin typeface="Arial"/>
             </a:endParaRPr>
           </a:p>
           <a:p>
@@ -3193,19 +2845,13 @@
               <a:buChar char=""/>
             </a:pPr>
             <a:r>
-              <a:rPr b="0" lang="pl-PL" sz="1800" spc="-1" strike="noStrike">
-                <a:solidFill>
-                  <a:srgbClr val="000000"/>
-                </a:solidFill>
-                <a:latin typeface="Calibri"/>
+              <a:rPr b="0" lang="en-US" sz="2000" spc="-1" strike="noStrike">
+                <a:latin typeface="Arial"/>
               </a:rPr>
               <a:t>Fourth Outline Level</a:t>
             </a:r>
-            <a:endParaRPr b="0" lang="pl-PL" sz="1800" spc="-1" strike="noStrike">
-              <a:solidFill>
-                <a:srgbClr val="000000"/>
-              </a:solidFill>
-              <a:latin typeface="Calibri"/>
+            <a:endParaRPr b="0" lang="en-US" sz="2000" spc="-1" strike="noStrike">
+              <a:latin typeface="Arial"/>
             </a:endParaRPr>
           </a:p>
           <a:p>
@@ -3221,19 +2867,13 @@
               <a:buChar char=""/>
             </a:pPr>
             <a:r>
-              <a:rPr b="0" lang="pl-PL" sz="2000" spc="-1" strike="noStrike">
-                <a:solidFill>
-                  <a:srgbClr val="000000"/>
-                </a:solidFill>
-                <a:latin typeface="Calibri"/>
+              <a:rPr b="0" lang="en-US" sz="2000" spc="-1" strike="noStrike">
+                <a:latin typeface="Arial"/>
               </a:rPr>
               <a:t>Fifth Outline Level</a:t>
             </a:r>
-            <a:endParaRPr b="0" lang="pl-PL" sz="2000" spc="-1" strike="noStrike">
-              <a:solidFill>
-                <a:srgbClr val="000000"/>
-              </a:solidFill>
-              <a:latin typeface="Calibri"/>
+            <a:endParaRPr b="0" lang="en-US" sz="2000" spc="-1" strike="noStrike">
+              <a:latin typeface="Arial"/>
             </a:endParaRPr>
           </a:p>
           <a:p>
@@ -3249,19 +2889,13 @@
               <a:buChar char=""/>
             </a:pPr>
             <a:r>
-              <a:rPr b="0" lang="pl-PL" sz="2000" spc="-1" strike="noStrike">
-                <a:solidFill>
-                  <a:srgbClr val="000000"/>
-                </a:solidFill>
-                <a:latin typeface="Calibri"/>
+              <a:rPr b="0" lang="en-US" sz="2000" spc="-1" strike="noStrike">
+                <a:latin typeface="Arial"/>
               </a:rPr>
               <a:t>Sixth Outline Level</a:t>
             </a:r>
-            <a:endParaRPr b="0" lang="pl-PL" sz="2000" spc="-1" strike="noStrike">
-              <a:solidFill>
-                <a:srgbClr val="000000"/>
-              </a:solidFill>
-              <a:latin typeface="Calibri"/>
+            <a:endParaRPr b="0" lang="en-US" sz="2000" spc="-1" strike="noStrike">
+              <a:latin typeface="Arial"/>
             </a:endParaRPr>
           </a:p>
           <a:p>
@@ -3277,19 +2911,13 @@
               <a:buChar char=""/>
             </a:pPr>
             <a:r>
-              <a:rPr b="0" lang="pl-PL" sz="2000" spc="-1" strike="noStrike">
-                <a:solidFill>
-                  <a:srgbClr val="000000"/>
-                </a:solidFill>
-                <a:latin typeface="Calibri"/>
+              <a:rPr b="0" lang="en-US" sz="2000" spc="-1" strike="noStrike">
+                <a:latin typeface="Arial"/>
               </a:rPr>
               <a:t>Seventh Outline Level</a:t>
             </a:r>
-            <a:endParaRPr b="0" lang="pl-PL" sz="2000" spc="-1" strike="noStrike">
-              <a:solidFill>
-                <a:srgbClr val="000000"/>
-              </a:solidFill>
-              <a:latin typeface="Calibri"/>
+            <a:endParaRPr b="0" lang="en-US" sz="2000" spc="-1" strike="noStrike">
+              <a:latin typeface="Arial"/>
             </a:endParaRPr>
           </a:p>
         </p:txBody>
@@ -3340,7 +2968,7 @@
       </p:grpSpPr>
       <p:sp>
         <p:nvSpPr>
-          <p:cNvPr id="41" name="PlaceHolder 1"/>
+          <p:cNvPr id="38" name="PlaceHolder 1"/>
           <p:cNvSpPr>
             <a:spLocks noGrp="1"/>
           </p:cNvSpPr>
@@ -3350,42 +2978,38 @@
         </p:nvSpPr>
         <p:spPr>
           <a:xfrm>
-            <a:off x="838080" y="365040"/>
-            <a:ext cx="10515240" cy="1325160"/>
-          </a:xfrm>
-          <a:prstGeom prst="rect">
-            <a:avLst/>
-          </a:prstGeom>
-        </p:spPr>
-        <p:txBody>
-          <a:bodyPr anchor="ctr"/>
-          <a:p>
-            <a:pPr>
-              <a:lnSpc>
-                <a:spcPct val="90000"/>
-              </a:lnSpc>
-            </a:pPr>
-            <a:r>
-              <a:rPr b="0" lang="pl-PL" sz="4400" spc="-1" strike="noStrike">
-                <a:solidFill>
-                  <a:srgbClr val="000000"/>
-                </a:solidFill>
-                <a:latin typeface="Calibri Light"/>
-              </a:rPr>
-              <a:t>Click to edit Master title style</a:t>
-            </a:r>
-            <a:endParaRPr b="0" lang="pl-PL" sz="4400" spc="-1" strike="noStrike">
-              <a:solidFill>
-                <a:srgbClr val="000000"/>
-              </a:solidFill>
-              <a:latin typeface="Calibri"/>
-            </a:endParaRPr>
-          </a:p>
-        </p:txBody>
-      </p:sp>
-      <p:sp>
-        <p:nvSpPr>
-          <p:cNvPr id="42" name="PlaceHolder 2"/>
+            <a:off x="609480" y="273600"/>
+            <a:ext cx="10972440" cy="1144800"/>
+          </a:xfrm>
+          <a:prstGeom prst="rect">
+            <a:avLst/>
+          </a:prstGeom>
+        </p:spPr>
+        <p:txBody>
+          <a:bodyPr lIns="0" rIns="0" tIns="0" bIns="0" anchor="ctr"/>
+          <a:p>
+            <a:pPr algn="ctr"/>
+            <a:r>
+              <a:rPr b="0" lang="en-US" sz="4400" spc="-1" strike="noStrike">
+                <a:latin typeface="Arial"/>
+              </a:rPr>
+              <a:t>Click to edit the </a:t>
+            </a:r>
+            <a:r>
+              <a:rPr b="0" lang="en-US" sz="4400" spc="-1" strike="noStrike">
+                <a:latin typeface="Arial"/>
+              </a:rPr>
+              <a:t>title text format</a:t>
+            </a:r>
+            <a:endParaRPr b="0" lang="en-US" sz="4400" spc="-1" strike="noStrike">
+              <a:latin typeface="Arial"/>
+            </a:endParaRPr>
+          </a:p>
+        </p:txBody>
+      </p:sp>
+      <p:sp>
+        <p:nvSpPr>
+          <p:cNvPr id="39" name="PlaceHolder 2"/>
           <p:cNvSpPr>
             <a:spLocks noGrp="1"/>
           </p:cNvSpPr>
@@ -3395,275 +3019,169 @@
         </p:nvSpPr>
         <p:spPr>
           <a:xfrm>
-            <a:off x="838080" y="1825560"/>
-            <a:ext cx="10515240" cy="4350960"/>
-          </a:xfrm>
-          <a:prstGeom prst="rect">
-            <a:avLst/>
-          </a:prstGeom>
-        </p:spPr>
-        <p:txBody>
-          <a:bodyPr/>
-          <a:p>
-            <a:pPr marL="228600" indent="-228240">
-              <a:lnSpc>
-                <a:spcPct val="90000"/>
-              </a:lnSpc>
+            <a:off x="609480" y="1604520"/>
+            <a:ext cx="10972440" cy="3977280"/>
+          </a:xfrm>
+          <a:prstGeom prst="rect">
+            <a:avLst/>
+          </a:prstGeom>
+        </p:spPr>
+        <p:txBody>
+          <a:bodyPr lIns="0" rIns="0" tIns="0" bIns="0">
+            <a:normAutofit/>
+          </a:bodyPr>
+          <a:p>
+            <a:pPr marL="432000" indent="-324000">
               <a:spcBef>
-                <a:spcPts val="1001"/>
+                <a:spcPts val="1417"/>
               </a:spcBef>
               <a:buClr>
                 <a:srgbClr val="000000"/>
               </a:buClr>
-              <a:buFont typeface="Arial"/>
-              <a:buChar char="•"/>
+              <a:buSzPct val="45000"/>
+              <a:buFont typeface="Wingdings" charset="2"/>
+              <a:buChar char=""/>
             </a:pPr>
             <a:r>
-              <a:rPr b="0" lang="pl-PL" sz="2800" spc="-1" strike="noStrike">
-                <a:solidFill>
-                  <a:srgbClr val="000000"/>
-                </a:solidFill>
-                <a:latin typeface="Calibri"/>
-              </a:rPr>
-              <a:t>Click to edit Master text styles</a:t>
-            </a:r>
-            <a:endParaRPr b="0" lang="pl-PL" sz="2800" spc="-1" strike="noStrike">
-              <a:solidFill>
-                <a:srgbClr val="000000"/>
-              </a:solidFill>
-              <a:latin typeface="Calibri"/>
-            </a:endParaRPr>
-          </a:p>
-          <a:p>
-            <a:pPr lvl="1" marL="685800" indent="-228240">
-              <a:lnSpc>
-                <a:spcPct val="90000"/>
-              </a:lnSpc>
+              <a:rPr b="0" lang="en-US" sz="3200" spc="-1" strike="noStrike">
+                <a:latin typeface="Arial"/>
+              </a:rPr>
+              <a:t>Click to edit the outline text format</a:t>
+            </a:r>
+            <a:endParaRPr b="0" lang="en-US" sz="3200" spc="-1" strike="noStrike">
+              <a:latin typeface="Arial"/>
+            </a:endParaRPr>
+          </a:p>
+          <a:p>
+            <a:pPr lvl="1" marL="864000" indent="-324000">
               <a:spcBef>
-                <a:spcPts val="499"/>
+                <a:spcPts val="1134"/>
               </a:spcBef>
               <a:buClr>
                 <a:srgbClr val="000000"/>
               </a:buClr>
-              <a:buFont typeface="Arial"/>
-              <a:buChar char="•"/>
+              <a:buSzPct val="75000"/>
+              <a:buFont typeface="Symbol" charset="2"/>
+              <a:buChar char=""/>
             </a:pPr>
             <a:r>
-              <a:rPr b="0" lang="pl-PL" sz="2400" spc="-1" strike="noStrike">
-                <a:solidFill>
-                  <a:srgbClr val="000000"/>
-                </a:solidFill>
-                <a:latin typeface="Calibri"/>
-              </a:rPr>
-              <a:t>Second level</a:t>
-            </a:r>
-            <a:endParaRPr b="0" lang="pl-PL" sz="2400" spc="-1" strike="noStrike">
-              <a:solidFill>
-                <a:srgbClr val="000000"/>
-              </a:solidFill>
-              <a:latin typeface="Calibri"/>
-            </a:endParaRPr>
-          </a:p>
-          <a:p>
-            <a:pPr lvl="2" marL="1143000" indent="-228240">
-              <a:lnSpc>
-                <a:spcPct val="90000"/>
-              </a:lnSpc>
+              <a:rPr b="0" lang="en-US" sz="2800" spc="-1" strike="noStrike">
+                <a:latin typeface="Arial"/>
+              </a:rPr>
+              <a:t>Second Outline Level</a:t>
+            </a:r>
+            <a:endParaRPr b="0" lang="en-US" sz="2800" spc="-1" strike="noStrike">
+              <a:latin typeface="Arial"/>
+            </a:endParaRPr>
+          </a:p>
+          <a:p>
+            <a:pPr lvl="2" marL="1296000" indent="-288000">
               <a:spcBef>
-                <a:spcPts val="499"/>
+                <a:spcPts val="850"/>
               </a:spcBef>
               <a:buClr>
                 <a:srgbClr val="000000"/>
               </a:buClr>
-              <a:buFont typeface="Arial"/>
-              <a:buChar char="•"/>
+              <a:buSzPct val="45000"/>
+              <a:buFont typeface="Wingdings" charset="2"/>
+              <a:buChar char=""/>
             </a:pPr>
             <a:r>
-              <a:rPr b="0" lang="pl-PL" sz="2000" spc="-1" strike="noStrike">
-                <a:solidFill>
-                  <a:srgbClr val="000000"/>
-                </a:solidFill>
-                <a:latin typeface="Calibri"/>
-              </a:rPr>
-              <a:t>Third level</a:t>
-            </a:r>
-            <a:endParaRPr b="0" lang="pl-PL" sz="2000" spc="-1" strike="noStrike">
-              <a:solidFill>
-                <a:srgbClr val="000000"/>
-              </a:solidFill>
-              <a:latin typeface="Calibri"/>
-            </a:endParaRPr>
-          </a:p>
-          <a:p>
-            <a:pPr lvl="3" marL="1600200" indent="-228240">
-              <a:lnSpc>
-                <a:spcPct val="90000"/>
-              </a:lnSpc>
+              <a:rPr b="0" lang="en-US" sz="2400" spc="-1" strike="noStrike">
+                <a:latin typeface="Arial"/>
+              </a:rPr>
+              <a:t>Third Outline Level</a:t>
+            </a:r>
+            <a:endParaRPr b="0" lang="en-US" sz="2400" spc="-1" strike="noStrike">
+              <a:latin typeface="Arial"/>
+            </a:endParaRPr>
+          </a:p>
+          <a:p>
+            <a:pPr lvl="3" marL="1728000" indent="-216000">
               <a:spcBef>
-                <a:spcPts val="499"/>
+                <a:spcPts val="567"/>
               </a:spcBef>
               <a:buClr>
                 <a:srgbClr val="000000"/>
               </a:buClr>
-              <a:buFont typeface="Arial"/>
-              <a:buChar char="•"/>
+              <a:buSzPct val="75000"/>
+              <a:buFont typeface="Symbol" charset="2"/>
+              <a:buChar char=""/>
             </a:pPr>
             <a:r>
-              <a:rPr b="0" lang="pl-PL" sz="1800" spc="-1" strike="noStrike">
-                <a:solidFill>
-                  <a:srgbClr val="000000"/>
-                </a:solidFill>
-                <a:latin typeface="Calibri"/>
-              </a:rPr>
-              <a:t>Fourth level</a:t>
-            </a:r>
-            <a:endParaRPr b="0" lang="pl-PL" sz="1800" spc="-1" strike="noStrike">
-              <a:solidFill>
-                <a:srgbClr val="000000"/>
-              </a:solidFill>
-              <a:latin typeface="Calibri"/>
-            </a:endParaRPr>
-          </a:p>
-          <a:p>
-            <a:pPr lvl="4" marL="2057400" indent="-228240">
-              <a:lnSpc>
-                <a:spcPct val="90000"/>
-              </a:lnSpc>
+              <a:rPr b="0" lang="en-US" sz="2000" spc="-1" strike="noStrike">
+                <a:latin typeface="Arial"/>
+              </a:rPr>
+              <a:t>Fourth Outline Level</a:t>
+            </a:r>
+            <a:endParaRPr b="0" lang="en-US" sz="2000" spc="-1" strike="noStrike">
+              <a:latin typeface="Arial"/>
+            </a:endParaRPr>
+          </a:p>
+          <a:p>
+            <a:pPr lvl="4" marL="2160000" indent="-216000">
               <a:spcBef>
-                <a:spcPts val="499"/>
+                <a:spcPts val="283"/>
               </a:spcBef>
               <a:buClr>
                 <a:srgbClr val="000000"/>
               </a:buClr>
-              <a:buFont typeface="Arial"/>
-              <a:buChar char="•"/>
+              <a:buSzPct val="45000"/>
+              <a:buFont typeface="Wingdings" charset="2"/>
+              <a:buChar char=""/>
             </a:pPr>
             <a:r>
-              <a:rPr b="0" lang="pl-PL" sz="1800" spc="-1" strike="noStrike">
-                <a:solidFill>
-                  <a:srgbClr val="000000"/>
-                </a:solidFill>
-                <a:latin typeface="Calibri"/>
-              </a:rPr>
-              <a:t>Fifth level</a:t>
-            </a:r>
-            <a:endParaRPr b="0" lang="pl-PL" sz="1800" spc="-1" strike="noStrike">
-              <a:solidFill>
+              <a:rPr b="0" lang="en-US" sz="2000" spc="-1" strike="noStrike">
+                <a:latin typeface="Arial"/>
+              </a:rPr>
+              <a:t>Fifth Outline Level</a:t>
+            </a:r>
+            <a:endParaRPr b="0" lang="en-US" sz="2000" spc="-1" strike="noStrike">
+              <a:latin typeface="Arial"/>
+            </a:endParaRPr>
+          </a:p>
+          <a:p>
+            <a:pPr lvl="5" marL="2592000" indent="-216000">
+              <a:spcBef>
+                <a:spcPts val="283"/>
+              </a:spcBef>
+              <a:buClr>
                 <a:srgbClr val="000000"/>
-              </a:solidFill>
-              <a:latin typeface="Calibri"/>
-            </a:endParaRPr>
-          </a:p>
-        </p:txBody>
-      </p:sp>
-      <p:sp>
-        <p:nvSpPr>
-          <p:cNvPr id="43" name="PlaceHolder 3"/>
-          <p:cNvSpPr>
-            <a:spLocks noGrp="1"/>
-          </p:cNvSpPr>
-          <p:nvPr>
-            <p:ph type="dt"/>
-          </p:nvPr>
-        </p:nvSpPr>
-        <p:spPr>
-          <a:xfrm>
-            <a:off x="838080" y="6356520"/>
-            <a:ext cx="2742840" cy="364680"/>
-          </a:xfrm>
-          <a:prstGeom prst="rect">
-            <a:avLst/>
-          </a:prstGeom>
-        </p:spPr>
-        <p:txBody>
-          <a:bodyPr anchor="ctr"/>
-          <a:p>
-            <a:pPr>
-              <a:lnSpc>
-                <a:spcPct val="100000"/>
-              </a:lnSpc>
+              </a:buClr>
+              <a:buSzPct val="45000"/>
+              <a:buFont typeface="Wingdings" charset="2"/>
+              <a:buChar char=""/>
             </a:pPr>
-            <a:fld id="{EE9AEFCB-1BD8-4539-AA99-22651A2542AB}" type="datetime">
-              <a:rPr b="0" lang="en-US" sz="1200" spc="-1" strike="noStrike">
-                <a:solidFill>
-                  <a:srgbClr val="8b8b8b"/>
-                </a:solidFill>
-                <a:latin typeface="Calibri"/>
-              </a:rPr>
-              <a:t>7/12/20</a:t>
-            </a:fld>
-            <a:endParaRPr b="0" lang="en-US" sz="1200" spc="-1" strike="noStrike">
-              <a:latin typeface="Times New Roman"/>
-            </a:endParaRPr>
-          </a:p>
-        </p:txBody>
-      </p:sp>
-      <p:sp>
-        <p:nvSpPr>
-          <p:cNvPr id="44" name="PlaceHolder 4"/>
-          <p:cNvSpPr>
-            <a:spLocks noGrp="1"/>
-          </p:cNvSpPr>
-          <p:nvPr>
-            <p:ph type="ftr"/>
-          </p:nvPr>
-        </p:nvSpPr>
-        <p:spPr>
-          <a:xfrm>
-            <a:off x="4038480" y="6356520"/>
-            <a:ext cx="4114440" cy="364680"/>
-          </a:xfrm>
-          <a:prstGeom prst="rect">
-            <a:avLst/>
-          </a:prstGeom>
-        </p:spPr>
-        <p:txBody>
-          <a:bodyPr anchor="ctr"/>
-          <a:p>
-            <a:endParaRPr b="0" lang="en-US" sz="2400" spc="-1" strike="noStrike">
-              <a:latin typeface="Times New Roman"/>
-            </a:endParaRPr>
-          </a:p>
-        </p:txBody>
-      </p:sp>
-      <p:sp>
-        <p:nvSpPr>
-          <p:cNvPr id="45" name="PlaceHolder 5"/>
-          <p:cNvSpPr>
-            <a:spLocks noGrp="1"/>
-          </p:cNvSpPr>
-          <p:nvPr>
-            <p:ph type="sldNum"/>
-          </p:nvPr>
-        </p:nvSpPr>
-        <p:spPr>
-          <a:xfrm>
-            <a:off x="8610480" y="6356520"/>
-            <a:ext cx="2742840" cy="364680"/>
-          </a:xfrm>
-          <a:prstGeom prst="rect">
-            <a:avLst/>
-          </a:prstGeom>
-        </p:spPr>
-        <p:txBody>
-          <a:bodyPr anchor="ctr"/>
-          <a:p>
-            <a:pPr algn="r">
-              <a:lnSpc>
-                <a:spcPct val="100000"/>
-              </a:lnSpc>
+            <a:r>
+              <a:rPr b="0" lang="en-US" sz="2000" spc="-1" strike="noStrike">
+                <a:latin typeface="Arial"/>
+              </a:rPr>
+              <a:t>Sixth Outline Level</a:t>
+            </a:r>
+            <a:endParaRPr b="0" lang="en-US" sz="2000" spc="-1" strike="noStrike">
+              <a:latin typeface="Arial"/>
+            </a:endParaRPr>
+          </a:p>
+          <a:p>
+            <a:pPr lvl="6" marL="3024000" indent="-216000">
+              <a:spcBef>
+                <a:spcPts val="283"/>
+              </a:spcBef>
+              <a:buClr>
+                <a:srgbClr val="000000"/>
+              </a:buClr>
+              <a:buSzPct val="45000"/>
+              <a:buFont typeface="Wingdings" charset="2"/>
+              <a:buChar char=""/>
             </a:pPr>
-            <a:fld id="{0DA42E0A-DCA6-4C96-BDB4-A5FE77B2BD07}" type="slidenum">
-              <a:rPr b="0" lang="en-US" sz="1200" spc="-1" strike="noStrike">
-                <a:solidFill>
-                  <a:srgbClr val="8b8b8b"/>
-                </a:solidFill>
-                <a:latin typeface="Calibri"/>
-              </a:rPr>
-              <a:t>&lt;number&gt;</a:t>
-            </a:fld>
-            <a:endParaRPr b="0" lang="en-US" sz="1200" spc="-1" strike="noStrike">
-              <a:latin typeface="Times New Roman"/>
+            <a:r>
+              <a:rPr b="0" lang="en-US" sz="2000" spc="-1" strike="noStrike">
+                <a:latin typeface="Arial"/>
+              </a:rPr>
+              <a:t>Seventh Outline Level</a:t>
+            </a:r>
+            <a:endParaRPr b="0" lang="en-US" sz="2000" spc="-1" strike="noStrike">
+              <a:latin typeface="Arial"/>
             </a:endParaRPr>
           </a:p>
         </p:txBody>
@@ -3707,14 +3225,14 @@
       </p:grpSpPr>
       <p:sp>
         <p:nvSpPr>
-          <p:cNvPr id="82" name="TextShape 1"/>
-          <p:cNvSpPr txBox="1"/>
+          <p:cNvPr id="76" name="CustomShape 1"/>
+          <p:cNvSpPr/>
           <p:nvPr/>
         </p:nvSpPr>
         <p:spPr>
           <a:xfrm>
             <a:off x="1523880" y="181440"/>
-            <a:ext cx="9143640" cy="1193040"/>
+            <a:ext cx="9142560" cy="1191960"/>
           </a:xfrm>
           <a:prstGeom prst="rect">
             <a:avLst/>
@@ -3724,8 +3242,14 @@
             <a:noFill/>
           </a:ln>
         </p:spPr>
-        <p:txBody>
-          <a:bodyPr anchor="b">
+        <p:style>
+          <a:lnRef idx="0"/>
+          <a:fillRef idx="0"/>
+          <a:effectRef idx="0"/>
+          <a:fontRef idx="minor"/>
+        </p:style>
+        <p:txBody>
+          <a:bodyPr lIns="90000" rIns="90000" tIns="45000" bIns="45000" anchor="b">
             <a:normAutofit/>
           </a:bodyPr>
           <a:p>
@@ -3735,33 +3259,31 @@
               </a:lnSpc>
             </a:pPr>
             <a:r>
-              <a:rPr b="0" lang="pl-PL" sz="2800" spc="-1" strike="noStrike">
+              <a:rPr b="0" lang="en-US" sz="2800" spc="-1" strike="noStrike">
                 <a:solidFill>
                   <a:srgbClr val="000000"/>
                 </a:solidFill>
                 <a:latin typeface="Calibri Light"/>
+                <a:ea typeface="DejaVu Sans"/>
               </a:rPr>
               <a:t>Independence / uncorrelation within LinReg Model</a:t>
             </a:r>
             <a:br/>
-            <a:endParaRPr b="0" lang="pl-PL" sz="2800" spc="-1" strike="noStrike">
-              <a:solidFill>
-                <a:srgbClr val="000000"/>
-              </a:solidFill>
-              <a:latin typeface="Calibri"/>
+            <a:endParaRPr b="0" lang="en-US" sz="2800" spc="-1" strike="noStrike">
+              <a:latin typeface="Arial"/>
             </a:endParaRPr>
           </a:p>
         </p:txBody>
       </p:sp>
       <p:graphicFrame>
         <p:nvGraphicFramePr>
-          <p:cNvPr id="83" name="Table 2"/>
+          <p:cNvPr id="77" name="Table 2"/>
           <p:cNvGraphicFramePr/>
           <p:nvPr/>
         </p:nvGraphicFramePr>
         <p:xfrm>
           <a:off x="1759680" y="1770120"/>
-          <a:ext cx="8127720" cy="1112040"/>
+          <a:ext cx="8127360" cy="1110960"/>
         </p:xfrm>
         <a:graphic>
           <a:graphicData uri="http://schemas.openxmlformats.org/drawingml/2006/table">
@@ -3949,7 +3471,7 @@
                   </a:tcPr>
                 </a:tc>
               </a:tr>
-              <a:tr h="370440">
+              <a:tr h="369360">
                 <a:tc>
                   <a:txBody>
                     <a:bodyPr/>
@@ -4055,14 +3577,14 @@
       </p:graphicFrame>
       <p:sp>
         <p:nvSpPr>
-          <p:cNvPr id="84" name="CustomShape 3"/>
+          <p:cNvPr id="78" name="CustomShape 3"/>
           <p:cNvSpPr/>
           <p:nvPr/>
         </p:nvSpPr>
         <p:spPr>
           <a:xfrm>
             <a:off x="1290600" y="3864960"/>
-            <a:ext cx="9610560" cy="913320"/>
+            <a:ext cx="9609480" cy="912240"/>
           </a:xfrm>
           <a:prstGeom prst="rect">
             <a:avLst/>
@@ -4092,6 +3614,7 @@
                   <a:srgbClr val="000000"/>
                 </a:solidFill>
                 <a:latin typeface="Calibri"/>
+                <a:ea typeface="DejaVu Sans"/>
               </a:rPr>
               <a:t>Notes:</a:t>
             </a:r>
@@ -4111,6 +3634,7 @@
                   <a:srgbClr val="000000"/>
                 </a:solidFill>
                 <a:latin typeface="Calibri"/>
+                <a:ea typeface="DejaVu Sans"/>
               </a:rPr>
               <a:t>Cov(A,B) =&gt; uncorrelated, </a:t>
             </a:r>
@@ -4120,6 +3644,7 @@
                   <a:srgbClr val="000000"/>
                 </a:solidFill>
                 <a:latin typeface="Calibri"/>
+                <a:ea typeface="DejaVu Sans"/>
               </a:rPr>
               <a:t>independent</a:t>
             </a:r>
@@ -4139,6 +3664,7 @@
                   <a:srgbClr val="000000"/>
                 </a:solidFill>
                 <a:latin typeface="Calibri"/>
+                <a:ea typeface="DejaVu Sans"/>
               </a:rPr>
               <a:t>Covariance matrix != Correlation Matrix</a:t>
             </a:r>
@@ -4199,14 +3725,14 @@
       </p:grpSpPr>
       <p:sp>
         <p:nvSpPr>
-          <p:cNvPr id="85" name="TextShape 1"/>
-          <p:cNvSpPr txBox="1"/>
+          <p:cNvPr id="79" name="CustomShape 1"/>
+          <p:cNvSpPr/>
           <p:nvPr/>
         </p:nvSpPr>
         <p:spPr>
           <a:xfrm>
             <a:off x="838080" y="365040"/>
-            <a:ext cx="10515240" cy="1325160"/>
+            <a:ext cx="10514160" cy="1324080"/>
           </a:xfrm>
           <a:prstGeom prst="rect">
             <a:avLst/>
@@ -4216,8 +3742,14 @@
             <a:noFill/>
           </a:ln>
         </p:spPr>
-        <p:txBody>
-          <a:bodyPr anchor="ctr"/>
+        <p:style>
+          <a:lnRef idx="0"/>
+          <a:fillRef idx="0"/>
+          <a:effectRef idx="0"/>
+          <a:fontRef idx="minor"/>
+        </p:style>
+        <p:txBody>
+          <a:bodyPr lIns="90000" rIns="90000" tIns="45000" bIns="45000" anchor="ctr"/>
           <a:p>
             <a:pPr>
               <a:lnSpc>
@@ -4225,33 +3757,31 @@
               </a:lnSpc>
             </a:pPr>
             <a:r>
-              <a:rPr b="0" lang="pl-PL" sz="4400" spc="-1" strike="noStrike">
+              <a:rPr b="0" lang="en-US" sz="4400" spc="-1" strike="noStrike">
                 <a:solidFill>
                   <a:srgbClr val="000000"/>
                 </a:solidFill>
                 <a:latin typeface="Calibri Light"/>
+                <a:ea typeface="DejaVu Sans"/>
               </a:rPr>
               <a:t>Estimators</a:t>
             </a:r>
-            <a:endParaRPr b="0" lang="pl-PL" sz="4400" spc="-1" strike="noStrike">
-              <a:solidFill>
-                <a:srgbClr val="000000"/>
-              </a:solidFill>
-              <a:latin typeface="Calibri"/>
-            </a:endParaRPr>
-          </a:p>
-        </p:txBody>
-      </p:sp>
-      <p:sp>
-        <p:nvSpPr>
-          <p:cNvPr id="86" name="TextShape 2"/>
-          <p:cNvSpPr txBox="1"/>
+            <a:endParaRPr b="0" lang="en-US" sz="4400" spc="-1" strike="noStrike">
+              <a:latin typeface="Arial"/>
+            </a:endParaRPr>
+          </a:p>
+        </p:txBody>
+      </p:sp>
+      <p:sp>
+        <p:nvSpPr>
+          <p:cNvPr id="80" name="CustomShape 2"/>
+          <p:cNvSpPr/>
           <p:nvPr/>
         </p:nvSpPr>
         <p:spPr>
           <a:xfrm>
             <a:off x="838080" y="1825560"/>
-            <a:ext cx="10515240" cy="4350960"/>
+            <a:ext cx="10514160" cy="4349880"/>
           </a:xfrm>
           <a:prstGeom prst="rect">
             <a:avLst/>
@@ -4261,10 +3791,16 @@
             <a:noFill/>
           </a:ln>
         </p:spPr>
-        <p:txBody>
-          <a:bodyPr/>
-          <a:p>
-            <a:pPr marL="228600" indent="-228240">
+        <p:style>
+          <a:lnRef idx="0"/>
+          <a:fillRef idx="0"/>
+          <a:effectRef idx="0"/>
+          <a:fontRef idx="minor"/>
+        </p:style>
+        <p:txBody>
+          <a:bodyPr lIns="90000" rIns="90000" tIns="45000" bIns="45000"/>
+          <a:p>
+            <a:pPr marL="228600" indent="-227160">
               <a:lnSpc>
                 <a:spcPct val="90000"/>
               </a:lnSpc>
@@ -4278,23 +3814,21 @@
               <a:buChar char="-"/>
             </a:pPr>
             <a:r>
-              <a:rPr b="0" lang="pl-PL" sz="2800" spc="-1" strike="noStrike">
+              <a:rPr b="0" lang="en-US" sz="2800" spc="-1" strike="noStrike">
                 <a:solidFill>
                   <a:srgbClr val="000000"/>
                 </a:solidFill>
                 <a:latin typeface="Calibri"/>
+                <a:ea typeface="DejaVu Sans"/>
               </a:rPr>
               <a:t>estimators are random variables (because they are function of sample elements, which all are random variables &lt;assuming outcome is a sample, not a observation&gt;)</a:t>
             </a:r>
-            <a:endParaRPr b="0" lang="pl-PL" sz="2800" spc="-1" strike="noStrike">
-              <a:solidFill>
-                <a:srgbClr val="000000"/>
-              </a:solidFill>
-              <a:latin typeface="Calibri"/>
-            </a:endParaRPr>
-          </a:p>
-          <a:p>
-            <a:pPr marL="228600" indent="-228240">
+            <a:endParaRPr b="0" lang="en-US" sz="2800" spc="-1" strike="noStrike">
+              <a:latin typeface="Arial"/>
+            </a:endParaRPr>
+          </a:p>
+          <a:p>
+            <a:pPr marL="228600" indent="-227160">
               <a:lnSpc>
                 <a:spcPct val="90000"/>
               </a:lnSpc>
@@ -4308,19 +3842,17 @@
               <a:buChar char="-"/>
             </a:pPr>
             <a:r>
-              <a:rPr b="0" lang="pl-PL" sz="2800" spc="-1" strike="noStrike">
+              <a:rPr b="0" lang="en-US" sz="2800" spc="-1" strike="noStrike">
                 <a:solidFill>
                   <a:srgbClr val="000000"/>
                 </a:solidFill>
                 <a:latin typeface="Calibri"/>
+                <a:ea typeface="DejaVu Sans"/>
               </a:rPr>
               <a:t>examples:</a:t>
             </a:r>
-            <a:endParaRPr b="0" lang="pl-PL" sz="2800" spc="-1" strike="noStrike">
-              <a:solidFill>
-                <a:srgbClr val="000000"/>
-              </a:solidFill>
-              <a:latin typeface="Calibri"/>
+            <a:endParaRPr b="0" lang="en-US" sz="2800" spc="-1" strike="noStrike">
+              <a:latin typeface="Arial"/>
             </a:endParaRPr>
           </a:p>
           <a:p>
@@ -4333,28 +3865,27 @@
               </a:spcBef>
             </a:pPr>
             <a:r>
-              <a:rPr b="0" lang="pl-PL" sz="1800" spc="-1" strike="noStrike">
+              <a:rPr b="0" lang="en-US" sz="1800" spc="-1" strike="noStrike">
                 <a:solidFill>
                   <a:srgbClr val="000000"/>
                 </a:solidFill>
                 <a:latin typeface="Calibri"/>
+                <a:ea typeface="DejaVu Sans"/>
               </a:rPr>
               <a:t>	</a:t>
             </a:r>
             <a:r>
-              <a:rPr b="0" lang="pl-PL" sz="1800" spc="-1" strike="noStrike">
+              <a:rPr b="0" lang="en-US" sz="1800" spc="-1" strike="noStrike">
                 <a:solidFill>
                   <a:srgbClr val="000000"/>
                 </a:solidFill>
                 <a:latin typeface="Calibri"/>
+                <a:ea typeface="DejaVu Sans"/>
               </a:rPr>
               <a:t>1. sample mean (simple formula)</a:t>
             </a:r>
-            <a:endParaRPr b="0" lang="pl-PL" sz="1800" spc="-1" strike="noStrike">
-              <a:solidFill>
-                <a:srgbClr val="000000"/>
-              </a:solidFill>
-              <a:latin typeface="Calibri"/>
+            <a:endParaRPr b="0" lang="en-US" sz="1800" spc="-1" strike="noStrike">
+              <a:latin typeface="Arial"/>
             </a:endParaRPr>
           </a:p>
           <a:p>
@@ -4367,28 +3898,27 @@
               </a:spcBef>
             </a:pPr>
             <a:r>
-              <a:rPr b="0" lang="pl-PL" sz="1800" spc="-1" strike="noStrike">
+              <a:rPr b="0" lang="en-US" sz="1800" spc="-1" strike="noStrike">
                 <a:solidFill>
                   <a:srgbClr val="000000"/>
                 </a:solidFill>
                 <a:latin typeface="Calibri"/>
+                <a:ea typeface="DejaVu Sans"/>
               </a:rPr>
               <a:t>	</a:t>
             </a:r>
             <a:r>
-              <a:rPr b="0" lang="pl-PL" sz="1800" spc="-1" strike="noStrike">
+              <a:rPr b="0" lang="en-US" sz="1800" spc="-1" strike="noStrike">
                 <a:solidFill>
                   <a:srgbClr val="000000"/>
                 </a:solidFill>
                 <a:latin typeface="Calibri"/>
+                <a:ea typeface="DejaVu Sans"/>
               </a:rPr>
               <a:t>2. maximum lihelihood estimator (could be complicated &lt;e.q. for a linreg&gt;)</a:t>
             </a:r>
-            <a:endParaRPr b="0" lang="pl-PL" sz="1800" spc="-1" strike="noStrike">
-              <a:solidFill>
-                <a:srgbClr val="000000"/>
-              </a:solidFill>
-              <a:latin typeface="Calibri"/>
+            <a:endParaRPr b="0" lang="en-US" sz="1800" spc="-1" strike="noStrike">
+              <a:latin typeface="Arial"/>
             </a:endParaRPr>
           </a:p>
           <a:p>
@@ -4401,19 +3931,17 @@
               </a:spcBef>
             </a:pPr>
             <a:r>
-              <a:rPr b="0" lang="pl-PL" sz="2800" spc="-1" strike="noStrike">
+              <a:rPr b="0" lang="en-US" sz="2800" spc="-1" strike="noStrike">
                 <a:solidFill>
                   <a:srgbClr val="000000"/>
                 </a:solidFill>
                 <a:latin typeface="Calibri"/>
+                <a:ea typeface="DejaVu Sans"/>
               </a:rPr>
               <a:t>- they can be unbiased (good) and consistent (excelent)</a:t>
             </a:r>
-            <a:endParaRPr b="0" lang="pl-PL" sz="2800" spc="-1" strike="noStrike">
-              <a:solidFill>
-                <a:srgbClr val="000000"/>
-              </a:solidFill>
-              <a:latin typeface="Calibri"/>
+            <a:endParaRPr b="0" lang="en-US" sz="2800" spc="-1" strike="noStrike">
+              <a:latin typeface="Arial"/>
             </a:endParaRPr>
           </a:p>
         </p:txBody>
@@ -4469,14 +3997,14 @@
       </p:grpSpPr>
       <p:sp>
         <p:nvSpPr>
-          <p:cNvPr id="87" name="TextShape 1"/>
-          <p:cNvSpPr txBox="1"/>
+          <p:cNvPr id="81" name="CustomShape 1"/>
+          <p:cNvSpPr/>
           <p:nvPr/>
         </p:nvSpPr>
         <p:spPr>
           <a:xfrm>
             <a:off x="838080" y="365040"/>
-            <a:ext cx="10515240" cy="1325160"/>
+            <a:ext cx="10514160" cy="1324080"/>
           </a:xfrm>
           <a:prstGeom prst="rect">
             <a:avLst/>
@@ -4486,8 +4014,14 @@
             <a:noFill/>
           </a:ln>
         </p:spPr>
-        <p:txBody>
-          <a:bodyPr anchor="ctr"/>
+        <p:style>
+          <a:lnRef idx="0"/>
+          <a:fillRef idx="0"/>
+          <a:effectRef idx="0"/>
+          <a:fontRef idx="minor"/>
+        </p:style>
+        <p:txBody>
+          <a:bodyPr lIns="90000" rIns="90000" tIns="45000" bIns="45000" anchor="ctr"/>
           <a:p>
             <a:pPr>
               <a:lnSpc>
@@ -4495,33 +4029,31 @@
               </a:lnSpc>
             </a:pPr>
             <a:r>
-              <a:rPr b="0" lang="pl-PL" sz="4400" spc="-1" strike="noStrike">
+              <a:rPr b="0" lang="en-US" sz="4400" spc="-1" strike="noStrike">
                 <a:solidFill>
                   <a:srgbClr val="000000"/>
                 </a:solidFill>
                 <a:latin typeface="Calibri Light"/>
+                <a:ea typeface="DejaVu Sans"/>
               </a:rPr>
               <a:t>P value - znaczenie</a:t>
             </a:r>
-            <a:endParaRPr b="0" lang="pl-PL" sz="4400" spc="-1" strike="noStrike">
-              <a:solidFill>
-                <a:srgbClr val="000000"/>
-              </a:solidFill>
-              <a:latin typeface="Calibri"/>
-            </a:endParaRPr>
-          </a:p>
-        </p:txBody>
-      </p:sp>
-      <p:sp>
-        <p:nvSpPr>
-          <p:cNvPr id="88" name="TextShape 2"/>
-          <p:cNvSpPr txBox="1"/>
+            <a:endParaRPr b="0" lang="en-US" sz="4400" spc="-1" strike="noStrike">
+              <a:latin typeface="Arial"/>
+            </a:endParaRPr>
+          </a:p>
+        </p:txBody>
+      </p:sp>
+      <p:sp>
+        <p:nvSpPr>
+          <p:cNvPr id="82" name="CustomShape 2"/>
+          <p:cNvSpPr/>
           <p:nvPr/>
         </p:nvSpPr>
         <p:spPr>
           <a:xfrm>
             <a:off x="838080" y="1825560"/>
-            <a:ext cx="10515240" cy="4350960"/>
+            <a:ext cx="10514160" cy="4349880"/>
           </a:xfrm>
           <a:prstGeom prst="rect">
             <a:avLst/>
@@ -4531,8 +4063,14 @@
             <a:noFill/>
           </a:ln>
         </p:spPr>
-        <p:txBody>
-          <a:bodyPr>
+        <p:style>
+          <a:lnRef idx="0"/>
+          <a:fillRef idx="0"/>
+          <a:effectRef idx="0"/>
+          <a:fontRef idx="minor"/>
+        </p:style>
+        <p:txBody>
+          <a:bodyPr lIns="90000" rIns="90000" tIns="45000" bIns="45000">
             <a:normAutofit/>
           </a:bodyPr>
           <a:p>
@@ -4545,19 +4083,17 @@
               </a:spcBef>
             </a:pPr>
             <a:r>
-              <a:rPr b="0" lang="pl-PL" sz="1800" spc="-1" strike="noStrike">
+              <a:rPr b="0" lang="en-US" sz="1800" spc="-1" strike="noStrike">
                 <a:solidFill>
                   <a:srgbClr val="000000"/>
                 </a:solidFill>
                 <a:latin typeface="Calibri"/>
+                <a:ea typeface="DejaVu Sans"/>
               </a:rPr>
               <a:t>Wylosowałeś do swojego modelowania jakąś próbkę. Nie wiesz, czy ta próbka jest reprezentatywna, czy raczej skrajna w stosunku do całej populacji.</a:t>
             </a:r>
-            <a:endParaRPr b="0" lang="pl-PL" sz="1800" spc="-1" strike="noStrike">
-              <a:solidFill>
-                <a:srgbClr val="000000"/>
-              </a:solidFill>
-              <a:latin typeface="Calibri"/>
+            <a:endParaRPr b="0" lang="en-US" sz="1800" spc="-1" strike="noStrike">
+              <a:latin typeface="Arial"/>
             </a:endParaRPr>
           </a:p>
           <a:p>
@@ -4570,19 +4106,17 @@
               </a:spcBef>
             </a:pPr>
             <a:r>
-              <a:rPr b="0" lang="pl-PL" sz="1800" spc="-1" strike="noStrike">
+              <a:rPr b="0" lang="en-US" sz="1800" spc="-1" strike="noStrike">
                 <a:solidFill>
                   <a:srgbClr val="000000"/>
                 </a:solidFill>
                 <a:latin typeface="Calibri"/>
+                <a:ea typeface="DejaVu Sans"/>
               </a:rPr>
               <a:t>Wyszła Ci jakaś zależność (np., że „Y” zależy od „X3”, a ich „ β” to np. 4,5). </a:t>
             </a:r>
-            <a:endParaRPr b="0" lang="pl-PL" sz="1800" spc="-1" strike="noStrike">
-              <a:solidFill>
-                <a:srgbClr val="000000"/>
-              </a:solidFill>
-              <a:latin typeface="Calibri"/>
+            <a:endParaRPr b="0" lang="en-US" sz="1800" spc="-1" strike="noStrike">
+              <a:latin typeface="Arial"/>
             </a:endParaRPr>
           </a:p>
           <a:p>
@@ -4595,19 +4129,17 @@
               </a:spcBef>
             </a:pPr>
             <a:r>
-              <a:rPr b="0" lang="pl-PL" sz="1800" spc="-1" strike="noStrike">
+              <a:rPr b="0" lang="en-US" sz="1800" spc="-1" strike="noStrike">
                 <a:solidFill>
                   <a:srgbClr val="000000"/>
                 </a:solidFill>
                 <a:latin typeface="Calibri"/>
+                <a:ea typeface="DejaVu Sans"/>
               </a:rPr>
               <a:t>Załóżmy, że to, co myślisz to nieprawda, tzn. że „Y” nie zależy od „X3”. </a:t>
             </a:r>
-            <a:endParaRPr b="0" lang="pl-PL" sz="1800" spc="-1" strike="noStrike">
-              <a:solidFill>
-                <a:srgbClr val="000000"/>
-              </a:solidFill>
-              <a:latin typeface="Calibri"/>
+            <a:endParaRPr b="0" lang="en-US" sz="1800" spc="-1" strike="noStrike">
+              <a:latin typeface="Arial"/>
             </a:endParaRPr>
           </a:p>
           <a:p>
@@ -4620,19 +4152,17 @@
               </a:spcBef>
             </a:pPr>
             <a:r>
-              <a:rPr b="0" lang="pl-PL" sz="1800" spc="-1" strike="noStrike">
+              <a:rPr b="0" lang="en-US" sz="1800" spc="-1" strike="noStrike">
                 <a:solidFill>
                   <a:srgbClr val="000000"/>
                 </a:solidFill>
                 <a:latin typeface="Calibri"/>
+                <a:ea typeface="DejaVu Sans"/>
               </a:rPr>
               <a:t>Zapytasz się: „Ale po co tak zakładać? Przecież „ β” jest 4,5! Jest zależność i nara!”</a:t>
             </a:r>
-            <a:endParaRPr b="0" lang="pl-PL" sz="1800" spc="-1" strike="noStrike">
-              <a:solidFill>
-                <a:srgbClr val="000000"/>
-              </a:solidFill>
-              <a:latin typeface="Calibri"/>
+            <a:endParaRPr b="0" lang="en-US" sz="1800" spc="-1" strike="noStrike">
+              <a:latin typeface="Arial"/>
             </a:endParaRPr>
           </a:p>
           <a:p>
@@ -4645,37 +4175,37 @@
               </a:spcBef>
             </a:pPr>
             <a:r>
-              <a:rPr b="0" lang="pl-PL" sz="1800" spc="-1" strike="noStrike">
+              <a:rPr b="0" lang="en-US" sz="1800" spc="-1" strike="noStrike">
                 <a:solidFill>
                   <a:srgbClr val="000000"/>
                 </a:solidFill>
                 <a:latin typeface="Calibri"/>
+                <a:ea typeface="DejaVu Sans"/>
               </a:rPr>
               <a:t>A ja Ci odpowiem: </a:t>
             </a:r>
             <a:r>
-              <a:rPr b="0" lang="pl-PL" sz="1800" spc="-1" strike="noStrike">
+              <a:rPr b="0" lang="en-US" sz="1800" spc="-1" strike="noStrike">
                 <a:solidFill>
                   <a:srgbClr val="000000"/>
                 </a:solidFill>
                 <a:latin typeface="Calibri"/>
+                <a:ea typeface="DejaVu Sans"/>
               </a:rPr>
               <a:t>	</a:t>
             </a:r>
             <a:r>
-              <a:rPr b="0" lang="pl-PL" sz="1800" spc="-1" strike="noStrike">
+              <a:rPr b="0" lang="en-US" sz="1800" spc="-1" strike="noStrike">
                 <a:solidFill>
                   <a:srgbClr val="000000"/>
                 </a:solidFill>
                 <a:latin typeface="Calibri"/>
+                <a:ea typeface="DejaVu Sans"/>
               </a:rPr>
               <a:t>„A co jeżeli wylosowałeś akurat skrajną próbkę, a jej skrajność polega na tym, że jest </a:t>
             </a:r>
-            <a:endParaRPr b="0" lang="pl-PL" sz="1800" spc="-1" strike="noStrike">
-              <a:solidFill>
-                <a:srgbClr val="000000"/>
-              </a:solidFill>
-              <a:latin typeface="Calibri"/>
+            <a:endParaRPr b="0" lang="en-US" sz="1800" spc="-1" strike="noStrike">
+              <a:latin typeface="Arial"/>
             </a:endParaRPr>
           </a:p>
           <a:p>
@@ -4688,37 +4218,37 @@
               </a:spcBef>
             </a:pPr>
             <a:r>
-              <a:rPr b="0" lang="pl-PL" sz="1800" spc="-1" strike="noStrike">
+              <a:rPr b="0" lang="en-US" sz="1800" spc="-1" strike="noStrike">
                 <a:solidFill>
                   <a:srgbClr val="000000"/>
                 </a:solidFill>
                 <a:latin typeface="Calibri"/>
+                <a:ea typeface="DejaVu Sans"/>
               </a:rPr>
               <a:t>	</a:t>
             </a:r>
             <a:r>
-              <a:rPr b="0" lang="pl-PL" sz="1800" spc="-1" strike="noStrike">
+              <a:rPr b="0" lang="en-US" sz="1800" spc="-1" strike="noStrike">
                 <a:solidFill>
                   <a:srgbClr val="000000"/>
                 </a:solidFill>
                 <a:latin typeface="Calibri"/>
+                <a:ea typeface="DejaVu Sans"/>
               </a:rPr>
               <a:t>	</a:t>
             </a:r>
             <a:r>
-              <a:rPr b="0" lang="pl-PL" sz="1800" spc="-1" strike="noStrike">
+              <a:rPr b="0" lang="en-US" sz="1800" spc="-1" strike="noStrike">
                 <a:solidFill>
                   <a:srgbClr val="000000"/>
                 </a:solidFill>
                 <a:latin typeface="Calibri"/>
+                <a:ea typeface="DejaVu Sans"/>
               </a:rPr>
               <a:t>w niej  β==4,5 ?”</a:t>
             </a:r>
-            <a:endParaRPr b="0" lang="pl-PL" sz="1800" spc="-1" strike="noStrike">
-              <a:solidFill>
-                <a:srgbClr val="000000"/>
-              </a:solidFill>
-              <a:latin typeface="Calibri"/>
+            <a:endParaRPr b="0" lang="en-US" sz="1800" spc="-1" strike="noStrike">
+              <a:latin typeface="Arial"/>
             </a:endParaRPr>
           </a:p>
           <a:p>
@@ -4731,19 +4261,17 @@
               </a:spcBef>
             </a:pPr>
             <a:r>
-              <a:rPr b="0" lang="pl-PL" sz="1800" spc="-1" strike="noStrike">
+              <a:rPr b="0" lang="en-US" sz="1800" spc="-1" strike="noStrike">
                 <a:solidFill>
                   <a:srgbClr val="000000"/>
                 </a:solidFill>
                 <a:latin typeface="Calibri"/>
+                <a:ea typeface="DejaVu Sans"/>
               </a:rPr>
               <a:t>P value to prawdopodobieństwo takiej sytuacji.</a:t>
             </a:r>
-            <a:endParaRPr b="0" lang="pl-PL" sz="1800" spc="-1" strike="noStrike">
-              <a:solidFill>
-                <a:srgbClr val="000000"/>
-              </a:solidFill>
-              <a:latin typeface="Calibri"/>
+            <a:endParaRPr b="0" lang="en-US" sz="1800" spc="-1" strike="noStrike">
+              <a:latin typeface="Arial"/>
             </a:endParaRPr>
           </a:p>
           <a:p>
@@ -4756,19 +4284,17 @@
               </a:spcBef>
             </a:pPr>
             <a:r>
-              <a:rPr b="0" lang="pl-PL" sz="1800" spc="-1" strike="noStrike">
+              <a:rPr b="0" lang="en-US" sz="1800" spc="-1" strike="noStrike">
                 <a:solidFill>
                   <a:srgbClr val="000000"/>
                 </a:solidFill>
                 <a:latin typeface="Calibri"/>
+                <a:ea typeface="DejaVu Sans"/>
               </a:rPr>
               <a:t>Zapytasz: jakim cudem można to policzyć?</a:t>
             </a:r>
-            <a:endParaRPr b="0" lang="pl-PL" sz="1800" spc="-1" strike="noStrike">
-              <a:solidFill>
-                <a:srgbClr val="000000"/>
-              </a:solidFill>
-              <a:latin typeface="Calibri"/>
+            <a:endParaRPr b="0" lang="en-US" sz="1800" spc="-1" strike="noStrike">
+              <a:latin typeface="Arial"/>
             </a:endParaRPr>
           </a:p>
           <a:p>
@@ -4781,19 +4307,17 @@
               </a:spcBef>
             </a:pPr>
             <a:r>
-              <a:rPr b="0" lang="pl-PL" sz="1800" spc="-1" strike="noStrike">
+              <a:rPr b="0" lang="en-US" sz="1800" spc="-1" strike="noStrike">
                 <a:solidFill>
                   <a:srgbClr val="000000"/>
                 </a:solidFill>
                 <a:latin typeface="Calibri"/>
+                <a:ea typeface="DejaVu Sans"/>
               </a:rPr>
               <a:t>Ja na to: ano mamy estymatory (które mają swoje rozkłady zależne od założeń (np. założenia, że  β==0).</a:t>
             </a:r>
-            <a:endParaRPr b="0" lang="pl-PL" sz="1800" spc="-1" strike="noStrike">
-              <a:solidFill>
-                <a:srgbClr val="000000"/>
-              </a:solidFill>
-              <a:latin typeface="Calibri"/>
+            <a:endParaRPr b="0" lang="en-US" sz="1800" spc="-1" strike="noStrike">
+              <a:latin typeface="Arial"/>
             </a:endParaRPr>
           </a:p>
           <a:p>
@@ -4805,11 +4329,8 @@
                 <a:spcPts val="1001"/>
               </a:spcBef>
             </a:pPr>
-            <a:endParaRPr b="0" lang="pl-PL" sz="1800" spc="-1" strike="noStrike">
-              <a:solidFill>
-                <a:srgbClr val="000000"/>
-              </a:solidFill>
-              <a:latin typeface="Calibri"/>
+            <a:endParaRPr b="0" lang="en-US" sz="1800" spc="-1" strike="noStrike">
+              <a:latin typeface="Arial"/>
             </a:endParaRPr>
           </a:p>
         </p:txBody>
@@ -4865,14 +4386,14 @@
       </p:grpSpPr>
       <p:sp>
         <p:nvSpPr>
-          <p:cNvPr id="89" name="TextShape 1"/>
-          <p:cNvSpPr txBox="1"/>
+          <p:cNvPr id="83" name="CustomShape 1"/>
+          <p:cNvSpPr/>
           <p:nvPr/>
         </p:nvSpPr>
         <p:spPr>
           <a:xfrm>
             <a:off x="838080" y="365040"/>
-            <a:ext cx="10515240" cy="1325160"/>
+            <a:ext cx="10514160" cy="1324080"/>
           </a:xfrm>
           <a:prstGeom prst="rect">
             <a:avLst/>
@@ -4882,8 +4403,14 @@
             <a:noFill/>
           </a:ln>
         </p:spPr>
-        <p:txBody>
-          <a:bodyPr anchor="ctr"/>
+        <p:style>
+          <a:lnRef idx="0"/>
+          <a:fillRef idx="0"/>
+          <a:effectRef idx="0"/>
+          <a:fontRef idx="minor"/>
+        </p:style>
+        <p:txBody>
+          <a:bodyPr lIns="90000" rIns="90000" tIns="45000" bIns="45000" anchor="ctr"/>
           <a:p>
             <a:pPr>
               <a:lnSpc>
@@ -4891,33 +4418,31 @@
               </a:lnSpc>
             </a:pPr>
             <a:r>
-              <a:rPr b="0" lang="pl-PL" sz="4400" spc="-1" strike="noStrike">
+              <a:rPr b="0" lang="en-US" sz="4400" spc="-1" strike="noStrike">
                 <a:solidFill>
                   <a:srgbClr val="000000"/>
                 </a:solidFill>
                 <a:latin typeface="Calibri Light"/>
+                <a:ea typeface="DejaVu Sans"/>
               </a:rPr>
               <a:t>GLM  - znaczenie</a:t>
             </a:r>
-            <a:endParaRPr b="0" lang="pl-PL" sz="4400" spc="-1" strike="noStrike">
-              <a:solidFill>
-                <a:srgbClr val="000000"/>
-              </a:solidFill>
-              <a:latin typeface="Calibri"/>
-            </a:endParaRPr>
-          </a:p>
-        </p:txBody>
-      </p:sp>
-      <p:sp>
-        <p:nvSpPr>
-          <p:cNvPr id="90" name="TextShape 2"/>
-          <p:cNvSpPr txBox="1"/>
+            <a:endParaRPr b="0" lang="en-US" sz="4400" spc="-1" strike="noStrike">
+              <a:latin typeface="Arial"/>
+            </a:endParaRPr>
+          </a:p>
+        </p:txBody>
+      </p:sp>
+      <p:sp>
+        <p:nvSpPr>
+          <p:cNvPr id="84" name="CustomShape 2"/>
+          <p:cNvSpPr/>
           <p:nvPr/>
         </p:nvSpPr>
         <p:spPr>
           <a:xfrm>
             <a:off x="838080" y="1825560"/>
-            <a:ext cx="10515240" cy="4350960"/>
+            <a:ext cx="10514160" cy="4349880"/>
           </a:xfrm>
           <a:prstGeom prst="rect">
             <a:avLst/>
@@ -4927,12 +4452,18 @@
             <a:noFill/>
           </a:ln>
         </p:spPr>
-        <p:txBody>
-          <a:bodyPr>
+        <p:style>
+          <a:lnRef idx="0"/>
+          <a:fillRef idx="0"/>
+          <a:effectRef idx="0"/>
+          <a:fontRef idx="minor"/>
+        </p:style>
+        <p:txBody>
+          <a:bodyPr lIns="90000" rIns="90000" tIns="45000" bIns="45000">
             <a:normAutofit/>
           </a:bodyPr>
           <a:p>
-            <a:pPr marL="228600" indent="-228240">
+            <a:pPr marL="228600" indent="-227160">
               <a:lnSpc>
                 <a:spcPct val="90000"/>
               </a:lnSpc>
@@ -4946,23 +4477,21 @@
               <a:buChar char="•"/>
             </a:pPr>
             <a:r>
-              <a:rPr b="0" lang="pl-PL" sz="2800" spc="-1" strike="noStrike">
+              <a:rPr b="0" lang="en-US" sz="2800" spc="-1" strike="noStrike">
                 <a:solidFill>
                   <a:srgbClr val="000000"/>
                 </a:solidFill>
                 <a:latin typeface="Calibri"/>
+                <a:ea typeface="DejaVu Sans"/>
               </a:rPr>
               <a:t>W regresji liniowej zakładamy, że Y wraz z X-em zmienia się liniowo. A co, jeśli czujemy, że zmienia się inaczej, np.. potęgowo? Np. Liczba ludzi na plaży i temperatura. Wtedy już nie mamy regresji liniowej (bo Y=2^X np.). Taki model nazywamy … GLM.</a:t>
             </a:r>
-            <a:endParaRPr b="0" lang="pl-PL" sz="2800" spc="-1" strike="noStrike">
-              <a:solidFill>
-                <a:srgbClr val="000000"/>
-              </a:solidFill>
-              <a:latin typeface="Calibri"/>
-            </a:endParaRPr>
-          </a:p>
-          <a:p>
-            <a:pPr marL="228600" indent="-228240">
+            <a:endParaRPr b="0" lang="en-US" sz="2800" spc="-1" strike="noStrike">
+              <a:latin typeface="Arial"/>
+            </a:endParaRPr>
+          </a:p>
+          <a:p>
+            <a:pPr marL="228600" indent="-227160">
               <a:lnSpc>
                 <a:spcPct val="90000"/>
               </a:lnSpc>
@@ -4976,19 +4505,17 @@
               <a:buChar char="•"/>
             </a:pPr>
             <a:r>
-              <a:rPr b="0" lang="pl-PL" sz="2800" spc="-1" strike="noStrike">
+              <a:rPr b="0" lang="en-US" sz="2800" spc="-1" strike="noStrike">
                 <a:solidFill>
                   <a:srgbClr val="000000"/>
                 </a:solidFill>
                 <a:latin typeface="Calibri"/>
+                <a:ea typeface="DejaVu Sans"/>
               </a:rPr>
               <a:t>Można zapytać: g. "linear" m. + Y=2"^"X -&gt; compile error? Otóż nie. Zauważmy, że przed X-em zawsze coś stoi (nawet jak jest samo X, to jest to 1*X). Czyli jakiś czynnik we wzorze zmienia się liniowo z X-em (np. potęga). I to modelujemy liniowo. Stąd "linear".</a:t>
             </a:r>
-            <a:endParaRPr b="0" lang="pl-PL" sz="2800" spc="-1" strike="noStrike">
-              <a:solidFill>
-                <a:srgbClr val="000000"/>
-              </a:solidFill>
-              <a:latin typeface="Calibri"/>
+            <a:endParaRPr b="0" lang="en-US" sz="2800" spc="-1" strike="noStrike">
+              <a:latin typeface="Arial"/>
             </a:endParaRPr>
           </a:p>
         </p:txBody>
@@ -5044,14 +4571,14 @@
       </p:grpSpPr>
       <p:sp>
         <p:nvSpPr>
-          <p:cNvPr id="91" name="TextShape 1"/>
-          <p:cNvSpPr txBox="1"/>
+          <p:cNvPr id="85" name="CustomShape 1"/>
+          <p:cNvSpPr/>
           <p:nvPr/>
         </p:nvSpPr>
         <p:spPr>
           <a:xfrm>
             <a:off x="838080" y="365040"/>
-            <a:ext cx="10515240" cy="1325160"/>
+            <a:ext cx="10514160" cy="1324080"/>
           </a:xfrm>
           <a:prstGeom prst="rect">
             <a:avLst/>
@@ -5061,46 +4588,275 @@
             <a:noFill/>
           </a:ln>
         </p:spPr>
+        <p:style>
+          <a:lnRef idx="0"/>
+          <a:fillRef idx="0"/>
+          <a:effectRef idx="0"/>
+          <a:fontRef idx="minor"/>
+        </p:style>
         <p:txBody>
           <a:bodyPr lIns="0" rIns="0" tIns="0" bIns="0" anchor="ctr"/>
           <a:p>
-            <a:r>
-              <a:rPr b="0" lang="pl-PL" sz="2600" spc="-1" strike="noStrike">
+            <a:pPr>
+              <a:lnSpc>
+                <a:spcPct val="100000"/>
+              </a:lnSpc>
+            </a:pPr>
+            <a:r>
+              <a:rPr b="0" lang="en-US" sz="2600" spc="-1" strike="noStrike">
                 <a:solidFill>
                   <a:srgbClr val="000000"/>
                 </a:solidFill>
                 <a:latin typeface="Calibri"/>
-              </a:rPr>
-              <a:t>Multicollinearity – jak </a:t>
-            </a:r>
-            <a:r>
-              <a:rPr b="0" lang="pl-PL" sz="2600" spc="-1" strike="noStrike">
+                <a:ea typeface="DejaVu Sans"/>
+              </a:rPr>
+              <a:t>Multicollinearity – jak wykryć?</a:t>
+            </a:r>
+            <a:endParaRPr b="0" lang="en-US" sz="2600" spc="-1" strike="noStrike">
+              <a:latin typeface="Arial"/>
+            </a:endParaRPr>
+          </a:p>
+        </p:txBody>
+      </p:sp>
+      <p:sp>
+        <p:nvSpPr>
+          <p:cNvPr id="86" name="CustomShape 2"/>
+          <p:cNvSpPr/>
+          <p:nvPr/>
+        </p:nvSpPr>
+        <p:spPr>
+          <a:xfrm>
+            <a:off x="1188720" y="2011680"/>
+            <a:ext cx="9417240" cy="1625040"/>
+          </a:xfrm>
+          <a:prstGeom prst="rect">
+            <a:avLst/>
+          </a:prstGeom>
+          <a:noFill/>
+          <a:ln>
+            <a:noFill/>
+          </a:ln>
+        </p:spPr>
+        <p:style>
+          <a:lnRef idx="0"/>
+          <a:fillRef idx="0"/>
+          <a:effectRef idx="0"/>
+          <a:fontRef idx="minor"/>
+        </p:style>
+        <p:txBody>
+          <a:bodyPr lIns="90000" rIns="90000" tIns="45000" bIns="45000"/>
+          <a:p>
+            <a:pPr>
+              <a:lnSpc>
+                <a:spcPct val="100000"/>
+              </a:lnSpc>
+            </a:pPr>
+            <a:r>
+              <a:rPr b="0" lang="en-US" sz="1800" spc="-1" strike="noStrike">
+                <a:solidFill>
+                  <a:srgbClr val="000000"/>
+                </a:solidFill>
+                <a:latin typeface="Arial"/>
+                <a:ea typeface="DejaVu Sans"/>
+              </a:rPr>
+              <a:t>Służą do tego statystyki o nazwie: VIF.</a:t>
+            </a:r>
+            <a:endParaRPr b="0" lang="en-US" sz="1800" spc="-1" strike="noStrike">
+              <a:latin typeface="Arial"/>
+            </a:endParaRPr>
+          </a:p>
+          <a:p>
+            <a:pPr>
+              <a:lnSpc>
+                <a:spcPct val="100000"/>
+              </a:lnSpc>
+            </a:pPr>
+            <a:endParaRPr b="0" lang="en-US" sz="1800" spc="-1" strike="noStrike">
+              <a:latin typeface="Arial"/>
+            </a:endParaRPr>
+          </a:p>
+          <a:p>
+            <a:pPr>
+              <a:lnSpc>
+                <a:spcPct val="100000"/>
+              </a:lnSpc>
+            </a:pPr>
+            <a:r>
+              <a:rPr b="0" lang="en-US" sz="1800" spc="-1" strike="noStrike">
+                <a:solidFill>
+                  <a:srgbClr val="000000"/>
+                </a:solidFill>
+                <a:latin typeface="Arial"/>
+                <a:ea typeface="DejaVu Sans"/>
+              </a:rPr>
+              <a:t>Więcej tutaj:</a:t>
+            </a:r>
+            <a:endParaRPr b="0" lang="en-US" sz="1800" spc="-1" strike="noStrike">
+              <a:latin typeface="Arial"/>
+            </a:endParaRPr>
+          </a:p>
+          <a:p>
+            <a:pPr>
+              <a:lnSpc>
+                <a:spcPct val="100000"/>
+              </a:lnSpc>
+            </a:pPr>
+            <a:r>
+              <a:rPr b="0" lang="en-US" sz="1800" spc="-1" strike="noStrike" u="sng">
+                <a:solidFill>
+                  <a:srgbClr val="0563c1"/>
+                </a:solidFill>
+                <a:uFillTx/>
+                <a:latin typeface="Arial"/>
+                <a:ea typeface="DejaVu Sans"/>
+                <a:hlinkClick r:id="rId1"/>
+              </a:rPr>
+              <a:t>https://statisticsbyjim.com/regression/multicollinearity-in-regression-analysis/</a:t>
+            </a:r>
+            <a:endParaRPr b="0" lang="en-US" sz="1800" spc="-1" strike="noStrike">
+              <a:latin typeface="Arial"/>
+            </a:endParaRPr>
+          </a:p>
+          <a:p>
+            <a:pPr>
+              <a:lnSpc>
+                <a:spcPct val="100000"/>
+              </a:lnSpc>
+            </a:pPr>
+            <a:r>
+              <a:rPr b="0" lang="en-US" sz="1800" spc="-1" strike="noStrike">
+                <a:solidFill>
+                  <a:srgbClr val="0563c1"/>
+                </a:solidFill>
+                <a:latin typeface="Arial"/>
+                <a:ea typeface="DejaVu Sans"/>
+              </a:rPr>
+              <a:t>(w dziale: Multicollinearity Example: Predicting Bone Density in the Femur)</a:t>
+            </a:r>
+            <a:endParaRPr b="0" lang="en-US" sz="1800" spc="-1" strike="noStrike">
+              <a:latin typeface="Arial"/>
+            </a:endParaRPr>
+          </a:p>
+          <a:p>
+            <a:pPr>
+              <a:lnSpc>
+                <a:spcPct val="100000"/>
+              </a:lnSpc>
+            </a:pPr>
+            <a:endParaRPr b="0" lang="en-US" sz="1800" spc="-1" strike="noStrike">
+              <a:latin typeface="Arial"/>
+            </a:endParaRPr>
+          </a:p>
+        </p:txBody>
+      </p:sp>
+    </p:spTree>
+  </p:cSld>
+  <p:timing>
+    <p:tnLst>
+      <p:par>
+        <p:cTn id="9" dur="indefinite" restart="never" nodeType="tmRoot">
+          <p:childTnLst>
+            <p:seq>
+              <p:cTn id="10" dur="indefinite" nodeType="mainSeq"/>
+              <p:prevCondLst>
+                <p:cond delay="0" evt="onPrev">
+                  <p:tgtEl>
+                    <p:sldTgt/>
+                  </p:tgtEl>
+                </p:cond>
+              </p:prevCondLst>
+              <p:nextCondLst>
+                <p:cond delay="0" evt="onNext">
+                  <p:tgtEl>
+                    <p:sldTgt/>
+                  </p:tgtEl>
+                </p:cond>
+              </p:nextCondLst>
+            </p:seq>
+          </p:childTnLst>
+        </p:cTn>
+      </p:par>
+    </p:tnLst>
+  </p:timing>
+</p:sld>
+</file>
+
+<file path=ppt/slides/slide6.xml><?xml version="1.0" encoding="utf-8"?>
+<p:sld xmlns:a="http://schemas.openxmlformats.org/drawingml/2006/main" xmlns:p="http://schemas.openxmlformats.org/presentationml/2006/main" xmlns:r="http://schemas.openxmlformats.org/officeDocument/2006/relationships" xmlns:p14="http://schemas.microsoft.com/office/powerpoint/2010/main" xmlns:p15="http://schemas.microsoft.com/office/powerpoint/2012/main" xmlns:mc="http://schemas.openxmlformats.org/markup-compatibility/2006">
+  <p:cSld>
+    <p:spTree>
+      <p:nvGrpSpPr>
+        <p:cNvPr id="1" name=""/>
+        <p:cNvGrpSpPr/>
+        <p:nvPr/>
+      </p:nvGrpSpPr>
+      <p:grpSpPr>
+        <a:xfrm>
+          <a:off x="0" y="0"/>
+          <a:ext cx="0" cy="0"/>
+          <a:chOff x="0" y="0"/>
+          <a:chExt cx="0" cy="0"/>
+        </a:xfrm>
+      </p:grpSpPr>
+      <p:sp>
+        <p:nvSpPr>
+          <p:cNvPr id="87" name="CustomShape 1"/>
+          <p:cNvSpPr/>
+          <p:nvPr/>
+        </p:nvSpPr>
+        <p:spPr>
+          <a:xfrm>
+            <a:off x="838080" y="365040"/>
+            <a:ext cx="10514160" cy="1324080"/>
+          </a:xfrm>
+          <a:prstGeom prst="rect">
+            <a:avLst/>
+          </a:prstGeom>
+          <a:noFill/>
+          <a:ln>
+            <a:noFill/>
+          </a:ln>
+        </p:spPr>
+        <p:style>
+          <a:lnRef idx="0"/>
+          <a:fillRef idx="0"/>
+          <a:effectRef idx="0"/>
+          <a:fontRef idx="minor"/>
+        </p:style>
+        <p:txBody>
+          <a:bodyPr lIns="0" rIns="0" tIns="0" bIns="0" anchor="ctr"/>
+          <a:p>
+            <a:pPr>
+              <a:lnSpc>
+                <a:spcPct val="100000"/>
+              </a:lnSpc>
+            </a:pPr>
+            <a:r>
+              <a:rPr b="0" lang="en-US" sz="2600" spc="-1" strike="noStrike">
                 <a:solidFill>
                   <a:srgbClr val="000000"/>
                 </a:solidFill>
                 <a:latin typeface="Calibri"/>
-              </a:rPr>
-              <a:t>wykryć?</a:t>
-            </a:r>
-            <a:endParaRPr b="0" lang="pl-PL" sz="2600" spc="-1" strike="noStrike">
-              <a:solidFill>
-                <a:srgbClr val="000000"/>
-              </a:solidFill>
-              <a:latin typeface="Calibri"/>
-            </a:endParaRPr>
-          </a:p>
-        </p:txBody>
-      </p:sp>
-      <p:sp>
-        <p:nvSpPr>
-          <p:cNvPr id="92" name="TextShape 2"/>
-          <p:cNvSpPr txBox="1"/>
+                <a:ea typeface="DejaVu Sans"/>
+              </a:rPr>
+              <a:t>Overfitting – jak wykryć?</a:t>
+            </a:r>
+            <a:endParaRPr b="0" lang="en-US" sz="2600" spc="-1" strike="noStrike">
+              <a:latin typeface="Arial"/>
+            </a:endParaRPr>
+          </a:p>
+        </p:txBody>
+      </p:sp>
+      <p:sp>
+        <p:nvSpPr>
+          <p:cNvPr id="88" name="CustomShape 2"/>
+          <p:cNvSpPr/>
           <p:nvPr/>
         </p:nvSpPr>
         <p:spPr>
           <a:xfrm>
             <a:off x="1188720" y="2011680"/>
-            <a:ext cx="9418320" cy="1626120"/>
+            <a:ext cx="9417240" cy="1625040"/>
           </a:xfrm>
           <a:prstGeom prst="rect">
             <a:avLst/>
@@ -5110,59 +4866,70 @@
             <a:noFill/>
           </a:ln>
         </p:spPr>
+        <p:style>
+          <a:lnRef idx="0"/>
+          <a:fillRef idx="0"/>
+          <a:effectRef idx="0"/>
+          <a:fontRef idx="minor"/>
+        </p:style>
         <p:txBody>
           <a:bodyPr lIns="90000" rIns="90000" tIns="45000" bIns="45000"/>
           <a:p>
+            <a:pPr>
+              <a:lnSpc>
+                <a:spcPct val="100000"/>
+              </a:lnSpc>
+            </a:pPr>
             <a:r>
               <a:rPr b="0" lang="en-US" sz="1800" spc="-1" strike="noStrike">
+                <a:solidFill>
+                  <a:srgbClr val="000000"/>
+                </a:solidFill>
                 <a:latin typeface="Arial"/>
-              </a:rPr>
-              <a:t>Służą do tego statystyki o nazwie: VIF.</a:t>
+                <a:ea typeface="DejaVu Sans"/>
+              </a:rPr>
+              <a:t>Trzeba policzyc “Predicted R-squared” - jak niskie, to overfitted.</a:t>
             </a:r>
             <a:endParaRPr b="0" lang="en-US" sz="1800" spc="-1" strike="noStrike">
               <a:latin typeface="Arial"/>
             </a:endParaRPr>
           </a:p>
           <a:p>
+            <a:pPr>
+              <a:lnSpc>
+                <a:spcPct val="100000"/>
+              </a:lnSpc>
+            </a:pPr>
             <a:endParaRPr b="0" lang="en-US" sz="1800" spc="-1" strike="noStrike">
               <a:latin typeface="Arial"/>
             </a:endParaRPr>
           </a:p>
           <a:p>
+            <a:pPr>
+              <a:lnSpc>
+                <a:spcPct val="100000"/>
+              </a:lnSpc>
+            </a:pPr>
             <a:r>
               <a:rPr b="0" lang="en-US" sz="1800" spc="-1" strike="noStrike">
+                <a:solidFill>
+                  <a:srgbClr val="000000"/>
+                </a:solidFill>
                 <a:latin typeface="Arial"/>
-              </a:rPr>
-              <a:t>Więcej tutaj:</a:t>
+                <a:ea typeface="DejaVu Sans"/>
+              </a:rPr>
+              <a:t>To chyba ten parametr, który robi cross validation “sam ze sobą”.</a:t>
             </a:r>
             <a:endParaRPr b="0" lang="en-US" sz="1800" spc="-1" strike="noStrike">
               <a:latin typeface="Arial"/>
             </a:endParaRPr>
           </a:p>
           <a:p>
-            <a:r>
-              <a:rPr b="0" lang="en-US" sz="1800" spc="-1" strike="noStrike">
-                <a:latin typeface="Arial"/>
-                <a:hlinkClick r:id="rId1"/>
-              </a:rPr>
-              <a:t>https://statisticsbyjim.com/regression/multicollinearity-in-regression-analysis/</a:t>
-            </a:r>
-            <a:endParaRPr b="0" lang="en-US" sz="1800" spc="-1" strike="noStrike">
-              <a:latin typeface="Arial"/>
-            </a:endParaRPr>
-          </a:p>
-          <a:p>
-            <a:r>
-              <a:rPr b="0" lang="en-US" sz="1800" spc="-1" strike="noStrike">
-                <a:latin typeface="Arial"/>
-              </a:rPr>
-              <a:t>(w dziale: Multicollinearity Example: Predicting Bone Density in the Femur)</a:t>
-            </a:r>
-            <a:endParaRPr b="0" lang="en-US" sz="1800" spc="-1" strike="noStrike">
-              <a:latin typeface="Arial"/>
-            </a:endParaRPr>
-          </a:p>
-          <a:p>
+            <a:pPr>
+              <a:lnSpc>
+                <a:spcPct val="100000"/>
+              </a:lnSpc>
+            </a:pPr>
             <a:endParaRPr b="0" lang="en-US" sz="1800" spc="-1" strike="noStrike">
               <a:latin typeface="Arial"/>
             </a:endParaRPr>
@@ -5171,6 +4938,377 @@
       </p:sp>
     </p:spTree>
   </p:cSld>
+  <p:timing>
+    <p:tnLst>
+      <p:par>
+        <p:cTn id="11" dur="indefinite" restart="never" nodeType="tmRoot">
+          <p:childTnLst>
+            <p:seq>
+              <p:cTn id="12" dur="indefinite" nodeType="mainSeq"/>
+              <p:prevCondLst>
+                <p:cond delay="0" evt="onPrev">
+                  <p:tgtEl>
+                    <p:sldTgt/>
+                  </p:tgtEl>
+                </p:cond>
+              </p:prevCondLst>
+              <p:nextCondLst>
+                <p:cond delay="0" evt="onNext">
+                  <p:tgtEl>
+                    <p:sldTgt/>
+                  </p:tgtEl>
+                </p:cond>
+              </p:nextCondLst>
+            </p:seq>
+          </p:childTnLst>
+        </p:cTn>
+      </p:par>
+    </p:tnLst>
+  </p:timing>
+</p:sld>
+</file>
+
+<file path=ppt/slides/slide7.xml><?xml version="1.0" encoding="utf-8"?>
+<p:sld xmlns:a="http://schemas.openxmlformats.org/drawingml/2006/main" xmlns:p="http://schemas.openxmlformats.org/presentationml/2006/main" xmlns:r="http://schemas.openxmlformats.org/officeDocument/2006/relationships" xmlns:p14="http://schemas.microsoft.com/office/powerpoint/2010/main" xmlns:p15="http://schemas.microsoft.com/office/powerpoint/2012/main" xmlns:mc="http://schemas.openxmlformats.org/markup-compatibility/2006">
+  <p:cSld>
+    <p:spTree>
+      <p:nvGrpSpPr>
+        <p:cNvPr id="1" name=""/>
+        <p:cNvGrpSpPr/>
+        <p:nvPr/>
+      </p:nvGrpSpPr>
+      <p:grpSpPr>
+        <a:xfrm>
+          <a:off x="0" y="0"/>
+          <a:ext cx="0" cy="0"/>
+          <a:chOff x="0" y="0"/>
+          <a:chExt cx="0" cy="0"/>
+        </a:xfrm>
+      </p:grpSpPr>
+      <p:sp>
+        <p:nvSpPr>
+          <p:cNvPr id="89" name="CustomShape 1"/>
+          <p:cNvSpPr/>
+          <p:nvPr/>
+        </p:nvSpPr>
+        <p:spPr>
+          <a:xfrm>
+            <a:off x="838080" y="365040"/>
+            <a:ext cx="10514160" cy="1324080"/>
+          </a:xfrm>
+          <a:prstGeom prst="rect">
+            <a:avLst/>
+          </a:prstGeom>
+          <a:noFill/>
+          <a:ln>
+            <a:noFill/>
+          </a:ln>
+        </p:spPr>
+        <p:style>
+          <a:lnRef idx="0"/>
+          <a:fillRef idx="0"/>
+          <a:effectRef idx="0"/>
+          <a:fontRef idx="minor"/>
+        </p:style>
+        <p:txBody>
+          <a:bodyPr lIns="0" rIns="0" tIns="0" bIns="0" anchor="ctr"/>
+          <a:p>
+            <a:pPr>
+              <a:lnSpc>
+                <a:spcPct val="100000"/>
+              </a:lnSpc>
+            </a:pPr>
+            <a:r>
+              <a:rPr b="0" lang="en-US" sz="2600" spc="-1" strike="noStrike">
+                <a:solidFill>
+                  <a:srgbClr val="000000"/>
+                </a:solidFill>
+                <a:latin typeface="Calibri"/>
+                <a:ea typeface="DejaVu Sans"/>
+              </a:rPr>
+              <a:t>Data mining – co jest złego?</a:t>
+            </a:r>
+            <a:endParaRPr b="0" lang="en-US" sz="2600" spc="-1" strike="noStrike">
+              <a:latin typeface="Arial"/>
+            </a:endParaRPr>
+          </a:p>
+        </p:txBody>
+      </p:sp>
+      <p:sp>
+        <p:nvSpPr>
+          <p:cNvPr id="90" name="CustomShape 2"/>
+          <p:cNvSpPr/>
+          <p:nvPr/>
+        </p:nvSpPr>
+        <p:spPr>
+          <a:xfrm>
+            <a:off x="1188720" y="2011680"/>
+            <a:ext cx="9417240" cy="1625040"/>
+          </a:xfrm>
+          <a:prstGeom prst="rect">
+            <a:avLst/>
+          </a:prstGeom>
+          <a:noFill/>
+          <a:ln>
+            <a:noFill/>
+          </a:ln>
+        </p:spPr>
+        <p:style>
+          <a:lnRef idx="0"/>
+          <a:fillRef idx="0"/>
+          <a:effectRef idx="0"/>
+          <a:fontRef idx="minor"/>
+        </p:style>
+        <p:txBody>
+          <a:bodyPr lIns="90000" rIns="90000" tIns="45000" bIns="45000"/>
+          <a:p>
+            <a:pPr>
+              <a:lnSpc>
+                <a:spcPct val="100000"/>
+              </a:lnSpc>
+            </a:pPr>
+            <a:r>
+              <a:rPr b="0" lang="en-US" sz="1800" spc="-1" strike="noStrike">
+                <a:solidFill>
+                  <a:srgbClr val="0563c1"/>
+                </a:solidFill>
+                <a:latin typeface="Arial"/>
+                <a:ea typeface="DejaVu Sans"/>
+              </a:rPr>
+              <a:t>Pamiętamy o tym eksperymencie, gdzie ziomek zrobiłem stepwise reg. I best subsets reg. Na losowych danych I coś mu wyszło (fajne P_values, fajne R^2). Jak najprościej wytłumaczyć, dlaczego tak się stało?</a:t>
+            </a:r>
+            <a:endParaRPr b="0" lang="en-US" sz="1800" spc="-1" strike="noStrike">
+              <a:latin typeface="Arial"/>
+            </a:endParaRPr>
+          </a:p>
+          <a:p>
+            <a:pPr>
+              <a:lnSpc>
+                <a:spcPct val="100000"/>
+              </a:lnSpc>
+            </a:pPr>
+            <a:endParaRPr b="0" lang="en-US" sz="1800" spc="-1" strike="noStrike">
+              <a:latin typeface="Arial"/>
+            </a:endParaRPr>
+          </a:p>
+          <a:p>
+            <a:pPr>
+              <a:lnSpc>
+                <a:spcPct val="100000"/>
+              </a:lnSpc>
+            </a:pPr>
+            <a:r>
+              <a:rPr b="0" lang="en-US" sz="1800" spc="-1" strike="noStrike">
+                <a:solidFill>
+                  <a:srgbClr val="0563c1"/>
+                </a:solidFill>
+                <a:latin typeface="Arial"/>
+                <a:ea typeface="DejaVu Sans"/>
+              </a:rPr>
+              <a:t>→ </a:t>
+            </a:r>
+            <a:r>
+              <a:rPr b="0" lang="en-US" sz="1800" spc="-1" strike="noStrike">
+                <a:solidFill>
+                  <a:srgbClr val="0563c1"/>
+                </a:solidFill>
+                <a:latin typeface="Arial"/>
+                <a:ea typeface="DejaVu Sans"/>
+              </a:rPr>
+              <a:t>Złapał dużo false positivów I tyle :)</a:t>
+            </a:r>
+            <a:endParaRPr b="0" lang="en-US" sz="1800" spc="-1" strike="noStrike">
+              <a:latin typeface="Arial"/>
+            </a:endParaRPr>
+          </a:p>
+        </p:txBody>
+      </p:sp>
+    </p:spTree>
+  </p:cSld>
+  <p:timing>
+    <p:tnLst>
+      <p:par>
+        <p:cTn id="13" dur="indefinite" restart="never" nodeType="tmRoot">
+          <p:childTnLst>
+            <p:seq>
+              <p:cTn id="14" dur="indefinite" nodeType="mainSeq"/>
+              <p:prevCondLst>
+                <p:cond delay="0" evt="onPrev">
+                  <p:tgtEl>
+                    <p:sldTgt/>
+                  </p:tgtEl>
+                </p:cond>
+              </p:prevCondLst>
+              <p:nextCondLst>
+                <p:cond delay="0" evt="onNext">
+                  <p:tgtEl>
+                    <p:sldTgt/>
+                  </p:tgtEl>
+                </p:cond>
+              </p:nextCondLst>
+            </p:seq>
+          </p:childTnLst>
+        </p:cTn>
+      </p:par>
+    </p:tnLst>
+  </p:timing>
+</p:sld>
+</file>
+
+<file path=ppt/slides/slide8.xml><?xml version="1.0" encoding="utf-8"?>
+<p:sld xmlns:a="http://schemas.openxmlformats.org/drawingml/2006/main" xmlns:p="http://schemas.openxmlformats.org/presentationml/2006/main" xmlns:r="http://schemas.openxmlformats.org/officeDocument/2006/relationships" xmlns:p14="http://schemas.microsoft.com/office/powerpoint/2010/main" xmlns:p15="http://schemas.microsoft.com/office/powerpoint/2012/main" xmlns:mc="http://schemas.openxmlformats.org/markup-compatibility/2006">
+  <p:cSld>
+    <p:spTree>
+      <p:nvGrpSpPr>
+        <p:cNvPr id="1" name=""/>
+        <p:cNvGrpSpPr/>
+        <p:nvPr/>
+      </p:nvGrpSpPr>
+      <p:grpSpPr>
+        <a:xfrm>
+          <a:off x="0" y="0"/>
+          <a:ext cx="0" cy="0"/>
+          <a:chOff x="0" y="0"/>
+          <a:chExt cx="0" cy="0"/>
+        </a:xfrm>
+      </p:grpSpPr>
+      <p:sp>
+        <p:nvSpPr>
+          <p:cNvPr id="91" name="CustomShape 1"/>
+          <p:cNvSpPr/>
+          <p:nvPr/>
+        </p:nvSpPr>
+        <p:spPr>
+          <a:xfrm>
+            <a:off x="838080" y="365040"/>
+            <a:ext cx="10514160" cy="1324080"/>
+          </a:xfrm>
+          <a:prstGeom prst="rect">
+            <a:avLst/>
+          </a:prstGeom>
+          <a:noFill/>
+          <a:ln>
+            <a:noFill/>
+          </a:ln>
+        </p:spPr>
+        <p:style>
+          <a:lnRef idx="0"/>
+          <a:fillRef idx="0"/>
+          <a:effectRef idx="0"/>
+          <a:fontRef idx="minor"/>
+        </p:style>
+        <p:txBody>
+          <a:bodyPr lIns="0" rIns="0" tIns="0" bIns="0" anchor="ctr"/>
+          <a:p>
+            <a:pPr>
+              <a:lnSpc>
+                <a:spcPct val="100000"/>
+              </a:lnSpc>
+            </a:pPr>
+            <a:r>
+              <a:rPr b="0" lang="en-US" sz="2600" spc="-1" strike="noStrike">
+                <a:solidFill>
+                  <a:srgbClr val="000000"/>
+                </a:solidFill>
+                <a:latin typeface="Calibri"/>
+                <a:ea typeface="DejaVu Sans"/>
+              </a:rPr>
+              <a:t>“</a:t>
+            </a:r>
+            <a:r>
+              <a:rPr b="0" lang="en-US" sz="2600" spc="-1" strike="noStrike">
+                <a:solidFill>
+                  <a:srgbClr val="000000"/>
+                </a:solidFill>
+                <a:latin typeface="Calibri"/>
+                <a:ea typeface="DejaVu Sans"/>
+              </a:rPr>
+              <a:t>S” - standard error of regression.</a:t>
+            </a:r>
+            <a:endParaRPr b="0" lang="en-US" sz="2600" spc="-1" strike="noStrike">
+              <a:latin typeface="Arial"/>
+            </a:endParaRPr>
+          </a:p>
+        </p:txBody>
+      </p:sp>
+      <p:sp>
+        <p:nvSpPr>
+          <p:cNvPr id="92" name="CustomShape 2"/>
+          <p:cNvSpPr/>
+          <p:nvPr/>
+        </p:nvSpPr>
+        <p:spPr>
+          <a:xfrm>
+            <a:off x="1188720" y="2011680"/>
+            <a:ext cx="9417240" cy="1625040"/>
+          </a:xfrm>
+          <a:prstGeom prst="rect">
+            <a:avLst/>
+          </a:prstGeom>
+          <a:noFill/>
+          <a:ln>
+            <a:noFill/>
+          </a:ln>
+        </p:spPr>
+        <p:style>
+          <a:lnRef idx="0"/>
+          <a:fillRef idx="0"/>
+          <a:effectRef idx="0"/>
+          <a:fontRef idx="minor"/>
+        </p:style>
+        <p:txBody>
+          <a:bodyPr lIns="90000" rIns="90000" tIns="45000" bIns="45000"/>
+          <a:p>
+            <a:pPr>
+              <a:lnSpc>
+                <a:spcPct val="100000"/>
+              </a:lnSpc>
+            </a:pPr>
+            <a:r>
+              <a:rPr b="0" lang="en-US" sz="1800" spc="-1" strike="noStrike">
+                <a:solidFill>
+                  <a:srgbClr val="0563c1"/>
+                </a:solidFill>
+                <a:latin typeface="Arial"/>
+                <a:ea typeface="DejaVu Sans"/>
+              </a:rPr>
+              <a:t>About 95% of data points lie between (-2S, +2S).</a:t>
+            </a:r>
+            <a:endParaRPr b="0" lang="en-US" sz="1800" spc="-1" strike="noStrike">
+              <a:latin typeface="Arial"/>
+            </a:endParaRPr>
+          </a:p>
+        </p:txBody>
+      </p:sp>
+    </p:spTree>
+  </p:cSld>
+  <p:timing>
+    <p:tnLst>
+      <p:par>
+        <p:cTn id="15" dur="indefinite" restart="never" nodeType="tmRoot">
+          <p:childTnLst>
+            <p:seq>
+              <p:cTn id="16" dur="indefinite" nodeType="mainSeq"/>
+              <p:prevCondLst>
+                <p:cond delay="0" evt="onPrev">
+                  <p:tgtEl>
+                    <p:sldTgt/>
+                  </p:tgtEl>
+                </p:cond>
+              </p:prevCondLst>
+              <p:nextCondLst>
+                <p:cond delay="0" evt="onNext">
+                  <p:tgtEl>
+                    <p:sldTgt/>
+                  </p:tgtEl>
+                </p:cond>
+              </p:nextCondLst>
+            </p:seq>
+          </p:childTnLst>
+        </p:cTn>
+      </p:par>
+    </p:tnLst>
+  </p:timing>
 </p:sld>
 </file>
 

--- a/source/math_linreg2/00_MAPS/presentation.pptx
+++ b/source/math_linreg2/00_MAPS/presentation.pptx
@@ -14,6 +14,9 @@
     <p:sldId id="261" r:id="rId9"/>
     <p:sldId id="262" r:id="rId10"/>
     <p:sldId id="263" r:id="rId11"/>
+    <p:sldId id="264" r:id="rId12"/>
+    <p:sldId id="265" r:id="rId13"/>
+    <p:sldId id="266" r:id="rId14"/>
   </p:sldIdLst>
   <p:sldSz cx="12192000" cy="6858000"/>
   <p:notesSz cx="7559675" cy="10691812"/>
@@ -2993,13 +2996,7 @@
               <a:rPr b="0" lang="en-US" sz="4400" spc="-1" strike="noStrike">
                 <a:latin typeface="Arial"/>
               </a:rPr>
-              <a:t>Click to edit the </a:t>
-            </a:r>
-            <a:r>
-              <a:rPr b="0" lang="en-US" sz="4400" spc="-1" strike="noStrike">
-                <a:latin typeface="Arial"/>
-              </a:rPr>
-              <a:t>title text format</a:t>
+              <a:t>Click to edit the title text format</a:t>
             </a:r>
             <a:endParaRPr b="0" lang="en-US" sz="4400" spc="-1" strike="noStrike">
               <a:latin typeface="Arial"/>
@@ -3232,7 +3229,7 @@
         <p:spPr>
           <a:xfrm>
             <a:off x="1523880" y="181440"/>
-            <a:ext cx="9142560" cy="1191960"/>
+            <a:ext cx="9141840" cy="1191240"/>
           </a:xfrm>
           <a:prstGeom prst="rect">
             <a:avLst/>
@@ -3283,7 +3280,7 @@
         </p:nvGraphicFramePr>
         <p:xfrm>
           <a:off x="1759680" y="1770120"/>
-          <a:ext cx="8127360" cy="1110960"/>
+          <a:ext cx="8127360" cy="1110240"/>
         </p:xfrm>
         <a:graphic>
           <a:graphicData uri="http://schemas.openxmlformats.org/drawingml/2006/table">
@@ -3471,7 +3468,7 @@
                   </a:tcPr>
                 </a:tc>
               </a:tr>
-              <a:tr h="369360">
+              <a:tr h="368640">
                 <a:tc>
                   <a:txBody>
                     <a:bodyPr/>
@@ -3584,7 +3581,7 @@
         <p:spPr>
           <a:xfrm>
             <a:off x="1290600" y="3864960"/>
-            <a:ext cx="9609480" cy="912240"/>
+            <a:ext cx="9608760" cy="911520"/>
           </a:xfrm>
           <a:prstGeom prst="rect">
             <a:avLst/>
@@ -3683,6 +3680,485 @@
           <p:childTnLst>
             <p:seq>
               <p:cTn id="2" dur="indefinite" nodeType="mainSeq"/>
+              <p:prevCondLst>
+                <p:cond delay="0" evt="onPrev">
+                  <p:tgtEl>
+                    <p:sldTgt/>
+                  </p:tgtEl>
+                </p:cond>
+              </p:prevCondLst>
+              <p:nextCondLst>
+                <p:cond delay="0" evt="onNext">
+                  <p:tgtEl>
+                    <p:sldTgt/>
+                  </p:tgtEl>
+                </p:cond>
+              </p:nextCondLst>
+            </p:seq>
+          </p:childTnLst>
+        </p:cTn>
+      </p:par>
+    </p:tnLst>
+  </p:timing>
+</p:sld>
+</file>
+
+<file path=ppt/slides/slide10.xml><?xml version="1.0" encoding="utf-8"?>
+<p:sld xmlns:a="http://schemas.openxmlformats.org/drawingml/2006/main" xmlns:p="http://schemas.openxmlformats.org/presentationml/2006/main" xmlns:r="http://schemas.openxmlformats.org/officeDocument/2006/relationships" xmlns:p14="http://schemas.microsoft.com/office/powerpoint/2010/main" xmlns:p15="http://schemas.microsoft.com/office/powerpoint/2012/main" xmlns:mc="http://schemas.openxmlformats.org/markup-compatibility/2006">
+  <p:cSld>
+    <p:spTree>
+      <p:nvGrpSpPr>
+        <p:cNvPr id="1" name=""/>
+        <p:cNvGrpSpPr/>
+        <p:nvPr/>
+      </p:nvGrpSpPr>
+      <p:grpSpPr>
+        <a:xfrm>
+          <a:off x="0" y="0"/>
+          <a:ext cx="0" cy="0"/>
+          <a:chOff x="0" y="0"/>
+          <a:chExt cx="0" cy="0"/>
+        </a:xfrm>
+      </p:grpSpPr>
+      <p:sp>
+        <p:nvSpPr>
+          <p:cNvPr id="95" name="CustomShape 1"/>
+          <p:cNvSpPr/>
+          <p:nvPr/>
+        </p:nvSpPr>
+        <p:spPr>
+          <a:xfrm>
+            <a:off x="838080" y="365040"/>
+            <a:ext cx="10513440" cy="1323360"/>
+          </a:xfrm>
+          <a:prstGeom prst="rect">
+            <a:avLst/>
+          </a:prstGeom>
+          <a:noFill/>
+          <a:ln>
+            <a:noFill/>
+          </a:ln>
+        </p:spPr>
+        <p:style>
+          <a:lnRef idx="0"/>
+          <a:fillRef idx="0"/>
+          <a:effectRef idx="0"/>
+          <a:fontRef idx="minor"/>
+        </p:style>
+        <p:txBody>
+          <a:bodyPr lIns="0" rIns="0" tIns="0" bIns="0" anchor="ctr"/>
+          <a:p>
+            <a:pPr>
+              <a:lnSpc>
+                <a:spcPct val="100000"/>
+              </a:lnSpc>
+            </a:pPr>
+            <a:r>
+              <a:rPr b="0" lang="en-US" sz="2600" spc="-1" strike="noStrike">
+                <a:solidFill>
+                  <a:srgbClr val="000000"/>
+                </a:solidFill>
+                <a:latin typeface="Calibri"/>
+                <a:ea typeface="DejaVu Sans"/>
+              </a:rPr>
+              <a:t>Bias</a:t>
+            </a:r>
+            <a:endParaRPr b="0" lang="en-US" sz="2600" spc="-1" strike="noStrike">
+              <a:latin typeface="Arial"/>
+            </a:endParaRPr>
+          </a:p>
+          <a:p>
+            <a:pPr>
+              <a:lnSpc>
+                <a:spcPct val="100000"/>
+              </a:lnSpc>
+            </a:pPr>
+            <a:endParaRPr b="0" lang="en-US" sz="2600" spc="-1" strike="noStrike">
+              <a:latin typeface="Arial"/>
+            </a:endParaRPr>
+          </a:p>
+        </p:txBody>
+      </p:sp>
+      <p:sp>
+        <p:nvSpPr>
+          <p:cNvPr id="96" name="CustomShape 2"/>
+          <p:cNvSpPr/>
+          <p:nvPr/>
+        </p:nvSpPr>
+        <p:spPr>
+          <a:xfrm>
+            <a:off x="1188720" y="2011680"/>
+            <a:ext cx="9416520" cy="1624320"/>
+          </a:xfrm>
+          <a:prstGeom prst="rect">
+            <a:avLst/>
+          </a:prstGeom>
+          <a:noFill/>
+          <a:ln>
+            <a:noFill/>
+          </a:ln>
+        </p:spPr>
+        <p:style>
+          <a:lnRef idx="0"/>
+          <a:fillRef idx="0"/>
+          <a:effectRef idx="0"/>
+          <a:fontRef idx="minor"/>
+        </p:style>
+      </p:sp>
+      <p:sp>
+        <p:nvSpPr>
+          <p:cNvPr id="97" name="CustomShape 3"/>
+          <p:cNvSpPr/>
+          <p:nvPr/>
+        </p:nvSpPr>
+        <p:spPr>
+          <a:xfrm>
+            <a:off x="1188720" y="2183040"/>
+            <a:ext cx="9416520" cy="1624320"/>
+          </a:xfrm>
+          <a:prstGeom prst="rect">
+            <a:avLst/>
+          </a:prstGeom>
+          <a:noFill/>
+          <a:ln>
+            <a:noFill/>
+          </a:ln>
+        </p:spPr>
+        <p:style>
+          <a:lnRef idx="0"/>
+          <a:fillRef idx="0"/>
+          <a:effectRef idx="0"/>
+          <a:fontRef idx="minor"/>
+        </p:style>
+        <p:txBody>
+          <a:bodyPr lIns="90000" rIns="90000" tIns="45000" bIns="45000"/>
+          <a:p>
+            <a:pPr>
+              <a:lnSpc>
+                <a:spcPct val="100000"/>
+              </a:lnSpc>
+            </a:pPr>
+            <a:r>
+              <a:rPr b="0" lang="en-US" sz="1800" spc="-1" strike="noStrike">
+                <a:solidFill>
+                  <a:srgbClr val="0563c1"/>
+                </a:solidFill>
+                <a:latin typeface="Arial"/>
+                <a:ea typeface="DejaVu Sans"/>
+              </a:rPr>
+              <a:t>Bias to generalized error, ktory bedzie nawet gdy bedziemy mieli nieskonczenie wiele sampli. Wynika on np. Ze zbyt malej liczby parametrow (w regresji liniowej np.)</a:t>
+            </a:r>
+            <a:endParaRPr b="0" lang="en-US" sz="1800" spc="-1" strike="noStrike">
+              <a:latin typeface="Arial"/>
+            </a:endParaRPr>
+          </a:p>
+          <a:p>
+            <a:pPr>
+              <a:lnSpc>
+                <a:spcPct val="100000"/>
+              </a:lnSpc>
+            </a:pPr>
+            <a:endParaRPr b="0" lang="en-US" sz="1800" spc="-1" strike="noStrike">
+              <a:latin typeface="Arial"/>
+            </a:endParaRPr>
+          </a:p>
+          <a:p>
+            <a:pPr>
+              <a:lnSpc>
+                <a:spcPct val="100000"/>
+              </a:lnSpc>
+            </a:pPr>
+            <a:r>
+              <a:rPr b="0" lang="en-US" sz="1800" spc="-1" strike="noStrike">
+                <a:solidFill>
+                  <a:srgbClr val="0563c1"/>
+                </a:solidFill>
+                <a:latin typeface="Arial"/>
+                <a:ea typeface="DejaVu Sans"/>
+              </a:rPr>
+              <a:t>Jest to DOKŁADNIE lewy skladnik rownania z nastepnego slajdu/</a:t>
+            </a:r>
+            <a:endParaRPr b="0" lang="en-US" sz="1800" spc="-1" strike="noStrike">
+              <a:latin typeface="Arial"/>
+            </a:endParaRPr>
+          </a:p>
+        </p:txBody>
+      </p:sp>
+    </p:spTree>
+  </p:cSld>
+  <p:timing>
+    <p:tnLst>
+      <p:par>
+        <p:cTn id="19" dur="indefinite" restart="never" nodeType="tmRoot">
+          <p:childTnLst>
+            <p:seq>
+              <p:cTn id="20" dur="indefinite" nodeType="mainSeq"/>
+              <p:prevCondLst>
+                <p:cond delay="0" evt="onPrev">
+                  <p:tgtEl>
+                    <p:sldTgt/>
+                  </p:tgtEl>
+                </p:cond>
+              </p:prevCondLst>
+              <p:nextCondLst>
+                <p:cond delay="0" evt="onNext">
+                  <p:tgtEl>
+                    <p:sldTgt/>
+                  </p:tgtEl>
+                </p:cond>
+              </p:nextCondLst>
+            </p:seq>
+          </p:childTnLst>
+        </p:cTn>
+      </p:par>
+    </p:tnLst>
+  </p:timing>
+</p:sld>
+</file>
+
+<file path=ppt/slides/slide11.xml><?xml version="1.0" encoding="utf-8"?>
+<p:sld xmlns:a="http://schemas.openxmlformats.org/drawingml/2006/main" xmlns:p="http://schemas.openxmlformats.org/presentationml/2006/main" xmlns:r="http://schemas.openxmlformats.org/officeDocument/2006/relationships" xmlns:p14="http://schemas.microsoft.com/office/powerpoint/2010/main" xmlns:p15="http://schemas.microsoft.com/office/powerpoint/2012/main" xmlns:mc="http://schemas.openxmlformats.org/markup-compatibility/2006">
+  <p:cSld>
+    <p:spTree>
+      <p:nvGrpSpPr>
+        <p:cNvPr id="1" name=""/>
+        <p:cNvGrpSpPr/>
+        <p:nvPr/>
+      </p:nvGrpSpPr>
+      <p:grpSpPr>
+        <a:xfrm>
+          <a:off x="0" y="0"/>
+          <a:ext cx="0" cy="0"/>
+          <a:chOff x="0" y="0"/>
+          <a:chExt cx="0" cy="0"/>
+        </a:xfrm>
+      </p:grpSpPr>
+      <p:sp>
+        <p:nvSpPr>
+          <p:cNvPr id="98" name="CustomShape 1"/>
+          <p:cNvSpPr/>
+          <p:nvPr/>
+        </p:nvSpPr>
+        <p:spPr>
+          <a:xfrm>
+            <a:off x="838080" y="365040"/>
+            <a:ext cx="10513440" cy="1323360"/>
+          </a:xfrm>
+          <a:prstGeom prst="rect">
+            <a:avLst/>
+          </a:prstGeom>
+          <a:noFill/>
+          <a:ln>
+            <a:noFill/>
+          </a:ln>
+        </p:spPr>
+        <p:style>
+          <a:lnRef idx="0"/>
+          <a:fillRef idx="0"/>
+          <a:effectRef idx="0"/>
+          <a:fontRef idx="minor"/>
+        </p:style>
+        <p:txBody>
+          <a:bodyPr lIns="0" rIns="0" tIns="0" bIns="0" anchor="ctr"/>
+          <a:p>
+            <a:pPr>
+              <a:lnSpc>
+                <a:spcPct val="100000"/>
+              </a:lnSpc>
+            </a:pPr>
+            <a:r>
+              <a:rPr b="0" lang="en-US" sz="2600" spc="-1" strike="noStrike">
+                <a:solidFill>
+                  <a:srgbClr val="000000"/>
+                </a:solidFill>
+                <a:latin typeface="Calibri"/>
+                <a:ea typeface="DejaVu Sans"/>
+              </a:rPr>
+              <a:t>Bias vs variance</a:t>
+            </a:r>
+            <a:endParaRPr b="0" lang="en-US" sz="2600" spc="-1" strike="noStrike">
+              <a:latin typeface="Arial"/>
+            </a:endParaRPr>
+          </a:p>
+          <a:p>
+            <a:pPr>
+              <a:lnSpc>
+                <a:spcPct val="100000"/>
+              </a:lnSpc>
+            </a:pPr>
+            <a:endParaRPr b="0" lang="en-US" sz="2600" spc="-1" strike="noStrike">
+              <a:latin typeface="Arial"/>
+            </a:endParaRPr>
+          </a:p>
+        </p:txBody>
+      </p:sp>
+      <p:sp>
+        <p:nvSpPr>
+          <p:cNvPr id="99" name="CustomShape 2"/>
+          <p:cNvSpPr/>
+          <p:nvPr/>
+        </p:nvSpPr>
+        <p:spPr>
+          <a:xfrm>
+            <a:off x="1188720" y="2011680"/>
+            <a:ext cx="9416520" cy="1624320"/>
+          </a:xfrm>
+          <a:prstGeom prst="rect">
+            <a:avLst/>
+          </a:prstGeom>
+          <a:noFill/>
+          <a:ln>
+            <a:noFill/>
+          </a:ln>
+        </p:spPr>
+        <p:style>
+          <a:lnRef idx="0"/>
+          <a:fillRef idx="0"/>
+          <a:effectRef idx="0"/>
+          <a:fontRef idx="minor"/>
+        </p:style>
+      </p:sp>
+      <p:pic>
+        <p:nvPicPr>
+          <p:cNvPr id="100" name="" descr=""/>
+          <p:cNvPicPr/>
+          <p:nvPr/>
+        </p:nvPicPr>
+        <p:blipFill>
+          <a:blip r:embed="rId1"/>
+          <a:stretch/>
+        </p:blipFill>
+        <p:spPr>
+          <a:xfrm>
+            <a:off x="4480560" y="640080"/>
+            <a:ext cx="2542680" cy="828360"/>
+          </a:xfrm>
+          <a:prstGeom prst="rect">
+            <a:avLst/>
+          </a:prstGeom>
+          <a:ln>
+            <a:noFill/>
+          </a:ln>
+        </p:spPr>
+      </p:pic>
+      <p:sp>
+        <p:nvSpPr>
+          <p:cNvPr id="101" name="CustomShape 3"/>
+          <p:cNvSpPr/>
+          <p:nvPr/>
+        </p:nvSpPr>
+        <p:spPr>
+          <a:xfrm>
+            <a:off x="1188720" y="2183040"/>
+            <a:ext cx="9416520" cy="1624320"/>
+          </a:xfrm>
+          <a:prstGeom prst="rect">
+            <a:avLst/>
+          </a:prstGeom>
+          <a:noFill/>
+          <a:ln>
+            <a:noFill/>
+          </a:ln>
+        </p:spPr>
+        <p:style>
+          <a:lnRef idx="0"/>
+          <a:fillRef idx="0"/>
+          <a:effectRef idx="0"/>
+          <a:fontRef idx="minor"/>
+        </p:style>
+        <p:txBody>
+          <a:bodyPr lIns="90000" rIns="90000" tIns="45000" bIns="45000"/>
+          <a:p>
+            <a:pPr>
+              <a:lnSpc>
+                <a:spcPct val="100000"/>
+              </a:lnSpc>
+            </a:pPr>
+            <a:r>
+              <a:rPr b="0" lang="en-US" sz="1800" spc="-1" strike="noStrike">
+                <a:solidFill>
+                  <a:srgbClr val="0563c1"/>
+                </a:solidFill>
+                <a:latin typeface="Arial"/>
+                <a:ea typeface="DejaVu Sans"/>
+              </a:rPr>
+              <a:t>_k – miara przestrzeni modeli</a:t>
+            </a:r>
+            <a:endParaRPr b="0" lang="en-US" sz="1800" spc="-1" strike="noStrike">
+              <a:latin typeface="Arial"/>
+            </a:endParaRPr>
+          </a:p>
+          <a:p>
+            <a:pPr>
+              <a:lnSpc>
+                <a:spcPct val="100000"/>
+              </a:lnSpc>
+            </a:pPr>
+            <a:endParaRPr b="0" lang="en-US" sz="1800" spc="-1" strike="noStrike">
+              <a:latin typeface="Arial"/>
+            </a:endParaRPr>
+          </a:p>
+          <a:p>
+            <a:pPr>
+              <a:lnSpc>
+                <a:spcPct val="100000"/>
+              </a:lnSpc>
+            </a:pPr>
+            <a:r>
+              <a:rPr b="0" lang="en-US" sz="1800" spc="-1" strike="noStrike">
+                <a:solidFill>
+                  <a:srgbClr val="0563c1"/>
+                </a:solidFill>
+                <a:latin typeface="Arial"/>
+                <a:ea typeface="DejaVu Sans"/>
+              </a:rPr>
+              <a:t>Im wiecej modeli tym mniejsze ich minimum (BIAS), ale wieksza wariancja (pierwiastek).</a:t>
+            </a:r>
+            <a:endParaRPr b="0" lang="en-US" sz="1800" spc="-1" strike="noStrike">
+              <a:latin typeface="Arial"/>
+            </a:endParaRPr>
+          </a:p>
+          <a:p>
+            <a:pPr>
+              <a:lnSpc>
+                <a:spcPct val="100000"/>
+              </a:lnSpc>
+            </a:pPr>
+            <a:endParaRPr b="0" lang="en-US" sz="1800" spc="-1" strike="noStrike">
+              <a:latin typeface="Arial"/>
+            </a:endParaRPr>
+          </a:p>
+          <a:p>
+            <a:pPr>
+              <a:lnSpc>
+                <a:spcPct val="100000"/>
+              </a:lnSpc>
+            </a:pPr>
+            <a:r>
+              <a:rPr b="0" lang="en-US" sz="1800" spc="-1" strike="noStrike">
+                <a:solidFill>
+                  <a:srgbClr val="0563c1"/>
+                </a:solidFill>
+                <a:latin typeface="Arial"/>
+                <a:ea typeface="DejaVu Sans"/>
+              </a:rPr>
+              <a:t>Źródło: CS229 Learning theory.</a:t>
+            </a:r>
+            <a:endParaRPr b="0" lang="en-US" sz="1800" spc="-1" strike="noStrike">
+              <a:latin typeface="Arial"/>
+            </a:endParaRPr>
+          </a:p>
+        </p:txBody>
+      </p:sp>
+    </p:spTree>
+  </p:cSld>
+  <p:timing>
+    <p:tnLst>
+      <p:par>
+        <p:cTn id="21" dur="indefinite" restart="never" nodeType="tmRoot">
+          <p:childTnLst>
+            <p:seq>
+              <p:cTn id="22" dur="indefinite" nodeType="mainSeq"/>
               <p:prevCondLst>
                 <p:cond delay="0" evt="onPrev">
                   <p:tgtEl>
@@ -3732,7 +4208,7 @@
         <p:spPr>
           <a:xfrm>
             <a:off x="838080" y="365040"/>
-            <a:ext cx="10514160" cy="1324080"/>
+            <a:ext cx="10513440" cy="1323360"/>
           </a:xfrm>
           <a:prstGeom prst="rect">
             <a:avLst/>
@@ -3781,7 +4257,7 @@
         <p:spPr>
           <a:xfrm>
             <a:off x="838080" y="1825560"/>
-            <a:ext cx="10514160" cy="4349880"/>
+            <a:ext cx="10513440" cy="4349160"/>
           </a:xfrm>
           <a:prstGeom prst="rect">
             <a:avLst/>
@@ -3800,7 +4276,7 @@
         <p:txBody>
           <a:bodyPr lIns="90000" rIns="90000" tIns="45000" bIns="45000"/>
           <a:p>
-            <a:pPr marL="228600" indent="-227160">
+            <a:pPr marL="228600" indent="-226440">
               <a:lnSpc>
                 <a:spcPct val="90000"/>
               </a:lnSpc>
@@ -3828,7 +4304,7 @@
             </a:endParaRPr>
           </a:p>
           <a:p>
-            <a:pPr marL="228600" indent="-227160">
+            <a:pPr marL="228600" indent="-226440">
               <a:lnSpc>
                 <a:spcPct val="90000"/>
               </a:lnSpc>
@@ -4004,7 +4480,7 @@
         <p:spPr>
           <a:xfrm>
             <a:off x="838080" y="365040"/>
-            <a:ext cx="10514160" cy="1324080"/>
+            <a:ext cx="10513440" cy="1323360"/>
           </a:xfrm>
           <a:prstGeom prst="rect">
             <a:avLst/>
@@ -4053,7 +4529,7 @@
         <p:spPr>
           <a:xfrm>
             <a:off x="838080" y="1825560"/>
-            <a:ext cx="10514160" cy="4349880"/>
+            <a:ext cx="10513440" cy="4349160"/>
           </a:xfrm>
           <a:prstGeom prst="rect">
             <a:avLst/>
@@ -4393,7 +4869,7 @@
         <p:spPr>
           <a:xfrm>
             <a:off x="838080" y="365040"/>
-            <a:ext cx="10514160" cy="1324080"/>
+            <a:ext cx="10513440" cy="1323360"/>
           </a:xfrm>
           <a:prstGeom prst="rect">
             <a:avLst/>
@@ -4442,7 +4918,7 @@
         <p:spPr>
           <a:xfrm>
             <a:off x="838080" y="1825560"/>
-            <a:ext cx="10514160" cy="4349880"/>
+            <a:ext cx="10513440" cy="4349160"/>
           </a:xfrm>
           <a:prstGeom prst="rect">
             <a:avLst/>
@@ -4463,7 +4939,7 @@
             <a:normAutofit/>
           </a:bodyPr>
           <a:p>
-            <a:pPr marL="228600" indent="-227160">
+            <a:pPr marL="228600" indent="-226440">
               <a:lnSpc>
                 <a:spcPct val="90000"/>
               </a:lnSpc>
@@ -4491,7 +4967,7 @@
             </a:endParaRPr>
           </a:p>
           <a:p>
-            <a:pPr marL="228600" indent="-227160">
+            <a:pPr marL="228600" indent="-226440">
               <a:lnSpc>
                 <a:spcPct val="90000"/>
               </a:lnSpc>
@@ -4578,7 +5054,7 @@
         <p:spPr>
           <a:xfrm>
             <a:off x="838080" y="365040"/>
-            <a:ext cx="10514160" cy="1324080"/>
+            <a:ext cx="10513440" cy="1323360"/>
           </a:xfrm>
           <a:prstGeom prst="rect">
             <a:avLst/>
@@ -4627,7 +5103,7 @@
         <p:spPr>
           <a:xfrm>
             <a:off x="1188720" y="2011680"/>
-            <a:ext cx="9417240" cy="1625040"/>
+            <a:ext cx="9416520" cy="1624320"/>
           </a:xfrm>
           <a:prstGeom prst="rect">
             <a:avLst/>
@@ -4807,7 +5283,7 @@
         <p:spPr>
           <a:xfrm>
             <a:off x="838080" y="365040"/>
-            <a:ext cx="10514160" cy="1324080"/>
+            <a:ext cx="10513440" cy="1323360"/>
           </a:xfrm>
           <a:prstGeom prst="rect">
             <a:avLst/>
@@ -4856,7 +5332,7 @@
         <p:spPr>
           <a:xfrm>
             <a:off x="1188720" y="2011680"/>
-            <a:ext cx="9417240" cy="1625040"/>
+            <a:ext cx="9416520" cy="1624320"/>
           </a:xfrm>
           <a:prstGeom prst="rect">
             <a:avLst/>
@@ -4994,7 +5470,7 @@
         <p:spPr>
           <a:xfrm>
             <a:off x="838080" y="365040"/>
-            <a:ext cx="10514160" cy="1324080"/>
+            <a:ext cx="10513440" cy="1323360"/>
           </a:xfrm>
           <a:prstGeom prst="rect">
             <a:avLst/>
@@ -5043,7 +5519,7 @@
         <p:spPr>
           <a:xfrm>
             <a:off x="1188720" y="2011680"/>
-            <a:ext cx="9417240" cy="1625040"/>
+            <a:ext cx="9416520" cy="1624320"/>
           </a:xfrm>
           <a:prstGeom prst="rect">
             <a:avLst/>
@@ -5181,7 +5657,7 @@
         <p:spPr>
           <a:xfrm>
             <a:off x="838080" y="365040"/>
-            <a:ext cx="10514160" cy="1324080"/>
+            <a:ext cx="10513440" cy="1323360"/>
           </a:xfrm>
           <a:prstGeom prst="rect">
             <a:avLst/>
@@ -5240,7 +5716,7 @@
         <p:spPr>
           <a:xfrm>
             <a:off x="1188720" y="2011680"/>
-            <a:ext cx="9417240" cy="1625040"/>
+            <a:ext cx="9416520" cy="1624320"/>
           </a:xfrm>
           <a:prstGeom prst="rect">
             <a:avLst/>
@@ -5289,6 +5765,233 @@
           <p:childTnLst>
             <p:seq>
               <p:cTn id="16" dur="indefinite" nodeType="mainSeq"/>
+              <p:prevCondLst>
+                <p:cond delay="0" evt="onPrev">
+                  <p:tgtEl>
+                    <p:sldTgt/>
+                  </p:tgtEl>
+                </p:cond>
+              </p:prevCondLst>
+              <p:nextCondLst>
+                <p:cond delay="0" evt="onNext">
+                  <p:tgtEl>
+                    <p:sldTgt/>
+                  </p:tgtEl>
+                </p:cond>
+              </p:nextCondLst>
+            </p:seq>
+          </p:childTnLst>
+        </p:cTn>
+      </p:par>
+    </p:tnLst>
+  </p:timing>
+</p:sld>
+</file>
+
+<file path=ppt/slides/slide9.xml><?xml version="1.0" encoding="utf-8"?>
+<p:sld xmlns:a="http://schemas.openxmlformats.org/drawingml/2006/main" xmlns:p="http://schemas.openxmlformats.org/presentationml/2006/main" xmlns:r="http://schemas.openxmlformats.org/officeDocument/2006/relationships" xmlns:p14="http://schemas.microsoft.com/office/powerpoint/2010/main" xmlns:p15="http://schemas.microsoft.com/office/powerpoint/2012/main" xmlns:mc="http://schemas.openxmlformats.org/markup-compatibility/2006">
+  <p:cSld>
+    <p:spTree>
+      <p:nvGrpSpPr>
+        <p:cNvPr id="1" name=""/>
+        <p:cNvGrpSpPr/>
+        <p:nvPr/>
+      </p:nvGrpSpPr>
+      <p:grpSpPr>
+        <a:xfrm>
+          <a:off x="0" y="0"/>
+          <a:ext cx="0" cy="0"/>
+          <a:chOff x="0" y="0"/>
+          <a:chExt cx="0" cy="0"/>
+        </a:xfrm>
+      </p:grpSpPr>
+      <p:sp>
+        <p:nvSpPr>
+          <p:cNvPr id="93" name="CustomShape 1"/>
+          <p:cNvSpPr/>
+          <p:nvPr/>
+        </p:nvSpPr>
+        <p:spPr>
+          <a:xfrm>
+            <a:off x="838080" y="365040"/>
+            <a:ext cx="10513440" cy="1323360"/>
+          </a:xfrm>
+          <a:prstGeom prst="rect">
+            <a:avLst/>
+          </a:prstGeom>
+          <a:noFill/>
+          <a:ln>
+            <a:noFill/>
+          </a:ln>
+        </p:spPr>
+        <p:style>
+          <a:lnRef idx="0"/>
+          <a:fillRef idx="0"/>
+          <a:effectRef idx="0"/>
+          <a:fontRef idx="minor"/>
+        </p:style>
+        <p:txBody>
+          <a:bodyPr lIns="0" rIns="0" tIns="0" bIns="0" anchor="ctr"/>
+          <a:p>
+            <a:pPr>
+              <a:lnSpc>
+                <a:spcPct val="100000"/>
+              </a:lnSpc>
+            </a:pPr>
+            <a:r>
+              <a:rPr b="0" lang="en-US" sz="2600" spc="-1" strike="noStrike">
+                <a:solidFill>
+                  <a:srgbClr val="000000"/>
+                </a:solidFill>
+                <a:latin typeface="Calibri"/>
+                <a:ea typeface="DejaVu Sans"/>
+              </a:rPr>
+              <a:t>Optimization algorithms</a:t>
+            </a:r>
+            <a:endParaRPr b="0" lang="en-US" sz="2600" spc="-1" strike="noStrike">
+              <a:latin typeface="Arial"/>
+            </a:endParaRPr>
+          </a:p>
+        </p:txBody>
+      </p:sp>
+      <p:sp>
+        <p:nvSpPr>
+          <p:cNvPr id="94" name="CustomShape 2"/>
+          <p:cNvSpPr/>
+          <p:nvPr/>
+        </p:nvSpPr>
+        <p:spPr>
+          <a:xfrm>
+            <a:off x="1188720" y="2011680"/>
+            <a:ext cx="9416520" cy="1624320"/>
+          </a:xfrm>
+          <a:prstGeom prst="rect">
+            <a:avLst/>
+          </a:prstGeom>
+          <a:noFill/>
+          <a:ln>
+            <a:noFill/>
+          </a:ln>
+        </p:spPr>
+        <p:style>
+          <a:lnRef idx="0"/>
+          <a:fillRef idx="0"/>
+          <a:effectRef idx="0"/>
+          <a:fontRef idx="minor"/>
+        </p:style>
+        <p:txBody>
+          <a:bodyPr lIns="90000" rIns="90000" tIns="45000" bIns="45000"/>
+          <a:p>
+            <a:pPr>
+              <a:lnSpc>
+                <a:spcPct val="100000"/>
+              </a:lnSpc>
+            </a:pPr>
+            <a:r>
+              <a:rPr b="0" lang="en-US" sz="1800" spc="-1" strike="noStrike">
+                <a:solidFill>
+                  <a:srgbClr val="0563c1"/>
+                </a:solidFill>
+                <a:latin typeface="Arial"/>
+                <a:ea typeface="DejaVu Sans"/>
+              </a:rPr>
+              <a:t>Służą do szukania ekstremów, gdzie klasyczne metody (pochodna) zawodzą.</a:t>
+            </a:r>
+            <a:endParaRPr b="0" lang="en-US" sz="1800" spc="-1" strike="noStrike">
+              <a:latin typeface="Arial"/>
+            </a:endParaRPr>
+          </a:p>
+          <a:p>
+            <a:pPr>
+              <a:lnSpc>
+                <a:spcPct val="100000"/>
+              </a:lnSpc>
+            </a:pPr>
+            <a:r>
+              <a:rPr b="0" lang="en-US" sz="1800" spc="-1" strike="noStrike">
+                <a:solidFill>
+                  <a:srgbClr val="0563c1"/>
+                </a:solidFill>
+                <a:latin typeface="Arial"/>
+                <a:ea typeface="DejaVu Sans"/>
+              </a:rPr>
+              <a:t>Przyklady:</a:t>
+            </a:r>
+            <a:endParaRPr b="0" lang="en-US" sz="1800" spc="-1" strike="noStrike">
+              <a:latin typeface="Arial"/>
+            </a:endParaRPr>
+          </a:p>
+          <a:p>
+            <a:pPr>
+              <a:lnSpc>
+                <a:spcPct val="100000"/>
+              </a:lnSpc>
+            </a:pPr>
+            <a:r>
+              <a:rPr b="0" lang="en-US" sz="1800" spc="-1" strike="noStrike">
+                <a:solidFill>
+                  <a:srgbClr val="0563c1"/>
+                </a:solidFill>
+                <a:latin typeface="Arial"/>
+                <a:ea typeface="DejaVu Sans"/>
+              </a:rPr>
+              <a:t>- gradient ascent (zblizenie w kierunku maksymalnego wzrostu),</a:t>
+            </a:r>
+            <a:endParaRPr b="0" lang="en-US" sz="1800" spc="-1" strike="noStrike">
+              <a:latin typeface="Arial"/>
+            </a:endParaRPr>
+          </a:p>
+          <a:p>
+            <a:pPr>
+              <a:lnSpc>
+                <a:spcPct val="100000"/>
+              </a:lnSpc>
+            </a:pPr>
+            <a:r>
+              <a:rPr b="0" lang="en-US" sz="1800" spc="-1" strike="noStrike">
+                <a:solidFill>
+                  <a:srgbClr val="0563c1"/>
+                </a:solidFill>
+                <a:latin typeface="Arial"/>
+                <a:ea typeface="DejaVu Sans"/>
+              </a:rPr>
+              <a:t>- coordinate ascent (j.w. ale po kazdym parametrze z osobna – za kazdym razem wzdluż jednej osi),</a:t>
+            </a:r>
+            <a:endParaRPr b="0" lang="en-US" sz="1800" spc="-1" strike="noStrike">
+              <a:latin typeface="Arial"/>
+            </a:endParaRPr>
+          </a:p>
+          <a:p>
+            <a:pPr>
+              <a:lnSpc>
+                <a:spcPct val="100000"/>
+              </a:lnSpc>
+            </a:pPr>
+            <a:r>
+              <a:rPr b="0" lang="en-US" sz="1800" spc="-1" strike="noStrike">
+                <a:solidFill>
+                  <a:srgbClr val="0563c1"/>
+                </a:solidFill>
+                <a:latin typeface="Arial"/>
+                <a:ea typeface="DejaVu Sans"/>
+              </a:rPr>
+              <a:t>- Newton Method (tutaj interesuje nas pochodna, a nie sama funkcja. Szukamy jej zera stycznymi).</a:t>
+            </a:r>
+            <a:endParaRPr b="0" lang="en-US" sz="1800" spc="-1" strike="noStrike">
+              <a:latin typeface="Arial"/>
+            </a:endParaRPr>
+          </a:p>
+        </p:txBody>
+      </p:sp>
+    </p:spTree>
+  </p:cSld>
+  <p:timing>
+    <p:tnLst>
+      <p:par>
+        <p:cTn id="17" dur="indefinite" restart="never" nodeType="tmRoot">
+          <p:childTnLst>
+            <p:seq>
+              <p:cTn id="18" dur="indefinite" nodeType="mainSeq"/>
               <p:prevCondLst>
                 <p:cond delay="0" evt="onPrev">
                   <p:tgtEl>
